--- a/MDS_PLC_2220897_2220893_2220900.pptx
+++ b/MDS_PLC_2220897_2220893_2220900.pptx
@@ -17,17 +17,19 @@
     <p:sldId id="265" r:id="rId11"/>
     <p:sldId id="266" r:id="rId12"/>
     <p:sldId id="267" r:id="rId13"/>
-    <p:sldId id="268" r:id="rId14"/>
-    <p:sldId id="269" r:id="rId15"/>
-    <p:sldId id="270" r:id="rId16"/>
-    <p:sldId id="271" r:id="rId17"/>
-    <p:sldId id="278" r:id="rId18"/>
-    <p:sldId id="272" r:id="rId19"/>
-    <p:sldId id="273" r:id="rId20"/>
-    <p:sldId id="274" r:id="rId21"/>
-    <p:sldId id="275" r:id="rId22"/>
-    <p:sldId id="276" r:id="rId23"/>
-    <p:sldId id="277" r:id="rId24"/>
+    <p:sldId id="280" r:id="rId14"/>
+    <p:sldId id="268" r:id="rId15"/>
+    <p:sldId id="269" r:id="rId16"/>
+    <p:sldId id="270" r:id="rId17"/>
+    <p:sldId id="271" r:id="rId18"/>
+    <p:sldId id="278" r:id="rId19"/>
+    <p:sldId id="272" r:id="rId20"/>
+    <p:sldId id="273" r:id="rId21"/>
+    <p:sldId id="274" r:id="rId22"/>
+    <p:sldId id="275" r:id="rId23"/>
+    <p:sldId id="276" r:id="rId24"/>
+    <p:sldId id="277" r:id="rId25"/>
+    <p:sldId id="281" r:id="rId26"/>
   </p:sldIdLst>
   <p:sldSz cx="12192000" cy="6858000"/>
   <p:notesSz cx="6858000" cy="9144000"/>
@@ -126,6 +128,11 @@
       </a:defRPr>
     </a:lvl9pPr>
   </p:defaultTextStyle>
+  <p:extLst>
+    <p:ext uri="{EFAFB233-063F-42B5-8137-9DF3F51BA10A}">
+      <p15:sldGuideLst xmlns:p15="http://schemas.microsoft.com/office/powerpoint/2012/main"/>
+    </p:ext>
+  </p:extLst>
 </p:presentation>
 </file>
 
@@ -1226,7 +1233,7 @@
           <a:p>
             <a:fld id="{9405DDFE-15B7-4C11-86C2-F8C41D73DFB4}" type="datetimeFigureOut">
               <a:rPr lang="pt-PT" smtClean="0"/>
-              <a:t>02/07/2023</a:t>
+              <a:t>06/07/2023</a:t>
             </a:fld>
             <a:endParaRPr lang="pt-PT"/>
           </a:p>
@@ -1405,7 +1412,7 @@
           <a:p>
             <a:fld id="{9405DDFE-15B7-4C11-86C2-F8C41D73DFB4}" type="datetimeFigureOut">
               <a:rPr lang="pt-PT" smtClean="0"/>
-              <a:t>02/07/2023</a:t>
+              <a:t>06/07/2023</a:t>
             </a:fld>
             <a:endParaRPr lang="pt-PT"/>
           </a:p>
@@ -1585,7 +1592,7 @@
           <a:p>
             <a:fld id="{9405DDFE-15B7-4C11-86C2-F8C41D73DFB4}" type="datetimeFigureOut">
               <a:rPr lang="pt-PT" smtClean="0"/>
-              <a:t>02/07/2023</a:t>
+              <a:t>06/07/2023</a:t>
             </a:fld>
             <a:endParaRPr lang="pt-PT"/>
           </a:p>
@@ -1755,7 +1762,7 @@
           <a:p>
             <a:fld id="{9405DDFE-15B7-4C11-86C2-F8C41D73DFB4}" type="datetimeFigureOut">
               <a:rPr lang="pt-PT" smtClean="0"/>
-              <a:t>02/07/2023</a:t>
+              <a:t>06/07/2023</a:t>
             </a:fld>
             <a:endParaRPr lang="pt-PT"/>
           </a:p>
@@ -2068,7 +2075,7 @@
           <a:p>
             <a:fld id="{9405DDFE-15B7-4C11-86C2-F8C41D73DFB4}" type="datetimeFigureOut">
               <a:rPr lang="pt-PT" smtClean="0"/>
-              <a:t>02/07/2023</a:t>
+              <a:t>06/07/2023</a:t>
             </a:fld>
             <a:endParaRPr lang="pt-PT"/>
           </a:p>
@@ -2454,7 +2461,7 @@
           <a:p>
             <a:fld id="{9405DDFE-15B7-4C11-86C2-F8C41D73DFB4}" type="datetimeFigureOut">
               <a:rPr lang="pt-PT" smtClean="0"/>
-              <a:t>02/07/2023</a:t>
+              <a:t>06/07/2023</a:t>
             </a:fld>
             <a:endParaRPr lang="pt-PT"/>
           </a:p>
@@ -2888,7 +2895,7 @@
           <a:p>
             <a:fld id="{9405DDFE-15B7-4C11-86C2-F8C41D73DFB4}" type="datetimeFigureOut">
               <a:rPr lang="pt-PT" smtClean="0"/>
-              <a:t>02/07/2023</a:t>
+              <a:t>06/07/2023</a:t>
             </a:fld>
             <a:endParaRPr lang="pt-PT"/>
           </a:p>
@@ -3006,7 +3013,7 @@
           <a:p>
             <a:fld id="{9405DDFE-15B7-4C11-86C2-F8C41D73DFB4}" type="datetimeFigureOut">
               <a:rPr lang="pt-PT" smtClean="0"/>
-              <a:t>02/07/2023</a:t>
+              <a:t>06/07/2023</a:t>
             </a:fld>
             <a:endParaRPr lang="pt-PT"/>
           </a:p>
@@ -3101,7 +3108,7 @@
           <a:p>
             <a:fld id="{9405DDFE-15B7-4C11-86C2-F8C41D73DFB4}" type="datetimeFigureOut">
               <a:rPr lang="pt-PT" smtClean="0"/>
-              <a:t>02/07/2023</a:t>
+              <a:t>06/07/2023</a:t>
             </a:fld>
             <a:endParaRPr lang="pt-PT"/>
           </a:p>
@@ -3451,7 +3458,7 @@
           <a:p>
             <a:fld id="{9405DDFE-15B7-4C11-86C2-F8C41D73DFB4}" type="datetimeFigureOut">
               <a:rPr lang="pt-PT" smtClean="0"/>
-              <a:t>02/07/2023</a:t>
+              <a:t>06/07/2023</a:t>
             </a:fld>
             <a:endParaRPr lang="pt-PT"/>
           </a:p>
@@ -3876,7 +3883,7 @@
           <a:p>
             <a:fld id="{9405DDFE-15B7-4C11-86C2-F8C41D73DFB4}" type="datetimeFigureOut">
               <a:rPr lang="pt-PT" smtClean="0"/>
-              <a:t>02/07/2023</a:t>
+              <a:t>06/07/2023</a:t>
             </a:fld>
             <a:endParaRPr lang="pt-PT"/>
           </a:p>
@@ -4157,7 +4164,7 @@
           <a:p>
             <a:fld id="{9405DDFE-15B7-4C11-86C2-F8C41D73DFB4}" type="datetimeFigureOut">
               <a:rPr lang="pt-PT" smtClean="0"/>
-              <a:t>02/07/2023</a:t>
+              <a:t>06/07/2023</a:t>
             </a:fld>
             <a:endParaRPr lang="pt-PT"/>
           </a:p>
@@ -4975,6 +4982,66 @@
           </a:p>
         </p:txBody>
       </p:sp>
+      <p:pic>
+        <p:nvPicPr>
+          <p:cNvPr id="7" name="Imagem 6">
+            <a:extLst>
+              <a:ext uri="{FF2B5EF4-FFF2-40B4-BE49-F238E27FC236}">
+                <a16:creationId xmlns:a16="http://schemas.microsoft.com/office/drawing/2014/main" id="{28FC1D09-6479-9A22-1F4C-930B90597CCD}"/>
+              </a:ext>
+            </a:extLst>
+          </p:cNvPr>
+          <p:cNvPicPr>
+            <a:picLocks noChangeAspect="1"/>
+          </p:cNvPicPr>
+          <p:nvPr/>
+        </p:nvPicPr>
+        <p:blipFill>
+          <a:blip r:embed="rId2"/>
+          <a:stretch>
+            <a:fillRect/>
+          </a:stretch>
+        </p:blipFill>
+        <p:spPr>
+          <a:xfrm>
+            <a:off x="1260995" y="2970557"/>
+            <a:ext cx="4372585" cy="1428949"/>
+          </a:xfrm>
+          <a:prstGeom prst="rect">
+            <a:avLst/>
+          </a:prstGeom>
+        </p:spPr>
+      </p:pic>
+      <p:pic>
+        <p:nvPicPr>
+          <p:cNvPr id="9" name="Imagem 8">
+            <a:extLst>
+              <a:ext uri="{FF2B5EF4-FFF2-40B4-BE49-F238E27FC236}">
+                <a16:creationId xmlns:a16="http://schemas.microsoft.com/office/drawing/2014/main" id="{3DADC6D8-7B9E-F59C-61CC-1288CBAF9901}"/>
+              </a:ext>
+            </a:extLst>
+          </p:cNvPr>
+          <p:cNvPicPr>
+            <a:picLocks noChangeAspect="1"/>
+          </p:cNvPicPr>
+          <p:nvPr/>
+        </p:nvPicPr>
+        <p:blipFill>
+          <a:blip r:embed="rId3"/>
+          <a:stretch>
+            <a:fillRect/>
+          </a:stretch>
+        </p:blipFill>
+        <p:spPr>
+          <a:xfrm>
+            <a:off x="6728911" y="2970557"/>
+            <a:ext cx="4205964" cy="1428949"/>
+          </a:xfrm>
+          <a:prstGeom prst="rect">
+            <a:avLst/>
+          </a:prstGeom>
+        </p:spPr>
+      </p:pic>
     </p:spTree>
     <p:extLst>
       <p:ext uri="{BB962C8B-B14F-4D97-AF65-F5344CB8AC3E}">
@@ -5137,6 +5204,66 @@
           </a:p>
         </p:txBody>
       </p:sp>
+      <p:pic>
+        <p:nvPicPr>
+          <p:cNvPr id="7" name="Imagem 6">
+            <a:extLst>
+              <a:ext uri="{FF2B5EF4-FFF2-40B4-BE49-F238E27FC236}">
+                <a16:creationId xmlns:a16="http://schemas.microsoft.com/office/drawing/2014/main" id="{C7F7A8BA-7156-32B9-ADE9-B41D7D638E2A}"/>
+              </a:ext>
+            </a:extLst>
+          </p:cNvPr>
+          <p:cNvPicPr>
+            <a:picLocks noChangeAspect="1"/>
+          </p:cNvPicPr>
+          <p:nvPr/>
+        </p:nvPicPr>
+        <p:blipFill>
+          <a:blip r:embed="rId2"/>
+          <a:stretch>
+            <a:fillRect/>
+          </a:stretch>
+        </p:blipFill>
+        <p:spPr>
+          <a:xfrm>
+            <a:off x="1069848" y="3154934"/>
+            <a:ext cx="4429743" cy="1810003"/>
+          </a:xfrm>
+          <a:prstGeom prst="rect">
+            <a:avLst/>
+          </a:prstGeom>
+        </p:spPr>
+      </p:pic>
+      <p:pic>
+        <p:nvPicPr>
+          <p:cNvPr id="9" name="Imagem 8">
+            <a:extLst>
+              <a:ext uri="{FF2B5EF4-FFF2-40B4-BE49-F238E27FC236}">
+                <a16:creationId xmlns:a16="http://schemas.microsoft.com/office/drawing/2014/main" id="{0BDA5B64-FA16-8E7B-67A5-0462A31C37F7}"/>
+              </a:ext>
+            </a:extLst>
+          </p:cNvPr>
+          <p:cNvPicPr>
+            <a:picLocks noChangeAspect="1"/>
+          </p:cNvPicPr>
+          <p:nvPr/>
+        </p:nvPicPr>
+        <p:blipFill>
+          <a:blip r:embed="rId3"/>
+          <a:stretch>
+            <a:fillRect/>
+          </a:stretch>
+        </p:blipFill>
+        <p:spPr>
+          <a:xfrm>
+            <a:off x="6635251" y="3154934"/>
+            <a:ext cx="4486901" cy="2495898"/>
+          </a:xfrm>
+          <a:prstGeom prst="rect">
+            <a:avLst/>
+          </a:prstGeom>
+        </p:spPr>
+      </p:pic>
     </p:spTree>
     <p:extLst>
       <p:ext uri="{BB962C8B-B14F-4D97-AF65-F5344CB8AC3E}">
@@ -5285,6 +5412,14 @@
 <file path=ppt/slides/slide13.xml><?xml version="1.0" encoding="utf-8"?>
 <p:sld xmlns:a="http://schemas.openxmlformats.org/drawingml/2006/main" xmlns:r="http://schemas.openxmlformats.org/officeDocument/2006/relationships" xmlns:p="http://schemas.openxmlformats.org/presentationml/2006/main">
   <p:cSld>
+    <p:bg>
+      <p:bgPr>
+        <a:solidFill>
+          <a:schemeClr val="bg1"/>
+        </a:solidFill>
+        <a:effectLst/>
+      </p:bgPr>
+    </p:bg>
     <p:spTree>
       <p:nvGrpSpPr>
         <p:cNvPr id="1" name=""/>
@@ -5301,10 +5436,10 @@
       </p:grpSpPr>
       <p:sp>
         <p:nvSpPr>
-          <p:cNvPr id="4" name="Título 3">
+          <p:cNvPr id="2" name="Título 1">
             <a:extLst>
               <a:ext uri="{FF2B5EF4-FFF2-40B4-BE49-F238E27FC236}">
-                <a16:creationId xmlns:a16="http://schemas.microsoft.com/office/drawing/2014/main" id="{DED111C7-1957-2D00-6C43-AD88532F7641}"/>
+                <a16:creationId xmlns:a16="http://schemas.microsoft.com/office/drawing/2014/main" id="{2F943B97-F353-ED57-42D9-9636EC9AF05D}"/>
               </a:ext>
             </a:extLst>
           </p:cNvPr>
@@ -5312,25 +5447,312 @@
             <a:spLocks noGrp="1"/>
           </p:cNvSpPr>
           <p:nvPr>
-            <p:ph type="ctrTitle"/>
-          </p:nvPr>
-        </p:nvSpPr>
-        <p:spPr/>
-        <p:txBody>
-          <a:bodyPr/>
-          <a:lstStyle/>
-          <a:p>
-            <a:r>
-              <a:rPr lang="pt-PT" sz="6600" dirty="0"/>
-              <a:t>Programação WEB - Servidor</a:t>
-            </a:r>
-          </a:p>
-        </p:txBody>
-      </p:sp>
+            <p:ph type="title"/>
+          </p:nvPr>
+        </p:nvSpPr>
+        <p:spPr>
+          <a:xfrm>
+            <a:off x="957881" y="98598"/>
+            <a:ext cx="4730451" cy="1637730"/>
+          </a:xfrm>
+        </p:spPr>
+        <p:txBody>
+          <a:bodyPr>
+            <a:normAutofit/>
+          </a:bodyPr>
+          <a:lstStyle/>
+          <a:p>
+            <a:r>
+              <a:rPr lang="pt-PT" sz="4400" dirty="0"/>
+              <a:t>Retrospetiva geral</a:t>
+            </a:r>
+          </a:p>
+        </p:txBody>
+      </p:sp>
+      <p:sp>
+        <p:nvSpPr>
+          <p:cNvPr id="9" name="Content Placeholder 8">
+            <a:extLst>
+              <a:ext uri="{FF2B5EF4-FFF2-40B4-BE49-F238E27FC236}">
+                <a16:creationId xmlns:a16="http://schemas.microsoft.com/office/drawing/2014/main" id="{D4CB49F3-D0E3-4C9B-0DD9-9504B4C9A5AC}"/>
+              </a:ext>
+            </a:extLst>
+          </p:cNvPr>
+          <p:cNvSpPr>
+            <a:spLocks noGrp="1"/>
+          </p:cNvSpPr>
+          <p:nvPr>
+            <p:ph idx="1"/>
+          </p:nvPr>
+        </p:nvSpPr>
+        <p:spPr>
+          <a:xfrm>
+            <a:off x="1694999" y="2480763"/>
+            <a:ext cx="4730451" cy="3593592"/>
+          </a:xfrm>
+        </p:spPr>
+        <p:txBody>
+          <a:bodyPr>
+            <a:normAutofit/>
+          </a:bodyPr>
+          <a:lstStyle/>
+          <a:p>
+            <a:r>
+              <a:rPr lang="en-US" sz="1800" dirty="0"/>
+              <a:t>Sprint 3 									</a:t>
+            </a:r>
+          </a:p>
+          <a:p>
+            <a:endParaRPr lang="en-US" sz="1800" dirty="0"/>
+          </a:p>
+          <a:p>
+            <a:endParaRPr lang="en-US" sz="1800" dirty="0"/>
+          </a:p>
+          <a:p>
+            <a:endParaRPr lang="en-US" sz="1800" dirty="0"/>
+          </a:p>
+          <a:p>
+            <a:endParaRPr lang="en-US" sz="1800" dirty="0"/>
+          </a:p>
+          <a:p>
+            <a:r>
+              <a:rPr lang="en-US" sz="1800" dirty="0"/>
+              <a:t>Sprint 4</a:t>
+            </a:r>
+          </a:p>
+        </p:txBody>
+      </p:sp>
+      <p:sp>
+        <p:nvSpPr>
+          <p:cNvPr id="21" name="Freeform: Shape 20">
+            <a:extLst>
+              <a:ext uri="{FF2B5EF4-FFF2-40B4-BE49-F238E27FC236}">
+                <a16:creationId xmlns:a16="http://schemas.microsoft.com/office/drawing/2014/main" id="{B16070FD-9EB8-4AC8-A8E2-267228385B79}"/>
+              </a:ext>
+              <a:ext uri="{C183D7F6-B498-43B3-948B-1728B52AA6E4}">
+                <adec:decorative xmlns:adec="http://schemas.microsoft.com/office/drawing/2017/decorative" val="1"/>
+              </a:ext>
+            </a:extLst>
+          </p:cNvPr>
+          <p:cNvSpPr>
+            <a:spLocks noGrp="1" noRot="1" noChangeAspect="1" noMove="1" noResize="1" noEditPoints="1" noAdjustHandles="1" noChangeArrowheads="1" noChangeShapeType="1" noTextEdit="1"/>
+          </p:cNvSpPr>
+          <p:nvPr>
+            <p:extLst>
+              <p:ext uri="{386F3935-93C4-4BCD-93E2-E3B085C9AB24}">
+                <p16:designElem xmlns:p16="http://schemas.microsoft.com/office/powerpoint/2015/main" val="1"/>
+              </p:ext>
+            </p:extLst>
+          </p:nvPr>
+        </p:nvSpPr>
+        <p:spPr>
+          <a:xfrm>
+            <a:off x="5913124" y="0"/>
+            <a:ext cx="6278877" cy="6858000"/>
+          </a:xfrm>
+          <a:custGeom>
+            <a:avLst/>
+            <a:gdLst>
+              <a:gd name="connsiteX0" fmla="*/ 45571 w 6278877"/>
+              <a:gd name="connsiteY0" fmla="*/ 0 h 6858000"/>
+              <a:gd name="connsiteX1" fmla="*/ 6278877 w 6278877"/>
+              <a:gd name="connsiteY1" fmla="*/ 0 h 6858000"/>
+              <a:gd name="connsiteX2" fmla="*/ 6278877 w 6278877"/>
+              <a:gd name="connsiteY2" fmla="*/ 6858000 h 6858000"/>
+              <a:gd name="connsiteX3" fmla="*/ 3292307 w 6278877"/>
+              <a:gd name="connsiteY3" fmla="*/ 6858000 h 6858000"/>
+              <a:gd name="connsiteX4" fmla="*/ 3181525 w 6278877"/>
+              <a:gd name="connsiteY4" fmla="*/ 6786980 h 6858000"/>
+              <a:gd name="connsiteX5" fmla="*/ 0 w 6278877"/>
+              <a:gd name="connsiteY5" fmla="*/ 803252 h 6858000"/>
+              <a:gd name="connsiteX6" fmla="*/ 37255 w 6278877"/>
+              <a:gd name="connsiteY6" fmla="*/ 65445 h 6858000"/>
+            </a:gdLst>
+            <a:ahLst/>
+            <a:cxnLst>
+              <a:cxn ang="0">
+                <a:pos x="connsiteX0" y="connsiteY0"/>
+              </a:cxn>
+              <a:cxn ang="0">
+                <a:pos x="connsiteX1" y="connsiteY1"/>
+              </a:cxn>
+              <a:cxn ang="0">
+                <a:pos x="connsiteX2" y="connsiteY2"/>
+              </a:cxn>
+              <a:cxn ang="0">
+                <a:pos x="connsiteX3" y="connsiteY3"/>
+              </a:cxn>
+              <a:cxn ang="0">
+                <a:pos x="connsiteX4" y="connsiteY4"/>
+              </a:cxn>
+              <a:cxn ang="0">
+                <a:pos x="connsiteX5" y="connsiteY5"/>
+              </a:cxn>
+              <a:cxn ang="0">
+                <a:pos x="connsiteX6" y="connsiteY6"/>
+              </a:cxn>
+            </a:cxnLst>
+            <a:rect l="l" t="t" r="r" b="b"/>
+            <a:pathLst>
+              <a:path w="6278877" h="6858000">
+                <a:moveTo>
+                  <a:pt x="45571" y="0"/>
+                </a:moveTo>
+                <a:lnTo>
+                  <a:pt x="6278877" y="0"/>
+                </a:lnTo>
+                <a:lnTo>
+                  <a:pt x="6278877" y="6858000"/>
+                </a:lnTo>
+                <a:lnTo>
+                  <a:pt x="3292307" y="6858000"/>
+                </a:lnTo>
+                <a:lnTo>
+                  <a:pt x="3181525" y="6786980"/>
+                </a:lnTo>
+                <a:cubicBezTo>
+                  <a:pt x="1262020" y="5490189"/>
+                  <a:pt x="0" y="3294101"/>
+                  <a:pt x="0" y="803252"/>
+                </a:cubicBezTo>
+                <a:cubicBezTo>
+                  <a:pt x="0" y="554167"/>
+                  <a:pt x="12619" y="308030"/>
+                  <a:pt x="37255" y="65445"/>
+                </a:cubicBezTo>
+                <a:close/>
+              </a:path>
+            </a:pathLst>
+          </a:custGeom>
+          <a:solidFill>
+            <a:schemeClr val="tx2">
+              <a:lumMod val="50000"/>
+            </a:schemeClr>
+          </a:solidFill>
+          <a:ln>
+            <a:noFill/>
+          </a:ln>
+        </p:spPr>
+        <p:style>
+          <a:lnRef idx="2">
+            <a:schemeClr val="accent1">
+              <a:shade val="50000"/>
+            </a:schemeClr>
+          </a:lnRef>
+          <a:fillRef idx="1">
+            <a:schemeClr val="accent1"/>
+          </a:fillRef>
+          <a:effectRef idx="0">
+            <a:schemeClr val="accent1"/>
+          </a:effectRef>
+          <a:fontRef idx="minor">
+            <a:schemeClr val="lt1"/>
+          </a:fontRef>
+        </p:style>
+        <p:txBody>
+          <a:bodyPr wrap="square" rtlCol="0" anchor="ctr">
+            <a:noAutofit/>
+          </a:bodyPr>
+          <a:lstStyle/>
+          <a:p>
+            <a:pPr marL="0" marR="0" lvl="0" indent="0" algn="ctr" defTabSz="914400" rtl="0" eaLnBrk="1" fontAlgn="auto" latinLnBrk="0" hangingPunct="1">
+              <a:lnSpc>
+                <a:spcPct val="100000"/>
+              </a:lnSpc>
+              <a:spcBef>
+                <a:spcPts val="0"/>
+              </a:spcBef>
+              <a:spcAft>
+                <a:spcPts val="0"/>
+              </a:spcAft>
+              <a:buClrTx/>
+              <a:buSzTx/>
+              <a:buFontTx/>
+              <a:buNone/>
+              <a:tabLst/>
+              <a:defRPr/>
+            </a:pPr>
+            <a:endParaRPr kumimoji="0" lang="en-US" sz="1800" b="0" i="0" u="none" strike="noStrike" kern="1200" cap="none" spc="0" normalizeH="0" baseline="0" noProof="0">
+              <a:ln>
+                <a:noFill/>
+              </a:ln>
+              <a:solidFill>
+                <a:prstClr val="white"/>
+              </a:solidFill>
+              <a:effectLst/>
+              <a:uLnTx/>
+              <a:uFillTx/>
+              <a:latin typeface="Rockwell" panose="02060603020205020403"/>
+              <a:ea typeface="+mn-ea"/>
+              <a:cs typeface="+mn-cs"/>
+            </a:endParaRPr>
+          </a:p>
+        </p:txBody>
+      </p:sp>
+      <p:pic>
+        <p:nvPicPr>
+          <p:cNvPr id="5" name="Marcador de Posição de Conteúdo 4">
+            <a:extLst>
+              <a:ext uri="{FF2B5EF4-FFF2-40B4-BE49-F238E27FC236}">
+                <a16:creationId xmlns:a16="http://schemas.microsoft.com/office/drawing/2014/main" id="{96EA0611-564F-4020-0BDE-9C3956E0C218}"/>
+              </a:ext>
+            </a:extLst>
+          </p:cNvPr>
+          <p:cNvPicPr>
+            <a:picLocks noChangeAspect="1"/>
+          </p:cNvPicPr>
+          <p:nvPr/>
+        </p:nvPicPr>
+        <p:blipFill>
+          <a:blip r:embed="rId2"/>
+          <a:stretch>
+            <a:fillRect/>
+          </a:stretch>
+        </p:blipFill>
+        <p:spPr>
+          <a:xfrm>
+            <a:off x="3656138" y="4618100"/>
+            <a:ext cx="6278877" cy="1899359"/>
+          </a:xfrm>
+          <a:prstGeom prst="rect">
+            <a:avLst/>
+          </a:prstGeom>
+        </p:spPr>
+      </p:pic>
+      <p:pic>
+        <p:nvPicPr>
+          <p:cNvPr id="7" name="Imagem 6">
+            <a:extLst>
+              <a:ext uri="{FF2B5EF4-FFF2-40B4-BE49-F238E27FC236}">
+                <a16:creationId xmlns:a16="http://schemas.microsoft.com/office/drawing/2014/main" id="{95E37941-CC44-31F9-86DA-6972BD164B5A}"/>
+              </a:ext>
+            </a:extLst>
+          </p:cNvPr>
+          <p:cNvPicPr>
+            <a:picLocks noChangeAspect="1"/>
+          </p:cNvPicPr>
+          <p:nvPr/>
+        </p:nvPicPr>
+        <p:blipFill>
+          <a:blip r:embed="rId3"/>
+          <a:stretch>
+            <a:fillRect/>
+          </a:stretch>
+        </p:blipFill>
+        <p:spPr>
+          <a:xfrm>
+            <a:off x="3656138" y="2227451"/>
+            <a:ext cx="6278877" cy="2024936"/>
+          </a:xfrm>
+          <a:prstGeom prst="rect">
+            <a:avLst/>
+          </a:prstGeom>
+        </p:spPr>
+      </p:pic>
     </p:spTree>
     <p:extLst>
       <p:ext uri="{BB962C8B-B14F-4D97-AF65-F5344CB8AC3E}">
-        <p14:creationId xmlns:p14="http://schemas.microsoft.com/office/powerpoint/2010/main" val="1619271624"/>
+        <p14:creationId xmlns:p14="http://schemas.microsoft.com/office/powerpoint/2010/main" val="3776736273"/>
       </p:ext>
     </p:extLst>
   </p:cSld>
@@ -5359,6 +5781,64 @@
       </p:grpSpPr>
       <p:sp>
         <p:nvSpPr>
+          <p:cNvPr id="4" name="Título 3">
+            <a:extLst>
+              <a:ext uri="{FF2B5EF4-FFF2-40B4-BE49-F238E27FC236}">
+                <a16:creationId xmlns:a16="http://schemas.microsoft.com/office/drawing/2014/main" id="{DED111C7-1957-2D00-6C43-AD88532F7641}"/>
+              </a:ext>
+            </a:extLst>
+          </p:cNvPr>
+          <p:cNvSpPr>
+            <a:spLocks noGrp="1"/>
+          </p:cNvSpPr>
+          <p:nvPr>
+            <p:ph type="ctrTitle"/>
+          </p:nvPr>
+        </p:nvSpPr>
+        <p:spPr/>
+        <p:txBody>
+          <a:bodyPr/>
+          <a:lstStyle/>
+          <a:p>
+            <a:r>
+              <a:rPr lang="pt-PT" sz="6600" dirty="0"/>
+              <a:t>Programação WEB - Servidor</a:t>
+            </a:r>
+          </a:p>
+        </p:txBody>
+      </p:sp>
+    </p:spTree>
+    <p:extLst>
+      <p:ext uri="{BB962C8B-B14F-4D97-AF65-F5344CB8AC3E}">
+        <p14:creationId xmlns:p14="http://schemas.microsoft.com/office/powerpoint/2010/main" val="1619271624"/>
+      </p:ext>
+    </p:extLst>
+  </p:cSld>
+  <p:clrMapOvr>
+    <a:masterClrMapping/>
+  </p:clrMapOvr>
+</p:sld>
+</file>
+
+<file path=ppt/slides/slide15.xml><?xml version="1.0" encoding="utf-8"?>
+<p:sld xmlns:a="http://schemas.openxmlformats.org/drawingml/2006/main" xmlns:r="http://schemas.openxmlformats.org/officeDocument/2006/relationships" xmlns:p="http://schemas.openxmlformats.org/presentationml/2006/main">
+  <p:cSld>
+    <p:spTree>
+      <p:nvGrpSpPr>
+        <p:cNvPr id="1" name=""/>
+        <p:cNvGrpSpPr/>
+        <p:nvPr/>
+      </p:nvGrpSpPr>
+      <p:grpSpPr>
+        <a:xfrm>
+          <a:off x="0" y="0"/>
+          <a:ext cx="0" cy="0"/>
+          <a:chOff x="0" y="0"/>
+          <a:chExt cx="0" cy="0"/>
+        </a:xfrm>
+      </p:grpSpPr>
+      <p:sp>
+        <p:nvSpPr>
           <p:cNvPr id="2" name="Título 1">
             <a:extLst>
               <a:ext uri="{FF2B5EF4-FFF2-40B4-BE49-F238E27FC236}">
@@ -5432,7 +5912,7 @@
 </p:sld>
 </file>
 
-<file path=ppt/slides/slide15.xml><?xml version="1.0" encoding="utf-8"?>
+<file path=ppt/slides/slide16.xml><?xml version="1.0" encoding="utf-8"?>
 <p:sld xmlns:a="http://schemas.openxmlformats.org/drawingml/2006/main" xmlns:r="http://schemas.openxmlformats.org/officeDocument/2006/relationships" xmlns:p="http://schemas.openxmlformats.org/presentationml/2006/main">
   <p:cSld>
     <p:spTree>
@@ -5560,7 +6040,7 @@
 </p:sld>
 </file>
 
-<file path=ppt/slides/slide16.xml><?xml version="1.0" encoding="utf-8"?>
+<file path=ppt/slides/slide17.xml><?xml version="1.0" encoding="utf-8"?>
 <p:sld xmlns:a="http://schemas.openxmlformats.org/drawingml/2006/main" xmlns:r="http://schemas.openxmlformats.org/officeDocument/2006/relationships" xmlns:p="http://schemas.openxmlformats.org/presentationml/2006/main">
   <p:cSld>
     <p:spTree>
@@ -5741,7 +6221,7 @@
 </p:sld>
 </file>
 
-<file path=ppt/slides/slide17.xml><?xml version="1.0" encoding="utf-8"?>
+<file path=ppt/slides/slide18.xml><?xml version="1.0" encoding="utf-8"?>
 <p:sld xmlns:a="http://schemas.openxmlformats.org/drawingml/2006/main" xmlns:r="http://schemas.openxmlformats.org/officeDocument/2006/relationships" xmlns:p="http://schemas.openxmlformats.org/presentationml/2006/main">
   <p:cSld>
     <p:spTree>
@@ -5873,7 +6353,7 @@
 </p:sld>
 </file>
 
-<file path=ppt/slides/slide18.xml><?xml version="1.0" encoding="utf-8"?>
+<file path=ppt/slides/slide19.xml><?xml version="1.0" encoding="utf-8"?>
 <p:sld xmlns:a="http://schemas.openxmlformats.org/drawingml/2006/main" xmlns:r="http://schemas.openxmlformats.org/officeDocument/2006/relationships" xmlns:p="http://schemas.openxmlformats.org/presentationml/2006/main">
   <p:cSld>
     <p:spTree>
@@ -6331,7 +6811,113 @@
 </p:sld>
 </file>
 
-<file path=ppt/slides/slide19.xml><?xml version="1.0" encoding="utf-8"?>
+<file path=ppt/slides/slide2.xml><?xml version="1.0" encoding="utf-8"?>
+<p:sld xmlns:a="http://schemas.openxmlformats.org/drawingml/2006/main" xmlns:r="http://schemas.openxmlformats.org/officeDocument/2006/relationships" xmlns:p="http://schemas.openxmlformats.org/presentationml/2006/main">
+  <p:cSld>
+    <p:spTree>
+      <p:nvGrpSpPr>
+        <p:cNvPr id="1" name=""/>
+        <p:cNvGrpSpPr/>
+        <p:nvPr/>
+      </p:nvGrpSpPr>
+      <p:grpSpPr>
+        <a:xfrm>
+          <a:off x="0" y="0"/>
+          <a:ext cx="0" cy="0"/>
+          <a:chOff x="0" y="0"/>
+          <a:chExt cx="0" cy="0"/>
+        </a:xfrm>
+      </p:grpSpPr>
+      <p:sp>
+        <p:nvSpPr>
+          <p:cNvPr id="2" name="Título 1">
+            <a:extLst>
+              <a:ext uri="{FF2B5EF4-FFF2-40B4-BE49-F238E27FC236}">
+                <a16:creationId xmlns:a16="http://schemas.microsoft.com/office/drawing/2014/main" id="{7DAD9DD7-40F0-7CAC-0466-0B6C8D5103B7}"/>
+              </a:ext>
+            </a:extLst>
+          </p:cNvPr>
+          <p:cNvSpPr>
+            <a:spLocks noGrp="1"/>
+          </p:cNvSpPr>
+          <p:nvPr>
+            <p:ph type="title"/>
+          </p:nvPr>
+        </p:nvSpPr>
+        <p:spPr/>
+        <p:txBody>
+          <a:bodyPr/>
+          <a:lstStyle/>
+          <a:p>
+            <a:r>
+              <a:rPr lang="pt-PT" dirty="0"/>
+              <a:t>Contextualização</a:t>
+            </a:r>
+          </a:p>
+        </p:txBody>
+      </p:sp>
+      <p:sp>
+        <p:nvSpPr>
+          <p:cNvPr id="3" name="Marcador de Posição de Conteúdo 2">
+            <a:extLst>
+              <a:ext uri="{FF2B5EF4-FFF2-40B4-BE49-F238E27FC236}">
+                <a16:creationId xmlns:a16="http://schemas.microsoft.com/office/drawing/2014/main" id="{1EFAA548-5A49-6DAF-18CA-6107B0EDCED5}"/>
+              </a:ext>
+            </a:extLst>
+          </p:cNvPr>
+          <p:cNvSpPr>
+            <a:spLocks noGrp="1"/>
+          </p:cNvSpPr>
+          <p:nvPr>
+            <p:ph idx="1"/>
+          </p:nvPr>
+        </p:nvSpPr>
+        <p:spPr/>
+        <p:txBody>
+          <a:bodyPr/>
+          <a:lstStyle/>
+          <a:p>
+            <a:r>
+              <a:rPr lang="pt-PT" dirty="0"/>
+              <a:t>Durante o presente semestre, foram desenvolvidos projetos para as disciplinas de Programação Web – Servidor e Desenvolvimento de Aplicações.</a:t>
+            </a:r>
+          </a:p>
+          <a:p>
+            <a:r>
+              <a:rPr lang="pt-PT" dirty="0"/>
+              <a:t>A disciplina de Metodologias de Desenvolvimento de Software serviu para a gestão de ambos os projetos. Como material de apoio à gestão, foi utilizado o software </a:t>
+            </a:r>
+            <a:r>
+              <a:rPr lang="pt-PT" dirty="0" err="1"/>
+              <a:t>Jira</a:t>
+            </a:r>
+            <a:r>
+              <a:rPr lang="pt-PT" dirty="0"/>
+              <a:t> e, para gestão de documentação, o GitHub.</a:t>
+            </a:r>
+          </a:p>
+          <a:p>
+            <a:r>
+              <a:rPr lang="pt-PT" dirty="0"/>
+              <a:t>A presente apresentação estará dividida em 2 subtemas, referenciados a cada uma das disciplinas acima descritas</a:t>
+            </a:r>
+          </a:p>
+        </p:txBody>
+      </p:sp>
+    </p:spTree>
+    <p:extLst>
+      <p:ext uri="{BB962C8B-B14F-4D97-AF65-F5344CB8AC3E}">
+        <p14:creationId xmlns:p14="http://schemas.microsoft.com/office/powerpoint/2010/main" val="3119575709"/>
+      </p:ext>
+    </p:extLst>
+  </p:cSld>
+  <p:clrMapOvr>
+    <a:masterClrMapping/>
+  </p:clrMapOvr>
+</p:sld>
+</file>
+
+<file path=ppt/slides/slide20.xml><?xml version="1.0" encoding="utf-8"?>
 <p:sld xmlns:a="http://schemas.openxmlformats.org/drawingml/2006/main" xmlns:r="http://schemas.openxmlformats.org/officeDocument/2006/relationships" xmlns:p="http://schemas.openxmlformats.org/presentationml/2006/main">
   <p:cSld>
     <p:spTree>
@@ -6424,218 +7010,6 @@
 </p:sld>
 </file>
 
-<file path=ppt/slides/slide2.xml><?xml version="1.0" encoding="utf-8"?>
-<p:sld xmlns:a="http://schemas.openxmlformats.org/drawingml/2006/main" xmlns:r="http://schemas.openxmlformats.org/officeDocument/2006/relationships" xmlns:p="http://schemas.openxmlformats.org/presentationml/2006/main">
-  <p:cSld>
-    <p:spTree>
-      <p:nvGrpSpPr>
-        <p:cNvPr id="1" name=""/>
-        <p:cNvGrpSpPr/>
-        <p:nvPr/>
-      </p:nvGrpSpPr>
-      <p:grpSpPr>
-        <a:xfrm>
-          <a:off x="0" y="0"/>
-          <a:ext cx="0" cy="0"/>
-          <a:chOff x="0" y="0"/>
-          <a:chExt cx="0" cy="0"/>
-        </a:xfrm>
-      </p:grpSpPr>
-      <p:sp>
-        <p:nvSpPr>
-          <p:cNvPr id="2" name="Título 1">
-            <a:extLst>
-              <a:ext uri="{FF2B5EF4-FFF2-40B4-BE49-F238E27FC236}">
-                <a16:creationId xmlns:a16="http://schemas.microsoft.com/office/drawing/2014/main" id="{7DAD9DD7-40F0-7CAC-0466-0B6C8D5103B7}"/>
-              </a:ext>
-            </a:extLst>
-          </p:cNvPr>
-          <p:cNvSpPr>
-            <a:spLocks noGrp="1"/>
-          </p:cNvSpPr>
-          <p:nvPr>
-            <p:ph type="title"/>
-          </p:nvPr>
-        </p:nvSpPr>
-        <p:spPr/>
-        <p:txBody>
-          <a:bodyPr/>
-          <a:lstStyle/>
-          <a:p>
-            <a:r>
-              <a:rPr lang="pt-PT" dirty="0"/>
-              <a:t>Contextualização</a:t>
-            </a:r>
-          </a:p>
-        </p:txBody>
-      </p:sp>
-      <p:sp>
-        <p:nvSpPr>
-          <p:cNvPr id="3" name="Marcador de Posição de Conteúdo 2">
-            <a:extLst>
-              <a:ext uri="{FF2B5EF4-FFF2-40B4-BE49-F238E27FC236}">
-                <a16:creationId xmlns:a16="http://schemas.microsoft.com/office/drawing/2014/main" id="{1EFAA548-5A49-6DAF-18CA-6107B0EDCED5}"/>
-              </a:ext>
-            </a:extLst>
-          </p:cNvPr>
-          <p:cNvSpPr>
-            <a:spLocks noGrp="1"/>
-          </p:cNvSpPr>
-          <p:nvPr>
-            <p:ph idx="1"/>
-          </p:nvPr>
-        </p:nvSpPr>
-        <p:spPr/>
-        <p:txBody>
-          <a:bodyPr/>
-          <a:lstStyle/>
-          <a:p>
-            <a:r>
-              <a:rPr lang="pt-PT" dirty="0"/>
-              <a:t>Durante o presente semestre, foram desenvolvidos projetos para as disciplinas de Programação Web – Servidor e Desenvolvimento de Aplicações.</a:t>
-            </a:r>
-          </a:p>
-          <a:p>
-            <a:r>
-              <a:rPr lang="pt-PT" dirty="0"/>
-              <a:t>A disciplina de Metodologias de Desenvolvimento de Software serviu para a gestão de ambos os projetos. Como material de apoio à gestão, foi utilizado o software </a:t>
-            </a:r>
-            <a:r>
-              <a:rPr lang="pt-PT" dirty="0" err="1"/>
-              <a:t>Jira</a:t>
-            </a:r>
-            <a:r>
-              <a:rPr lang="pt-PT" dirty="0"/>
-              <a:t> e, para gestão de documentação, o GitHub.</a:t>
-            </a:r>
-          </a:p>
-          <a:p>
-            <a:r>
-              <a:rPr lang="pt-PT" dirty="0"/>
-              <a:t>A presente apresentação estará dividida em 2 subtemas, referenciados a cada uma das disciplinas acima descritas</a:t>
-            </a:r>
-          </a:p>
-        </p:txBody>
-      </p:sp>
-    </p:spTree>
-    <p:extLst>
-      <p:ext uri="{BB962C8B-B14F-4D97-AF65-F5344CB8AC3E}">
-        <p14:creationId xmlns:p14="http://schemas.microsoft.com/office/powerpoint/2010/main" val="3119575709"/>
-      </p:ext>
-    </p:extLst>
-  </p:cSld>
-  <p:clrMapOvr>
-    <a:masterClrMapping/>
-  </p:clrMapOvr>
-</p:sld>
-</file>
-
-<file path=ppt/slides/slide20.xml><?xml version="1.0" encoding="utf-8"?>
-<p:sld xmlns:a="http://schemas.openxmlformats.org/drawingml/2006/main" xmlns:r="http://schemas.openxmlformats.org/officeDocument/2006/relationships" xmlns:p="http://schemas.openxmlformats.org/presentationml/2006/main">
-  <p:cSld>
-    <p:spTree>
-      <p:nvGrpSpPr>
-        <p:cNvPr id="1" name=""/>
-        <p:cNvGrpSpPr/>
-        <p:nvPr/>
-      </p:nvGrpSpPr>
-      <p:grpSpPr>
-        <a:xfrm>
-          <a:off x="0" y="0"/>
-          <a:ext cx="0" cy="0"/>
-          <a:chOff x="0" y="0"/>
-          <a:chExt cx="0" cy="0"/>
-        </a:xfrm>
-      </p:grpSpPr>
-      <p:sp>
-        <p:nvSpPr>
-          <p:cNvPr id="2" name="Título 1">
-            <a:extLst>
-              <a:ext uri="{FF2B5EF4-FFF2-40B4-BE49-F238E27FC236}">
-                <a16:creationId xmlns:a16="http://schemas.microsoft.com/office/drawing/2014/main" id="{8B99C492-46C8-B154-1B3D-BBEE846EC7D9}"/>
-              </a:ext>
-            </a:extLst>
-          </p:cNvPr>
-          <p:cNvSpPr>
-            <a:spLocks noGrp="1"/>
-          </p:cNvSpPr>
-          <p:nvPr>
-            <p:ph type="title"/>
-          </p:nvPr>
-        </p:nvSpPr>
-        <p:spPr/>
-        <p:txBody>
-          <a:bodyPr/>
-          <a:lstStyle/>
-          <a:p>
-            <a:r>
-              <a:rPr lang="pt-PT" dirty="0"/>
-              <a:t>Sprints</a:t>
-            </a:r>
-          </a:p>
-        </p:txBody>
-      </p:sp>
-      <p:sp>
-        <p:nvSpPr>
-          <p:cNvPr id="3" name="Marcador de Posição de Conteúdo 2">
-            <a:extLst>
-              <a:ext uri="{FF2B5EF4-FFF2-40B4-BE49-F238E27FC236}">
-                <a16:creationId xmlns:a16="http://schemas.microsoft.com/office/drawing/2014/main" id="{DD5A512E-9246-5909-1F72-30E9C6784CED}"/>
-              </a:ext>
-            </a:extLst>
-          </p:cNvPr>
-          <p:cNvSpPr>
-            <a:spLocks noGrp="1"/>
-          </p:cNvSpPr>
-          <p:nvPr>
-            <p:ph idx="1"/>
-          </p:nvPr>
-        </p:nvSpPr>
-        <p:spPr/>
-        <p:txBody>
-          <a:bodyPr/>
-          <a:lstStyle/>
-          <a:p>
-            <a:r>
-              <a:rPr lang="pt-PT" dirty="0"/>
-              <a:t>Como anteriormente referido, para a gestão de tarefas e tempos, foi utilizada a ferramenta </a:t>
-            </a:r>
-            <a:r>
-              <a:rPr lang="pt-PT" i="1" dirty="0" err="1"/>
-              <a:t>Jira</a:t>
-            </a:r>
-            <a:r>
-              <a:rPr lang="pt-PT" i="1" dirty="0"/>
-              <a:t>. </a:t>
-            </a:r>
-            <a:r>
-              <a:rPr lang="pt-PT" dirty="0"/>
-              <a:t>Como resultado, o projeto foi </a:t>
-            </a:r>
-            <a:r>
-              <a:rPr lang="pt-PT" dirty="0" err="1"/>
-              <a:t>s«desenvolvido</a:t>
-            </a:r>
-            <a:r>
-              <a:rPr lang="pt-PT" dirty="0"/>
-              <a:t> em 4 sprints com a duração de 2 semanas cada.</a:t>
-            </a:r>
-          </a:p>
-        </p:txBody>
-      </p:sp>
-    </p:spTree>
-    <p:extLst>
-      <p:ext uri="{BB962C8B-B14F-4D97-AF65-F5344CB8AC3E}">
-        <p14:creationId xmlns:p14="http://schemas.microsoft.com/office/powerpoint/2010/main" val="4201342693"/>
-      </p:ext>
-    </p:extLst>
-  </p:cSld>
-  <p:clrMapOvr>
-    <a:masterClrMapping/>
-  </p:clrMapOvr>
-</p:sld>
-</file>
-
 <file path=ppt/slides/slide21.xml><?xml version="1.0" encoding="utf-8"?>
 <p:sld xmlns:a="http://schemas.openxmlformats.org/drawingml/2006/main" xmlns:r="http://schemas.openxmlformats.org/officeDocument/2006/relationships" xmlns:p="http://schemas.openxmlformats.org/presentationml/2006/main">
   <p:cSld>
@@ -6655,10 +7029,10 @@
       </p:grpSpPr>
       <p:sp>
         <p:nvSpPr>
-          <p:cNvPr id="3" name="Marcador de Posição do Texto 2">
+          <p:cNvPr id="2" name="Título 1">
             <a:extLst>
               <a:ext uri="{FF2B5EF4-FFF2-40B4-BE49-F238E27FC236}">
-                <a16:creationId xmlns:a16="http://schemas.microsoft.com/office/drawing/2014/main" id="{8B7F1575-8F26-B595-DAF8-08DD2B93B21E}"/>
+                <a16:creationId xmlns:a16="http://schemas.microsoft.com/office/drawing/2014/main" id="{8B99C492-46C8-B154-1B3D-BBEE846EC7D9}"/>
               </a:ext>
             </a:extLst>
           </p:cNvPr>
@@ -6666,32 +7040,27 @@
             <a:spLocks noGrp="1"/>
           </p:cNvSpPr>
           <p:nvPr>
-            <p:ph type="body" idx="1"/>
-          </p:nvPr>
-        </p:nvSpPr>
-        <p:spPr>
-          <a:xfrm>
-            <a:off x="1069848" y="630936"/>
-            <a:ext cx="4754880" cy="640080"/>
-          </a:xfrm>
-        </p:spPr>
+            <p:ph type="title"/>
+          </p:nvPr>
+        </p:nvSpPr>
+        <p:spPr/>
         <p:txBody>
           <a:bodyPr/>
           <a:lstStyle/>
           <a:p>
             <a:r>
               <a:rPr lang="pt-PT" dirty="0"/>
-              <a:t>Sprint 1</a:t>
-            </a:r>
-          </a:p>
-        </p:txBody>
-      </p:sp>
-      <p:sp>
-        <p:nvSpPr>
-          <p:cNvPr id="4" name="Marcador de Posição de Conteúdo 3">
+              <a:t>Sprints</a:t>
+            </a:r>
+          </a:p>
+        </p:txBody>
+      </p:sp>
+      <p:sp>
+        <p:nvSpPr>
+          <p:cNvPr id="3" name="Marcador de Posição de Conteúdo 2">
             <a:extLst>
               <a:ext uri="{FF2B5EF4-FFF2-40B4-BE49-F238E27FC236}">
-                <a16:creationId xmlns:a16="http://schemas.microsoft.com/office/drawing/2014/main" id="{3A234716-42C5-145C-C0C5-1551216BC8E9}"/>
+                <a16:creationId xmlns:a16="http://schemas.microsoft.com/office/drawing/2014/main" id="{DD5A512E-9246-5909-1F72-30E9C6784CED}"/>
               </a:ext>
             </a:extLst>
           </p:cNvPr>
@@ -6699,88 +7068,37 @@
             <a:spLocks noGrp="1"/>
           </p:cNvSpPr>
           <p:nvPr>
-            <p:ph sz="half" idx="2"/>
-          </p:nvPr>
-        </p:nvSpPr>
-        <p:spPr>
-          <a:xfrm>
-            <a:off x="1069848" y="1417320"/>
-            <a:ext cx="4754880" cy="886968"/>
-          </a:xfrm>
-        </p:spPr>
+            <p:ph idx="1"/>
+          </p:nvPr>
+        </p:nvSpPr>
+        <p:spPr/>
         <p:txBody>
           <a:bodyPr/>
           <a:lstStyle/>
           <a:p>
             <a:r>
               <a:rPr lang="pt-PT" dirty="0"/>
-              <a:t>Sprint desenvolvida entre 27 de abril e 11 de  maio de 2023.</a:t>
-            </a:r>
-          </a:p>
-        </p:txBody>
-      </p:sp>
-      <p:sp>
-        <p:nvSpPr>
-          <p:cNvPr id="5" name="Marcador de Posição do Texto 4">
-            <a:extLst>
-              <a:ext uri="{FF2B5EF4-FFF2-40B4-BE49-F238E27FC236}">
-                <a16:creationId xmlns:a16="http://schemas.microsoft.com/office/drawing/2014/main" id="{FA63B222-7BD7-866C-4FC6-CF801A11B159}"/>
-              </a:ext>
-            </a:extLst>
-          </p:cNvPr>
-          <p:cNvSpPr>
-            <a:spLocks noGrp="1"/>
-          </p:cNvSpPr>
-          <p:nvPr>
-            <p:ph type="body" sz="quarter" idx="3"/>
-          </p:nvPr>
-        </p:nvSpPr>
-        <p:spPr>
-          <a:xfrm>
-            <a:off x="6367272" y="630936"/>
-            <a:ext cx="4754880" cy="640080"/>
-          </a:xfrm>
-        </p:spPr>
-        <p:txBody>
-          <a:bodyPr/>
-          <a:lstStyle/>
-          <a:p>
+              <a:t>Como anteriormente referido, para a gestão de tarefas e tempos, foi utilizada a ferramenta </a:t>
+            </a:r>
+            <a:r>
+              <a:rPr lang="pt-PT" i="1" dirty="0" err="1"/>
+              <a:t>Jira</a:t>
+            </a:r>
+            <a:r>
+              <a:rPr lang="pt-PT" i="1" dirty="0"/>
+              <a:t>. </a:t>
+            </a:r>
             <a:r>
               <a:rPr lang="pt-PT" dirty="0"/>
-              <a:t>Sprint 2</a:t>
-            </a:r>
-          </a:p>
-        </p:txBody>
-      </p:sp>
-      <p:sp>
-        <p:nvSpPr>
-          <p:cNvPr id="6" name="Marcador de Posição de Conteúdo 5">
-            <a:extLst>
-              <a:ext uri="{FF2B5EF4-FFF2-40B4-BE49-F238E27FC236}">
-                <a16:creationId xmlns:a16="http://schemas.microsoft.com/office/drawing/2014/main" id="{AFA4231A-5C35-3DF3-23A3-DE1205072A4E}"/>
-              </a:ext>
-            </a:extLst>
-          </p:cNvPr>
-          <p:cNvSpPr>
-            <a:spLocks noGrp="1"/>
-          </p:cNvSpPr>
-          <p:nvPr>
-            <p:ph sz="quarter" idx="4"/>
-          </p:nvPr>
-        </p:nvSpPr>
-        <p:spPr>
-          <a:xfrm>
-            <a:off x="6367272" y="1417320"/>
-            <a:ext cx="4754880" cy="886968"/>
-          </a:xfrm>
-        </p:spPr>
-        <p:txBody>
-          <a:bodyPr/>
-          <a:lstStyle/>
-          <a:p>
+              <a:t>Como resultado, o projeto foi </a:t>
+            </a:r>
+            <a:r>
+              <a:rPr lang="pt-PT" dirty="0" err="1"/>
+              <a:t>s«desenvolvido</a:t>
+            </a:r>
             <a:r>
               <a:rPr lang="pt-PT" dirty="0"/>
-              <a:t>Sprint desenvolvida entre 12 de maio e 25 de maio de 2023</a:t>
+              <a:t> em 4 sprints com a duração de 2 semanas cada.</a:t>
             </a:r>
           </a:p>
         </p:txBody>
@@ -6788,7 +7106,7 @@
     </p:spTree>
     <p:extLst>
       <p:ext uri="{BB962C8B-B14F-4D97-AF65-F5344CB8AC3E}">
-        <p14:creationId xmlns:p14="http://schemas.microsoft.com/office/powerpoint/2010/main" val="1053493169"/>
+        <p14:creationId xmlns:p14="http://schemas.microsoft.com/office/powerpoint/2010/main" val="4201342693"/>
       </p:ext>
     </p:extLst>
   </p:cSld>
@@ -6843,7 +7161,7 @@
           <a:p>
             <a:r>
               <a:rPr lang="pt-PT" dirty="0"/>
-              <a:t>Sprint 3</a:t>
+              <a:t>Sprint 1</a:t>
             </a:r>
           </a:p>
         </p:txBody>
@@ -6866,7 +7184,7 @@
         </p:nvSpPr>
         <p:spPr>
           <a:xfrm>
-            <a:off x="1069848" y="1417320"/>
+            <a:off x="957881" y="1417320"/>
             <a:ext cx="4754880" cy="886968"/>
           </a:xfrm>
         </p:spPr>
@@ -6876,7 +7194,7 @@
           <a:p>
             <a:r>
               <a:rPr lang="pt-PT" dirty="0"/>
-              <a:t>Sprint desenvolvida entre 25 de maio a 7 de junho.</a:t>
+              <a:t>Sprint desenvolvida entre 27 de abril e 11 de  maio de 2023.</a:t>
             </a:r>
           </a:p>
         </p:txBody>
@@ -6909,7 +7227,7 @@
           <a:p>
             <a:r>
               <a:rPr lang="pt-PT" dirty="0"/>
-              <a:t>Sprint 4</a:t>
+              <a:t>Sprint 2</a:t>
             </a:r>
           </a:p>
         </p:txBody>
@@ -6942,15 +7260,75 @@
           <a:p>
             <a:r>
               <a:rPr lang="pt-PT" dirty="0"/>
-              <a:t>Sprint desenvolvida entre 8 de junho e 21 de junho de 2023</a:t>
-            </a:r>
-          </a:p>
-        </p:txBody>
-      </p:sp>
+              <a:t>Sprint desenvolvida entre 12 de maio e 25 de maio de 2023</a:t>
+            </a:r>
+          </a:p>
+        </p:txBody>
+      </p:sp>
+      <p:pic>
+        <p:nvPicPr>
+          <p:cNvPr id="9" name="Imagem 8">
+            <a:extLst>
+              <a:ext uri="{FF2B5EF4-FFF2-40B4-BE49-F238E27FC236}">
+                <a16:creationId xmlns:a16="http://schemas.microsoft.com/office/drawing/2014/main" id="{83CFF432-75FE-4EC8-5AD4-FD996BF21E52}"/>
+              </a:ext>
+            </a:extLst>
+          </p:cNvPr>
+          <p:cNvPicPr>
+            <a:picLocks noChangeAspect="1"/>
+          </p:cNvPicPr>
+          <p:nvPr/>
+        </p:nvPicPr>
+        <p:blipFill>
+          <a:blip r:embed="rId2"/>
+          <a:stretch>
+            <a:fillRect/>
+          </a:stretch>
+        </p:blipFill>
+        <p:spPr>
+          <a:xfrm>
+            <a:off x="1069848" y="3010448"/>
+            <a:ext cx="5191850" cy="1543265"/>
+          </a:xfrm>
+          <a:prstGeom prst="rect">
+            <a:avLst/>
+          </a:prstGeom>
+        </p:spPr>
+      </p:pic>
+      <p:pic>
+        <p:nvPicPr>
+          <p:cNvPr id="11" name="Imagem 10">
+            <a:extLst>
+              <a:ext uri="{FF2B5EF4-FFF2-40B4-BE49-F238E27FC236}">
+                <a16:creationId xmlns:a16="http://schemas.microsoft.com/office/drawing/2014/main" id="{E93450E8-0822-C824-C1B1-9CF3AE2A1AD0}"/>
+              </a:ext>
+            </a:extLst>
+          </p:cNvPr>
+          <p:cNvPicPr>
+            <a:picLocks noChangeAspect="1"/>
+          </p:cNvPicPr>
+          <p:nvPr/>
+        </p:nvPicPr>
+        <p:blipFill>
+          <a:blip r:embed="rId3"/>
+          <a:stretch>
+            <a:fillRect/>
+          </a:stretch>
+        </p:blipFill>
+        <p:spPr>
+          <a:xfrm>
+            <a:off x="6443590" y="3010448"/>
+            <a:ext cx="5220429" cy="2095792"/>
+          </a:xfrm>
+          <a:prstGeom prst="rect">
+            <a:avLst/>
+          </a:prstGeom>
+        </p:spPr>
+      </p:pic>
     </p:spTree>
     <p:extLst>
       <p:ext uri="{BB962C8B-B14F-4D97-AF65-F5344CB8AC3E}">
-        <p14:creationId xmlns:p14="http://schemas.microsoft.com/office/powerpoint/2010/main" val="302419582"/>
+        <p14:creationId xmlns:p14="http://schemas.microsoft.com/office/powerpoint/2010/main" val="1053493169"/>
       </p:ext>
     </p:extLst>
   </p:cSld>
@@ -6979,6 +7357,228 @@
       </p:grpSpPr>
       <p:sp>
         <p:nvSpPr>
+          <p:cNvPr id="3" name="Marcador de Posição do Texto 2">
+            <a:extLst>
+              <a:ext uri="{FF2B5EF4-FFF2-40B4-BE49-F238E27FC236}">
+                <a16:creationId xmlns:a16="http://schemas.microsoft.com/office/drawing/2014/main" id="{8B7F1575-8F26-B595-DAF8-08DD2B93B21E}"/>
+              </a:ext>
+            </a:extLst>
+          </p:cNvPr>
+          <p:cNvSpPr>
+            <a:spLocks noGrp="1"/>
+          </p:cNvSpPr>
+          <p:nvPr>
+            <p:ph type="body" idx="1"/>
+          </p:nvPr>
+        </p:nvSpPr>
+        <p:spPr>
+          <a:xfrm>
+            <a:off x="1069848" y="630936"/>
+            <a:ext cx="4754880" cy="640080"/>
+          </a:xfrm>
+        </p:spPr>
+        <p:txBody>
+          <a:bodyPr/>
+          <a:lstStyle/>
+          <a:p>
+            <a:r>
+              <a:rPr lang="pt-PT" dirty="0"/>
+              <a:t>Sprint 3</a:t>
+            </a:r>
+          </a:p>
+        </p:txBody>
+      </p:sp>
+      <p:sp>
+        <p:nvSpPr>
+          <p:cNvPr id="4" name="Marcador de Posição de Conteúdo 3">
+            <a:extLst>
+              <a:ext uri="{FF2B5EF4-FFF2-40B4-BE49-F238E27FC236}">
+                <a16:creationId xmlns:a16="http://schemas.microsoft.com/office/drawing/2014/main" id="{3A234716-42C5-145C-C0C5-1551216BC8E9}"/>
+              </a:ext>
+            </a:extLst>
+          </p:cNvPr>
+          <p:cNvSpPr>
+            <a:spLocks noGrp="1"/>
+          </p:cNvSpPr>
+          <p:nvPr>
+            <p:ph sz="half" idx="2"/>
+          </p:nvPr>
+        </p:nvSpPr>
+        <p:spPr>
+          <a:xfrm>
+            <a:off x="1069848" y="1417320"/>
+            <a:ext cx="4754880" cy="886968"/>
+          </a:xfrm>
+        </p:spPr>
+        <p:txBody>
+          <a:bodyPr/>
+          <a:lstStyle/>
+          <a:p>
+            <a:r>
+              <a:rPr lang="pt-PT" dirty="0"/>
+              <a:t>Sprint desenvolvida entre 25 de maio a 7 de junho.</a:t>
+            </a:r>
+          </a:p>
+        </p:txBody>
+      </p:sp>
+      <p:sp>
+        <p:nvSpPr>
+          <p:cNvPr id="5" name="Marcador de Posição do Texto 4">
+            <a:extLst>
+              <a:ext uri="{FF2B5EF4-FFF2-40B4-BE49-F238E27FC236}">
+                <a16:creationId xmlns:a16="http://schemas.microsoft.com/office/drawing/2014/main" id="{FA63B222-7BD7-866C-4FC6-CF801A11B159}"/>
+              </a:ext>
+            </a:extLst>
+          </p:cNvPr>
+          <p:cNvSpPr>
+            <a:spLocks noGrp="1"/>
+          </p:cNvSpPr>
+          <p:nvPr>
+            <p:ph type="body" sz="quarter" idx="3"/>
+          </p:nvPr>
+        </p:nvSpPr>
+        <p:spPr>
+          <a:xfrm>
+            <a:off x="6367272" y="630936"/>
+            <a:ext cx="4754880" cy="640080"/>
+          </a:xfrm>
+        </p:spPr>
+        <p:txBody>
+          <a:bodyPr/>
+          <a:lstStyle/>
+          <a:p>
+            <a:r>
+              <a:rPr lang="pt-PT" dirty="0"/>
+              <a:t>Sprint 4</a:t>
+            </a:r>
+          </a:p>
+        </p:txBody>
+      </p:sp>
+      <p:sp>
+        <p:nvSpPr>
+          <p:cNvPr id="6" name="Marcador de Posição de Conteúdo 5">
+            <a:extLst>
+              <a:ext uri="{FF2B5EF4-FFF2-40B4-BE49-F238E27FC236}">
+                <a16:creationId xmlns:a16="http://schemas.microsoft.com/office/drawing/2014/main" id="{AFA4231A-5C35-3DF3-23A3-DE1205072A4E}"/>
+              </a:ext>
+            </a:extLst>
+          </p:cNvPr>
+          <p:cNvSpPr>
+            <a:spLocks noGrp="1"/>
+          </p:cNvSpPr>
+          <p:nvPr>
+            <p:ph sz="quarter" idx="4"/>
+          </p:nvPr>
+        </p:nvSpPr>
+        <p:spPr>
+          <a:xfrm>
+            <a:off x="6367272" y="1417320"/>
+            <a:ext cx="4754880" cy="886968"/>
+          </a:xfrm>
+        </p:spPr>
+        <p:txBody>
+          <a:bodyPr/>
+          <a:lstStyle/>
+          <a:p>
+            <a:r>
+              <a:rPr lang="pt-PT" dirty="0"/>
+              <a:t>Sprint desenvolvida entre 8 de junho e 21 de junho de 2023</a:t>
+            </a:r>
+          </a:p>
+        </p:txBody>
+      </p:sp>
+      <p:pic>
+        <p:nvPicPr>
+          <p:cNvPr id="7" name="Imagem 6">
+            <a:extLst>
+              <a:ext uri="{FF2B5EF4-FFF2-40B4-BE49-F238E27FC236}">
+                <a16:creationId xmlns:a16="http://schemas.microsoft.com/office/drawing/2014/main" id="{99B7EC65-41B1-D474-A6BA-280B122AE825}"/>
+              </a:ext>
+            </a:extLst>
+          </p:cNvPr>
+          <p:cNvPicPr>
+            <a:picLocks noChangeAspect="1"/>
+          </p:cNvPicPr>
+          <p:nvPr/>
+        </p:nvPicPr>
+        <p:blipFill>
+          <a:blip r:embed="rId2"/>
+          <a:stretch>
+            <a:fillRect/>
+          </a:stretch>
+        </p:blipFill>
+        <p:spPr>
+          <a:xfrm>
+            <a:off x="1062943" y="3330608"/>
+            <a:ext cx="5220429" cy="1857634"/>
+          </a:xfrm>
+          <a:prstGeom prst="rect">
+            <a:avLst/>
+          </a:prstGeom>
+        </p:spPr>
+      </p:pic>
+      <p:pic>
+        <p:nvPicPr>
+          <p:cNvPr id="9" name="Imagem 8">
+            <a:extLst>
+              <a:ext uri="{FF2B5EF4-FFF2-40B4-BE49-F238E27FC236}">
+                <a16:creationId xmlns:a16="http://schemas.microsoft.com/office/drawing/2014/main" id="{14980440-C060-FF59-158E-D28E9F8BDD6C}"/>
+              </a:ext>
+            </a:extLst>
+          </p:cNvPr>
+          <p:cNvPicPr>
+            <a:picLocks noChangeAspect="1"/>
+          </p:cNvPicPr>
+          <p:nvPr/>
+        </p:nvPicPr>
+        <p:blipFill>
+          <a:blip r:embed="rId3"/>
+          <a:stretch>
+            <a:fillRect/>
+          </a:stretch>
+        </p:blipFill>
+        <p:spPr>
+          <a:xfrm>
+            <a:off x="6522802" y="3330608"/>
+            <a:ext cx="5229955" cy="1524213"/>
+          </a:xfrm>
+          <a:prstGeom prst="rect">
+            <a:avLst/>
+          </a:prstGeom>
+        </p:spPr>
+      </p:pic>
+    </p:spTree>
+    <p:extLst>
+      <p:ext uri="{BB962C8B-B14F-4D97-AF65-F5344CB8AC3E}">
+        <p14:creationId xmlns:p14="http://schemas.microsoft.com/office/powerpoint/2010/main" val="302419582"/>
+      </p:ext>
+    </p:extLst>
+  </p:cSld>
+  <p:clrMapOvr>
+    <a:masterClrMapping/>
+  </p:clrMapOvr>
+</p:sld>
+</file>
+
+<file path=ppt/slides/slide24.xml><?xml version="1.0" encoding="utf-8"?>
+<p:sld xmlns:a="http://schemas.openxmlformats.org/drawingml/2006/main" xmlns:r="http://schemas.openxmlformats.org/officeDocument/2006/relationships" xmlns:p="http://schemas.openxmlformats.org/presentationml/2006/main">
+  <p:cSld>
+    <p:spTree>
+      <p:nvGrpSpPr>
+        <p:cNvPr id="1" name=""/>
+        <p:cNvGrpSpPr/>
+        <p:nvPr/>
+      </p:nvGrpSpPr>
+      <p:grpSpPr>
+        <a:xfrm>
+          <a:off x="0" y="0"/>
+          <a:ext cx="0" cy="0"/>
+          <a:chOff x="0" y="0"/>
+          <a:chExt cx="0" cy="0"/>
+        </a:xfrm>
+      </p:grpSpPr>
+      <p:sp>
+        <p:nvSpPr>
           <p:cNvPr id="7" name="Título 6">
             <a:extLst>
               <a:ext uri="{FF2B5EF4-FFF2-40B4-BE49-F238E27FC236}">
@@ -7083,6 +7683,359 @@
     <p:extLst>
       <p:ext uri="{BB962C8B-B14F-4D97-AF65-F5344CB8AC3E}">
         <p14:creationId xmlns:p14="http://schemas.microsoft.com/office/powerpoint/2010/main" val="2726082737"/>
+      </p:ext>
+    </p:extLst>
+  </p:cSld>
+  <p:clrMapOvr>
+    <a:masterClrMapping/>
+  </p:clrMapOvr>
+</p:sld>
+</file>
+
+<file path=ppt/slides/slide25.xml><?xml version="1.0" encoding="utf-8"?>
+<p:sld xmlns:a="http://schemas.openxmlformats.org/drawingml/2006/main" xmlns:r="http://schemas.openxmlformats.org/officeDocument/2006/relationships" xmlns:p="http://schemas.openxmlformats.org/presentationml/2006/main">
+  <p:cSld>
+    <p:bg>
+      <p:bgPr>
+        <a:solidFill>
+          <a:schemeClr val="bg1"/>
+        </a:solidFill>
+        <a:effectLst/>
+      </p:bgPr>
+    </p:bg>
+    <p:spTree>
+      <p:nvGrpSpPr>
+        <p:cNvPr id="1" name=""/>
+        <p:cNvGrpSpPr/>
+        <p:nvPr/>
+      </p:nvGrpSpPr>
+      <p:grpSpPr>
+        <a:xfrm>
+          <a:off x="0" y="0"/>
+          <a:ext cx="0" cy="0"/>
+          <a:chOff x="0" y="0"/>
+          <a:chExt cx="0" cy="0"/>
+        </a:xfrm>
+      </p:grpSpPr>
+      <p:sp>
+        <p:nvSpPr>
+          <p:cNvPr id="2" name="Título 1">
+            <a:extLst>
+              <a:ext uri="{FF2B5EF4-FFF2-40B4-BE49-F238E27FC236}">
+                <a16:creationId xmlns:a16="http://schemas.microsoft.com/office/drawing/2014/main" id="{2F943B97-F353-ED57-42D9-9636EC9AF05D}"/>
+              </a:ext>
+            </a:extLst>
+          </p:cNvPr>
+          <p:cNvSpPr>
+            <a:spLocks noGrp="1"/>
+          </p:cNvSpPr>
+          <p:nvPr>
+            <p:ph type="title"/>
+          </p:nvPr>
+        </p:nvSpPr>
+        <p:spPr>
+          <a:xfrm>
+            <a:off x="957881" y="98598"/>
+            <a:ext cx="4730451" cy="1637730"/>
+          </a:xfrm>
+        </p:spPr>
+        <p:txBody>
+          <a:bodyPr>
+            <a:normAutofit/>
+          </a:bodyPr>
+          <a:lstStyle/>
+          <a:p>
+            <a:r>
+              <a:rPr lang="pt-PT" sz="4400" dirty="0"/>
+              <a:t>Retrospetiva geral</a:t>
+            </a:r>
+          </a:p>
+        </p:txBody>
+      </p:sp>
+      <p:sp>
+        <p:nvSpPr>
+          <p:cNvPr id="9" name="Content Placeholder 8">
+            <a:extLst>
+              <a:ext uri="{FF2B5EF4-FFF2-40B4-BE49-F238E27FC236}">
+                <a16:creationId xmlns:a16="http://schemas.microsoft.com/office/drawing/2014/main" id="{D4CB49F3-D0E3-4C9B-0DD9-9504B4C9A5AC}"/>
+              </a:ext>
+            </a:extLst>
+          </p:cNvPr>
+          <p:cNvSpPr>
+            <a:spLocks noGrp="1"/>
+          </p:cNvSpPr>
+          <p:nvPr>
+            <p:ph idx="1"/>
+          </p:nvPr>
+        </p:nvSpPr>
+        <p:spPr>
+          <a:xfrm>
+            <a:off x="1694999" y="2480763"/>
+            <a:ext cx="4730451" cy="3593592"/>
+          </a:xfrm>
+        </p:spPr>
+        <p:txBody>
+          <a:bodyPr>
+            <a:normAutofit/>
+          </a:bodyPr>
+          <a:lstStyle/>
+          <a:p>
+            <a:r>
+              <a:rPr lang="en-US" sz="1800" dirty="0"/>
+              <a:t>Sprint 3 									</a:t>
+            </a:r>
+          </a:p>
+          <a:p>
+            <a:endParaRPr lang="en-US" sz="1800" dirty="0"/>
+          </a:p>
+          <a:p>
+            <a:endParaRPr lang="en-US" sz="1800" dirty="0"/>
+          </a:p>
+          <a:p>
+            <a:endParaRPr lang="en-US" sz="1800" dirty="0"/>
+          </a:p>
+          <a:p>
+            <a:endParaRPr lang="en-US" sz="1800" dirty="0"/>
+          </a:p>
+          <a:p>
+            <a:r>
+              <a:rPr lang="en-US" sz="1800" dirty="0"/>
+              <a:t>Sprint 4</a:t>
+            </a:r>
+          </a:p>
+        </p:txBody>
+      </p:sp>
+      <p:sp>
+        <p:nvSpPr>
+          <p:cNvPr id="21" name="Freeform: Shape 20">
+            <a:extLst>
+              <a:ext uri="{FF2B5EF4-FFF2-40B4-BE49-F238E27FC236}">
+                <a16:creationId xmlns:a16="http://schemas.microsoft.com/office/drawing/2014/main" id="{B16070FD-9EB8-4AC8-A8E2-267228385B79}"/>
+              </a:ext>
+              <a:ext uri="{C183D7F6-B498-43B3-948B-1728B52AA6E4}">
+                <adec:decorative xmlns:adec="http://schemas.microsoft.com/office/drawing/2017/decorative" val="1"/>
+              </a:ext>
+            </a:extLst>
+          </p:cNvPr>
+          <p:cNvSpPr>
+            <a:spLocks noGrp="1" noRot="1" noChangeAspect="1" noMove="1" noResize="1" noEditPoints="1" noAdjustHandles="1" noChangeArrowheads="1" noChangeShapeType="1" noTextEdit="1"/>
+          </p:cNvSpPr>
+          <p:nvPr>
+            <p:extLst>
+              <p:ext uri="{386F3935-93C4-4BCD-93E2-E3B085C9AB24}">
+                <p16:designElem xmlns:p16="http://schemas.microsoft.com/office/powerpoint/2015/main" val="1"/>
+              </p:ext>
+            </p:extLst>
+          </p:nvPr>
+        </p:nvSpPr>
+        <p:spPr>
+          <a:xfrm>
+            <a:off x="5913124" y="0"/>
+            <a:ext cx="6278877" cy="6858000"/>
+          </a:xfrm>
+          <a:custGeom>
+            <a:avLst/>
+            <a:gdLst>
+              <a:gd name="connsiteX0" fmla="*/ 45571 w 6278877"/>
+              <a:gd name="connsiteY0" fmla="*/ 0 h 6858000"/>
+              <a:gd name="connsiteX1" fmla="*/ 6278877 w 6278877"/>
+              <a:gd name="connsiteY1" fmla="*/ 0 h 6858000"/>
+              <a:gd name="connsiteX2" fmla="*/ 6278877 w 6278877"/>
+              <a:gd name="connsiteY2" fmla="*/ 6858000 h 6858000"/>
+              <a:gd name="connsiteX3" fmla="*/ 3292307 w 6278877"/>
+              <a:gd name="connsiteY3" fmla="*/ 6858000 h 6858000"/>
+              <a:gd name="connsiteX4" fmla="*/ 3181525 w 6278877"/>
+              <a:gd name="connsiteY4" fmla="*/ 6786980 h 6858000"/>
+              <a:gd name="connsiteX5" fmla="*/ 0 w 6278877"/>
+              <a:gd name="connsiteY5" fmla="*/ 803252 h 6858000"/>
+              <a:gd name="connsiteX6" fmla="*/ 37255 w 6278877"/>
+              <a:gd name="connsiteY6" fmla="*/ 65445 h 6858000"/>
+            </a:gdLst>
+            <a:ahLst/>
+            <a:cxnLst>
+              <a:cxn ang="0">
+                <a:pos x="connsiteX0" y="connsiteY0"/>
+              </a:cxn>
+              <a:cxn ang="0">
+                <a:pos x="connsiteX1" y="connsiteY1"/>
+              </a:cxn>
+              <a:cxn ang="0">
+                <a:pos x="connsiteX2" y="connsiteY2"/>
+              </a:cxn>
+              <a:cxn ang="0">
+                <a:pos x="connsiteX3" y="connsiteY3"/>
+              </a:cxn>
+              <a:cxn ang="0">
+                <a:pos x="connsiteX4" y="connsiteY4"/>
+              </a:cxn>
+              <a:cxn ang="0">
+                <a:pos x="connsiteX5" y="connsiteY5"/>
+              </a:cxn>
+              <a:cxn ang="0">
+                <a:pos x="connsiteX6" y="connsiteY6"/>
+              </a:cxn>
+            </a:cxnLst>
+            <a:rect l="l" t="t" r="r" b="b"/>
+            <a:pathLst>
+              <a:path w="6278877" h="6858000">
+                <a:moveTo>
+                  <a:pt x="45571" y="0"/>
+                </a:moveTo>
+                <a:lnTo>
+                  <a:pt x="6278877" y="0"/>
+                </a:lnTo>
+                <a:lnTo>
+                  <a:pt x="6278877" y="6858000"/>
+                </a:lnTo>
+                <a:lnTo>
+                  <a:pt x="3292307" y="6858000"/>
+                </a:lnTo>
+                <a:lnTo>
+                  <a:pt x="3181525" y="6786980"/>
+                </a:lnTo>
+                <a:cubicBezTo>
+                  <a:pt x="1262020" y="5490189"/>
+                  <a:pt x="0" y="3294101"/>
+                  <a:pt x="0" y="803252"/>
+                </a:cubicBezTo>
+                <a:cubicBezTo>
+                  <a:pt x="0" y="554167"/>
+                  <a:pt x="12619" y="308030"/>
+                  <a:pt x="37255" y="65445"/>
+                </a:cubicBezTo>
+                <a:close/>
+              </a:path>
+            </a:pathLst>
+          </a:custGeom>
+          <a:solidFill>
+            <a:schemeClr val="tx2">
+              <a:lumMod val="50000"/>
+            </a:schemeClr>
+          </a:solidFill>
+          <a:ln>
+            <a:noFill/>
+          </a:ln>
+        </p:spPr>
+        <p:style>
+          <a:lnRef idx="2">
+            <a:schemeClr val="accent1">
+              <a:shade val="50000"/>
+            </a:schemeClr>
+          </a:lnRef>
+          <a:fillRef idx="1">
+            <a:schemeClr val="accent1"/>
+          </a:fillRef>
+          <a:effectRef idx="0">
+            <a:schemeClr val="accent1"/>
+          </a:effectRef>
+          <a:fontRef idx="minor">
+            <a:schemeClr val="lt1"/>
+          </a:fontRef>
+        </p:style>
+        <p:txBody>
+          <a:bodyPr wrap="square" rtlCol="0" anchor="ctr">
+            <a:noAutofit/>
+          </a:bodyPr>
+          <a:lstStyle/>
+          <a:p>
+            <a:pPr marL="0" marR="0" lvl="0" indent="0" algn="ctr" defTabSz="914400" rtl="0" eaLnBrk="1" fontAlgn="auto" latinLnBrk="0" hangingPunct="1">
+              <a:lnSpc>
+                <a:spcPct val="100000"/>
+              </a:lnSpc>
+              <a:spcBef>
+                <a:spcPts val="0"/>
+              </a:spcBef>
+              <a:spcAft>
+                <a:spcPts val="0"/>
+              </a:spcAft>
+              <a:buClrTx/>
+              <a:buSzTx/>
+              <a:buFontTx/>
+              <a:buNone/>
+              <a:tabLst/>
+              <a:defRPr/>
+            </a:pPr>
+            <a:endParaRPr kumimoji="0" lang="en-US" sz="1800" b="0" i="0" u="none" strike="noStrike" kern="1200" cap="none" spc="0" normalizeH="0" baseline="0" noProof="0">
+              <a:ln>
+                <a:noFill/>
+              </a:ln>
+              <a:solidFill>
+                <a:prstClr val="white"/>
+              </a:solidFill>
+              <a:effectLst/>
+              <a:uLnTx/>
+              <a:uFillTx/>
+              <a:latin typeface="Rockwell" panose="02060603020205020403"/>
+              <a:ea typeface="+mn-ea"/>
+              <a:cs typeface="+mn-cs"/>
+            </a:endParaRPr>
+          </a:p>
+        </p:txBody>
+      </p:sp>
+      <p:pic>
+        <p:nvPicPr>
+          <p:cNvPr id="5" name="Marcador de Posição de Conteúdo 4">
+            <a:extLst>
+              <a:ext uri="{FF2B5EF4-FFF2-40B4-BE49-F238E27FC236}">
+                <a16:creationId xmlns:a16="http://schemas.microsoft.com/office/drawing/2014/main" id="{96EA0611-564F-4020-0BDE-9C3956E0C218}"/>
+              </a:ext>
+            </a:extLst>
+          </p:cNvPr>
+          <p:cNvPicPr>
+            <a:picLocks noChangeAspect="1"/>
+          </p:cNvPicPr>
+          <p:nvPr/>
+        </p:nvPicPr>
+        <p:blipFill>
+          <a:blip r:embed="rId2"/>
+          <a:stretch>
+            <a:fillRect/>
+          </a:stretch>
+        </p:blipFill>
+        <p:spPr>
+          <a:xfrm>
+            <a:off x="3656138" y="4618100"/>
+            <a:ext cx="6278877" cy="1899359"/>
+          </a:xfrm>
+          <a:prstGeom prst="rect">
+            <a:avLst/>
+          </a:prstGeom>
+        </p:spPr>
+      </p:pic>
+      <p:pic>
+        <p:nvPicPr>
+          <p:cNvPr id="7" name="Imagem 6">
+            <a:extLst>
+              <a:ext uri="{FF2B5EF4-FFF2-40B4-BE49-F238E27FC236}">
+                <a16:creationId xmlns:a16="http://schemas.microsoft.com/office/drawing/2014/main" id="{95E37941-CC44-31F9-86DA-6972BD164B5A}"/>
+              </a:ext>
+            </a:extLst>
+          </p:cNvPr>
+          <p:cNvPicPr>
+            <a:picLocks noChangeAspect="1"/>
+          </p:cNvPicPr>
+          <p:nvPr/>
+        </p:nvPicPr>
+        <p:blipFill>
+          <a:blip r:embed="rId3"/>
+          <a:stretch>
+            <a:fillRect/>
+          </a:stretch>
+        </p:blipFill>
+        <p:spPr>
+          <a:xfrm>
+            <a:off x="3656138" y="2239900"/>
+            <a:ext cx="6278877" cy="2024936"/>
+          </a:xfrm>
+          <a:prstGeom prst="rect">
+            <a:avLst/>
+          </a:prstGeom>
+        </p:spPr>
+      </p:pic>
+    </p:spTree>
+    <p:extLst>
+      <p:ext uri="{BB962C8B-B14F-4D97-AF65-F5344CB8AC3E}">
+        <p14:creationId xmlns:p14="http://schemas.microsoft.com/office/powerpoint/2010/main" val="3055564133"/>
       </p:ext>
     </p:extLst>
   </p:cSld>

--- a/MDS_PLC_2220897_2220893_2220900.pptx
+++ b/MDS_PLC_2220897_2220893_2220900.pptx
@@ -14,22 +14,20 @@
     <p:sldId id="262" r:id="rId8"/>
     <p:sldId id="263" r:id="rId9"/>
     <p:sldId id="264" r:id="rId10"/>
-    <p:sldId id="265" r:id="rId11"/>
-    <p:sldId id="266" r:id="rId12"/>
-    <p:sldId id="267" r:id="rId13"/>
-    <p:sldId id="280" r:id="rId14"/>
-    <p:sldId id="268" r:id="rId15"/>
-    <p:sldId id="269" r:id="rId16"/>
-    <p:sldId id="270" r:id="rId17"/>
-    <p:sldId id="271" r:id="rId18"/>
-    <p:sldId id="278" r:id="rId19"/>
-    <p:sldId id="272" r:id="rId20"/>
-    <p:sldId id="273" r:id="rId21"/>
-    <p:sldId id="274" r:id="rId22"/>
-    <p:sldId id="275" r:id="rId23"/>
-    <p:sldId id="276" r:id="rId24"/>
-    <p:sldId id="277" r:id="rId25"/>
-    <p:sldId id="281" r:id="rId26"/>
+    <p:sldId id="266" r:id="rId11"/>
+    <p:sldId id="267" r:id="rId12"/>
+    <p:sldId id="280" r:id="rId13"/>
+    <p:sldId id="268" r:id="rId14"/>
+    <p:sldId id="269" r:id="rId15"/>
+    <p:sldId id="270" r:id="rId16"/>
+    <p:sldId id="271" r:id="rId17"/>
+    <p:sldId id="278" r:id="rId18"/>
+    <p:sldId id="272" r:id="rId19"/>
+    <p:sldId id="273" r:id="rId20"/>
+    <p:sldId id="274" r:id="rId21"/>
+    <p:sldId id="276" r:id="rId22"/>
+    <p:sldId id="277" r:id="rId23"/>
+    <p:sldId id="281" r:id="rId24"/>
   </p:sldIdLst>
   <p:sldSz cx="12192000" cy="6858000"/>
   <p:notesSz cx="6858000" cy="9144000"/>
@@ -4878,228 +4876,6 @@
           <a:p>
             <a:r>
               <a:rPr lang="pt-PT" dirty="0"/>
-              <a:t>Sprint 1</a:t>
-            </a:r>
-          </a:p>
-        </p:txBody>
-      </p:sp>
-      <p:sp>
-        <p:nvSpPr>
-          <p:cNvPr id="4" name="Marcador de Posição de Conteúdo 3">
-            <a:extLst>
-              <a:ext uri="{FF2B5EF4-FFF2-40B4-BE49-F238E27FC236}">
-                <a16:creationId xmlns:a16="http://schemas.microsoft.com/office/drawing/2014/main" id="{3A234716-42C5-145C-C0C5-1551216BC8E9}"/>
-              </a:ext>
-            </a:extLst>
-          </p:cNvPr>
-          <p:cNvSpPr>
-            <a:spLocks noGrp="1"/>
-          </p:cNvSpPr>
-          <p:nvPr>
-            <p:ph sz="half" idx="2"/>
-          </p:nvPr>
-        </p:nvSpPr>
-        <p:spPr>
-          <a:xfrm>
-            <a:off x="1069848" y="1417320"/>
-            <a:ext cx="4754880" cy="886968"/>
-          </a:xfrm>
-        </p:spPr>
-        <p:txBody>
-          <a:bodyPr/>
-          <a:lstStyle/>
-          <a:p>
-            <a:r>
-              <a:rPr lang="pt-PT" dirty="0"/>
-              <a:t>Sprint desenvolvida entre 27 de abril e 11 de  maio de 2023.</a:t>
-            </a:r>
-          </a:p>
-        </p:txBody>
-      </p:sp>
-      <p:sp>
-        <p:nvSpPr>
-          <p:cNvPr id="5" name="Marcador de Posição do Texto 4">
-            <a:extLst>
-              <a:ext uri="{FF2B5EF4-FFF2-40B4-BE49-F238E27FC236}">
-                <a16:creationId xmlns:a16="http://schemas.microsoft.com/office/drawing/2014/main" id="{FA63B222-7BD7-866C-4FC6-CF801A11B159}"/>
-              </a:ext>
-            </a:extLst>
-          </p:cNvPr>
-          <p:cNvSpPr>
-            <a:spLocks noGrp="1"/>
-          </p:cNvSpPr>
-          <p:nvPr>
-            <p:ph type="body" sz="quarter" idx="3"/>
-          </p:nvPr>
-        </p:nvSpPr>
-        <p:spPr>
-          <a:xfrm>
-            <a:off x="6367272" y="630936"/>
-            <a:ext cx="4754880" cy="640080"/>
-          </a:xfrm>
-        </p:spPr>
-        <p:txBody>
-          <a:bodyPr/>
-          <a:lstStyle/>
-          <a:p>
-            <a:r>
-              <a:rPr lang="pt-PT" dirty="0"/>
-              <a:t>Sprint 2</a:t>
-            </a:r>
-          </a:p>
-        </p:txBody>
-      </p:sp>
-      <p:sp>
-        <p:nvSpPr>
-          <p:cNvPr id="6" name="Marcador de Posição de Conteúdo 5">
-            <a:extLst>
-              <a:ext uri="{FF2B5EF4-FFF2-40B4-BE49-F238E27FC236}">
-                <a16:creationId xmlns:a16="http://schemas.microsoft.com/office/drawing/2014/main" id="{AFA4231A-5C35-3DF3-23A3-DE1205072A4E}"/>
-              </a:ext>
-            </a:extLst>
-          </p:cNvPr>
-          <p:cNvSpPr>
-            <a:spLocks noGrp="1"/>
-          </p:cNvSpPr>
-          <p:nvPr>
-            <p:ph sz="quarter" idx="4"/>
-          </p:nvPr>
-        </p:nvSpPr>
-        <p:spPr>
-          <a:xfrm>
-            <a:off x="6367272" y="1417320"/>
-            <a:ext cx="4754880" cy="886968"/>
-          </a:xfrm>
-        </p:spPr>
-        <p:txBody>
-          <a:bodyPr/>
-          <a:lstStyle/>
-          <a:p>
-            <a:r>
-              <a:rPr lang="pt-PT" dirty="0"/>
-              <a:t>Sprint desenvolvida entre 12 de maio e 25 de maio de 2023</a:t>
-            </a:r>
-          </a:p>
-        </p:txBody>
-      </p:sp>
-      <p:pic>
-        <p:nvPicPr>
-          <p:cNvPr id="7" name="Imagem 6">
-            <a:extLst>
-              <a:ext uri="{FF2B5EF4-FFF2-40B4-BE49-F238E27FC236}">
-                <a16:creationId xmlns:a16="http://schemas.microsoft.com/office/drawing/2014/main" id="{28FC1D09-6479-9A22-1F4C-930B90597CCD}"/>
-              </a:ext>
-            </a:extLst>
-          </p:cNvPr>
-          <p:cNvPicPr>
-            <a:picLocks noChangeAspect="1"/>
-          </p:cNvPicPr>
-          <p:nvPr/>
-        </p:nvPicPr>
-        <p:blipFill>
-          <a:blip r:embed="rId2"/>
-          <a:stretch>
-            <a:fillRect/>
-          </a:stretch>
-        </p:blipFill>
-        <p:spPr>
-          <a:xfrm>
-            <a:off x="1260995" y="2970557"/>
-            <a:ext cx="4372585" cy="1428949"/>
-          </a:xfrm>
-          <a:prstGeom prst="rect">
-            <a:avLst/>
-          </a:prstGeom>
-        </p:spPr>
-      </p:pic>
-      <p:pic>
-        <p:nvPicPr>
-          <p:cNvPr id="9" name="Imagem 8">
-            <a:extLst>
-              <a:ext uri="{FF2B5EF4-FFF2-40B4-BE49-F238E27FC236}">
-                <a16:creationId xmlns:a16="http://schemas.microsoft.com/office/drawing/2014/main" id="{3DADC6D8-7B9E-F59C-61CC-1288CBAF9901}"/>
-              </a:ext>
-            </a:extLst>
-          </p:cNvPr>
-          <p:cNvPicPr>
-            <a:picLocks noChangeAspect="1"/>
-          </p:cNvPicPr>
-          <p:nvPr/>
-        </p:nvPicPr>
-        <p:blipFill>
-          <a:blip r:embed="rId3"/>
-          <a:stretch>
-            <a:fillRect/>
-          </a:stretch>
-        </p:blipFill>
-        <p:spPr>
-          <a:xfrm>
-            <a:off x="6728911" y="2970557"/>
-            <a:ext cx="4205964" cy="1428949"/>
-          </a:xfrm>
-          <a:prstGeom prst="rect">
-            <a:avLst/>
-          </a:prstGeom>
-        </p:spPr>
-      </p:pic>
-    </p:spTree>
-    <p:extLst>
-      <p:ext uri="{BB962C8B-B14F-4D97-AF65-F5344CB8AC3E}">
-        <p14:creationId xmlns:p14="http://schemas.microsoft.com/office/powerpoint/2010/main" val="3408824680"/>
-      </p:ext>
-    </p:extLst>
-  </p:cSld>
-  <p:clrMapOvr>
-    <a:masterClrMapping/>
-  </p:clrMapOvr>
-</p:sld>
-</file>
-
-<file path=ppt/slides/slide11.xml><?xml version="1.0" encoding="utf-8"?>
-<p:sld xmlns:a="http://schemas.openxmlformats.org/drawingml/2006/main" xmlns:r="http://schemas.openxmlformats.org/officeDocument/2006/relationships" xmlns:p="http://schemas.openxmlformats.org/presentationml/2006/main">
-  <p:cSld>
-    <p:spTree>
-      <p:nvGrpSpPr>
-        <p:cNvPr id="1" name=""/>
-        <p:cNvGrpSpPr/>
-        <p:nvPr/>
-      </p:nvGrpSpPr>
-      <p:grpSpPr>
-        <a:xfrm>
-          <a:off x="0" y="0"/>
-          <a:ext cx="0" cy="0"/>
-          <a:chOff x="0" y="0"/>
-          <a:chExt cx="0" cy="0"/>
-        </a:xfrm>
-      </p:grpSpPr>
-      <p:sp>
-        <p:nvSpPr>
-          <p:cNvPr id="3" name="Marcador de Posição do Texto 2">
-            <a:extLst>
-              <a:ext uri="{FF2B5EF4-FFF2-40B4-BE49-F238E27FC236}">
-                <a16:creationId xmlns:a16="http://schemas.microsoft.com/office/drawing/2014/main" id="{8B7F1575-8F26-B595-DAF8-08DD2B93B21E}"/>
-              </a:ext>
-            </a:extLst>
-          </p:cNvPr>
-          <p:cNvSpPr>
-            <a:spLocks noGrp="1"/>
-          </p:cNvSpPr>
-          <p:nvPr>
-            <p:ph type="body" idx="1"/>
-          </p:nvPr>
-        </p:nvSpPr>
-        <p:spPr>
-          <a:xfrm>
-            <a:off x="1069848" y="630936"/>
-            <a:ext cx="4754880" cy="640080"/>
-          </a:xfrm>
-        </p:spPr>
-        <p:txBody>
-          <a:bodyPr/>
-          <a:lstStyle/>
-          <a:p>
-            <a:r>
-              <a:rPr lang="pt-PT" dirty="0"/>
               <a:t>Sprint 3</a:t>
             </a:r>
           </a:p>
@@ -5277,7 +5053,7 @@
 </p:sld>
 </file>
 
-<file path=ppt/slides/slide12.xml><?xml version="1.0" encoding="utf-8"?>
+<file path=ppt/slides/slide11.xml><?xml version="1.0" encoding="utf-8"?>
 <p:sld xmlns:a="http://schemas.openxmlformats.org/drawingml/2006/main" xmlns:r="http://schemas.openxmlformats.org/officeDocument/2006/relationships" xmlns:p="http://schemas.openxmlformats.org/presentationml/2006/main">
   <p:cSld>
     <p:spTree>
@@ -5409,7 +5185,7 @@
 </p:sld>
 </file>
 
-<file path=ppt/slides/slide13.xml><?xml version="1.0" encoding="utf-8"?>
+<file path=ppt/slides/slide12.xml><?xml version="1.0" encoding="utf-8"?>
 <p:sld xmlns:a="http://schemas.openxmlformats.org/drawingml/2006/main" xmlns:r="http://schemas.openxmlformats.org/officeDocument/2006/relationships" xmlns:p="http://schemas.openxmlformats.org/presentationml/2006/main">
   <p:cSld>
     <p:bg>
@@ -5762,6 +5538,64 @@
 </p:sld>
 </file>
 
+<file path=ppt/slides/slide13.xml><?xml version="1.0" encoding="utf-8"?>
+<p:sld xmlns:a="http://schemas.openxmlformats.org/drawingml/2006/main" xmlns:r="http://schemas.openxmlformats.org/officeDocument/2006/relationships" xmlns:p="http://schemas.openxmlformats.org/presentationml/2006/main">
+  <p:cSld>
+    <p:spTree>
+      <p:nvGrpSpPr>
+        <p:cNvPr id="1" name=""/>
+        <p:cNvGrpSpPr/>
+        <p:nvPr/>
+      </p:nvGrpSpPr>
+      <p:grpSpPr>
+        <a:xfrm>
+          <a:off x="0" y="0"/>
+          <a:ext cx="0" cy="0"/>
+          <a:chOff x="0" y="0"/>
+          <a:chExt cx="0" cy="0"/>
+        </a:xfrm>
+      </p:grpSpPr>
+      <p:sp>
+        <p:nvSpPr>
+          <p:cNvPr id="4" name="Título 3">
+            <a:extLst>
+              <a:ext uri="{FF2B5EF4-FFF2-40B4-BE49-F238E27FC236}">
+                <a16:creationId xmlns:a16="http://schemas.microsoft.com/office/drawing/2014/main" id="{DED111C7-1957-2D00-6C43-AD88532F7641}"/>
+              </a:ext>
+            </a:extLst>
+          </p:cNvPr>
+          <p:cNvSpPr>
+            <a:spLocks noGrp="1"/>
+          </p:cNvSpPr>
+          <p:nvPr>
+            <p:ph type="ctrTitle"/>
+          </p:nvPr>
+        </p:nvSpPr>
+        <p:spPr/>
+        <p:txBody>
+          <a:bodyPr/>
+          <a:lstStyle/>
+          <a:p>
+            <a:r>
+              <a:rPr lang="pt-PT" sz="6600" dirty="0"/>
+              <a:t>Programação WEB - Servidor</a:t>
+            </a:r>
+          </a:p>
+        </p:txBody>
+      </p:sp>
+    </p:spTree>
+    <p:extLst>
+      <p:ext uri="{BB962C8B-B14F-4D97-AF65-F5344CB8AC3E}">
+        <p14:creationId xmlns:p14="http://schemas.microsoft.com/office/powerpoint/2010/main" val="1619271624"/>
+      </p:ext>
+    </p:extLst>
+  </p:cSld>
+  <p:clrMapOvr>
+    <a:masterClrMapping/>
+  </p:clrMapOvr>
+</p:sld>
+</file>
+
 <file path=ppt/slides/slide14.xml><?xml version="1.0" encoding="utf-8"?>
 <p:sld xmlns:a="http://schemas.openxmlformats.org/drawingml/2006/main" xmlns:r="http://schemas.openxmlformats.org/officeDocument/2006/relationships" xmlns:p="http://schemas.openxmlformats.org/presentationml/2006/main">
   <p:cSld>
@@ -5781,64 +5615,6 @@
       </p:grpSpPr>
       <p:sp>
         <p:nvSpPr>
-          <p:cNvPr id="4" name="Título 3">
-            <a:extLst>
-              <a:ext uri="{FF2B5EF4-FFF2-40B4-BE49-F238E27FC236}">
-                <a16:creationId xmlns:a16="http://schemas.microsoft.com/office/drawing/2014/main" id="{DED111C7-1957-2D00-6C43-AD88532F7641}"/>
-              </a:ext>
-            </a:extLst>
-          </p:cNvPr>
-          <p:cNvSpPr>
-            <a:spLocks noGrp="1"/>
-          </p:cNvSpPr>
-          <p:nvPr>
-            <p:ph type="ctrTitle"/>
-          </p:nvPr>
-        </p:nvSpPr>
-        <p:spPr/>
-        <p:txBody>
-          <a:bodyPr/>
-          <a:lstStyle/>
-          <a:p>
-            <a:r>
-              <a:rPr lang="pt-PT" sz="6600" dirty="0"/>
-              <a:t>Programação WEB - Servidor</a:t>
-            </a:r>
-          </a:p>
-        </p:txBody>
-      </p:sp>
-    </p:spTree>
-    <p:extLst>
-      <p:ext uri="{BB962C8B-B14F-4D97-AF65-F5344CB8AC3E}">
-        <p14:creationId xmlns:p14="http://schemas.microsoft.com/office/powerpoint/2010/main" val="1619271624"/>
-      </p:ext>
-    </p:extLst>
-  </p:cSld>
-  <p:clrMapOvr>
-    <a:masterClrMapping/>
-  </p:clrMapOvr>
-</p:sld>
-</file>
-
-<file path=ppt/slides/slide15.xml><?xml version="1.0" encoding="utf-8"?>
-<p:sld xmlns:a="http://schemas.openxmlformats.org/drawingml/2006/main" xmlns:r="http://schemas.openxmlformats.org/officeDocument/2006/relationships" xmlns:p="http://schemas.openxmlformats.org/presentationml/2006/main">
-  <p:cSld>
-    <p:spTree>
-      <p:nvGrpSpPr>
-        <p:cNvPr id="1" name=""/>
-        <p:cNvGrpSpPr/>
-        <p:nvPr/>
-      </p:nvGrpSpPr>
-      <p:grpSpPr>
-        <a:xfrm>
-          <a:off x="0" y="0"/>
-          <a:ext cx="0" cy="0"/>
-          <a:chOff x="0" y="0"/>
-          <a:chExt cx="0" cy="0"/>
-        </a:xfrm>
-      </p:grpSpPr>
-      <p:sp>
-        <p:nvSpPr>
           <p:cNvPr id="2" name="Título 1">
             <a:extLst>
               <a:ext uri="{FF2B5EF4-FFF2-40B4-BE49-F238E27FC236}">
@@ -5912,7 +5688,7 @@
 </p:sld>
 </file>
 
-<file path=ppt/slides/slide16.xml><?xml version="1.0" encoding="utf-8"?>
+<file path=ppt/slides/slide15.xml><?xml version="1.0" encoding="utf-8"?>
 <p:sld xmlns:a="http://schemas.openxmlformats.org/drawingml/2006/main" xmlns:r="http://schemas.openxmlformats.org/officeDocument/2006/relationships" xmlns:p="http://schemas.openxmlformats.org/presentationml/2006/main">
   <p:cSld>
     <p:spTree>
@@ -6040,7 +5816,7 @@
 </p:sld>
 </file>
 
-<file path=ppt/slides/slide17.xml><?xml version="1.0" encoding="utf-8"?>
+<file path=ppt/slides/slide16.xml><?xml version="1.0" encoding="utf-8"?>
 <p:sld xmlns:a="http://schemas.openxmlformats.org/drawingml/2006/main" xmlns:r="http://schemas.openxmlformats.org/officeDocument/2006/relationships" xmlns:p="http://schemas.openxmlformats.org/presentationml/2006/main">
   <p:cSld>
     <p:spTree>
@@ -6221,7 +5997,7 @@
 </p:sld>
 </file>
 
-<file path=ppt/slides/slide18.xml><?xml version="1.0" encoding="utf-8"?>
+<file path=ppt/slides/slide17.xml><?xml version="1.0" encoding="utf-8"?>
 <p:sld xmlns:a="http://schemas.openxmlformats.org/drawingml/2006/main" xmlns:r="http://schemas.openxmlformats.org/officeDocument/2006/relationships" xmlns:p="http://schemas.openxmlformats.org/presentationml/2006/main">
   <p:cSld>
     <p:spTree>
@@ -6353,7 +6129,7 @@
 </p:sld>
 </file>
 
-<file path=ppt/slides/slide19.xml><?xml version="1.0" encoding="utf-8"?>
+<file path=ppt/slides/slide18.xml><?xml version="1.0" encoding="utf-8"?>
 <p:sld xmlns:a="http://schemas.openxmlformats.org/drawingml/2006/main" xmlns:r="http://schemas.openxmlformats.org/officeDocument/2006/relationships" xmlns:p="http://schemas.openxmlformats.org/presentationml/2006/main">
   <p:cSld>
     <p:spTree>
@@ -6811,113 +6587,7 @@
 </p:sld>
 </file>
 
-<file path=ppt/slides/slide2.xml><?xml version="1.0" encoding="utf-8"?>
-<p:sld xmlns:a="http://schemas.openxmlformats.org/drawingml/2006/main" xmlns:r="http://schemas.openxmlformats.org/officeDocument/2006/relationships" xmlns:p="http://schemas.openxmlformats.org/presentationml/2006/main">
-  <p:cSld>
-    <p:spTree>
-      <p:nvGrpSpPr>
-        <p:cNvPr id="1" name=""/>
-        <p:cNvGrpSpPr/>
-        <p:nvPr/>
-      </p:nvGrpSpPr>
-      <p:grpSpPr>
-        <a:xfrm>
-          <a:off x="0" y="0"/>
-          <a:ext cx="0" cy="0"/>
-          <a:chOff x="0" y="0"/>
-          <a:chExt cx="0" cy="0"/>
-        </a:xfrm>
-      </p:grpSpPr>
-      <p:sp>
-        <p:nvSpPr>
-          <p:cNvPr id="2" name="Título 1">
-            <a:extLst>
-              <a:ext uri="{FF2B5EF4-FFF2-40B4-BE49-F238E27FC236}">
-                <a16:creationId xmlns:a16="http://schemas.microsoft.com/office/drawing/2014/main" id="{7DAD9DD7-40F0-7CAC-0466-0B6C8D5103B7}"/>
-              </a:ext>
-            </a:extLst>
-          </p:cNvPr>
-          <p:cNvSpPr>
-            <a:spLocks noGrp="1"/>
-          </p:cNvSpPr>
-          <p:nvPr>
-            <p:ph type="title"/>
-          </p:nvPr>
-        </p:nvSpPr>
-        <p:spPr/>
-        <p:txBody>
-          <a:bodyPr/>
-          <a:lstStyle/>
-          <a:p>
-            <a:r>
-              <a:rPr lang="pt-PT" dirty="0"/>
-              <a:t>Contextualização</a:t>
-            </a:r>
-          </a:p>
-        </p:txBody>
-      </p:sp>
-      <p:sp>
-        <p:nvSpPr>
-          <p:cNvPr id="3" name="Marcador de Posição de Conteúdo 2">
-            <a:extLst>
-              <a:ext uri="{FF2B5EF4-FFF2-40B4-BE49-F238E27FC236}">
-                <a16:creationId xmlns:a16="http://schemas.microsoft.com/office/drawing/2014/main" id="{1EFAA548-5A49-6DAF-18CA-6107B0EDCED5}"/>
-              </a:ext>
-            </a:extLst>
-          </p:cNvPr>
-          <p:cNvSpPr>
-            <a:spLocks noGrp="1"/>
-          </p:cNvSpPr>
-          <p:nvPr>
-            <p:ph idx="1"/>
-          </p:nvPr>
-        </p:nvSpPr>
-        <p:spPr/>
-        <p:txBody>
-          <a:bodyPr/>
-          <a:lstStyle/>
-          <a:p>
-            <a:r>
-              <a:rPr lang="pt-PT" dirty="0"/>
-              <a:t>Durante o presente semestre, foram desenvolvidos projetos para as disciplinas de Programação Web – Servidor e Desenvolvimento de Aplicações.</a:t>
-            </a:r>
-          </a:p>
-          <a:p>
-            <a:r>
-              <a:rPr lang="pt-PT" dirty="0"/>
-              <a:t>A disciplina de Metodologias de Desenvolvimento de Software serviu para a gestão de ambos os projetos. Como material de apoio à gestão, foi utilizado o software </a:t>
-            </a:r>
-            <a:r>
-              <a:rPr lang="pt-PT" dirty="0" err="1"/>
-              <a:t>Jira</a:t>
-            </a:r>
-            <a:r>
-              <a:rPr lang="pt-PT" dirty="0"/>
-              <a:t> e, para gestão de documentação, o GitHub.</a:t>
-            </a:r>
-          </a:p>
-          <a:p>
-            <a:r>
-              <a:rPr lang="pt-PT" dirty="0"/>
-              <a:t>A presente apresentação estará dividida em 2 subtemas, referenciados a cada uma das disciplinas acima descritas</a:t>
-            </a:r>
-          </a:p>
-        </p:txBody>
-      </p:sp>
-    </p:spTree>
-    <p:extLst>
-      <p:ext uri="{BB962C8B-B14F-4D97-AF65-F5344CB8AC3E}">
-        <p14:creationId xmlns:p14="http://schemas.microsoft.com/office/powerpoint/2010/main" val="3119575709"/>
-      </p:ext>
-    </p:extLst>
-  </p:cSld>
-  <p:clrMapOvr>
-    <a:masterClrMapping/>
-  </p:clrMapOvr>
-</p:sld>
-</file>
-
-<file path=ppt/slides/slide20.xml><?xml version="1.0" encoding="utf-8"?>
+<file path=ppt/slides/slide19.xml><?xml version="1.0" encoding="utf-8"?>
 <p:sld xmlns:a="http://schemas.openxmlformats.org/drawingml/2006/main" xmlns:r="http://schemas.openxmlformats.org/officeDocument/2006/relationships" xmlns:p="http://schemas.openxmlformats.org/presentationml/2006/main">
   <p:cSld>
     <p:spTree>
@@ -7010,7 +6680,7 @@
 </p:sld>
 </file>
 
-<file path=ppt/slides/slide21.xml><?xml version="1.0" encoding="utf-8"?>
+<file path=ppt/slides/slide2.xml><?xml version="1.0" encoding="utf-8"?>
 <p:sld xmlns:a="http://schemas.openxmlformats.org/drawingml/2006/main" xmlns:r="http://schemas.openxmlformats.org/officeDocument/2006/relationships" xmlns:p="http://schemas.openxmlformats.org/presentationml/2006/main">
   <p:cSld>
     <p:spTree>
@@ -7032,7 +6702,7 @@
           <p:cNvPr id="2" name="Título 1">
             <a:extLst>
               <a:ext uri="{FF2B5EF4-FFF2-40B4-BE49-F238E27FC236}">
-                <a16:creationId xmlns:a16="http://schemas.microsoft.com/office/drawing/2014/main" id="{8B99C492-46C8-B154-1B3D-BBEE846EC7D9}"/>
+                <a16:creationId xmlns:a16="http://schemas.microsoft.com/office/drawing/2014/main" id="{7DAD9DD7-40F0-7CAC-0466-0B6C8D5103B7}"/>
               </a:ext>
             </a:extLst>
           </p:cNvPr>
@@ -7050,7 +6720,7 @@
           <a:p>
             <a:r>
               <a:rPr lang="pt-PT" dirty="0"/>
-              <a:t>Sprints</a:t>
+              <a:t>Contextualização</a:t>
             </a:r>
           </a:p>
         </p:txBody>
@@ -7060,7 +6730,7 @@
           <p:cNvPr id="3" name="Marcador de Posição de Conteúdo 2">
             <a:extLst>
               <a:ext uri="{FF2B5EF4-FFF2-40B4-BE49-F238E27FC236}">
-                <a16:creationId xmlns:a16="http://schemas.microsoft.com/office/drawing/2014/main" id="{DD5A512E-9246-5909-1F72-30E9C6784CED}"/>
+                <a16:creationId xmlns:a16="http://schemas.microsoft.com/office/drawing/2014/main" id="{1EFAA548-5A49-6DAF-18CA-6107B0EDCED5}"/>
               </a:ext>
             </a:extLst>
           </p:cNvPr>
@@ -7078,27 +6748,27 @@
           <a:p>
             <a:r>
               <a:rPr lang="pt-PT" dirty="0"/>
-              <a:t>Como anteriormente referido, para a gestão de tarefas e tempos, foi utilizada a ferramenta </a:t>
-            </a:r>
-            <a:r>
-              <a:rPr lang="pt-PT" i="1" dirty="0" err="1"/>
+              <a:t>Durante o presente semestre, foram desenvolvidos projetos para as disciplinas de Programação Web – Servidor e Desenvolvimento de Aplicações.</a:t>
+            </a:r>
+          </a:p>
+          <a:p>
+            <a:r>
+              <a:rPr lang="pt-PT" dirty="0"/>
+              <a:t>A disciplina de Metodologias de Desenvolvimento de Software serviu para a gestão de ambos os projetos. Como material de apoio à gestão, foi utilizado o software </a:t>
+            </a:r>
+            <a:r>
+              <a:rPr lang="pt-PT" dirty="0" err="1"/>
               <a:t>Jira</a:t>
             </a:r>
             <a:r>
-              <a:rPr lang="pt-PT" i="1" dirty="0"/>
-              <a:t>. </a:t>
-            </a:r>
-            <a:r>
               <a:rPr lang="pt-PT" dirty="0"/>
-              <a:t>Como resultado, o projeto foi </a:t>
-            </a:r>
-            <a:r>
-              <a:rPr lang="pt-PT" dirty="0" err="1"/>
-              <a:t>s«desenvolvido</a:t>
-            </a:r>
+              <a:t> e, para gestão de documentação, o GitHub.</a:t>
+            </a:r>
+          </a:p>
+          <a:p>
             <a:r>
               <a:rPr lang="pt-PT" dirty="0"/>
-              <a:t> em 4 sprints com a duração de 2 semanas cada.</a:t>
+              <a:t>A presente apresentação estará dividida em 2 subtemas, referenciados a cada uma das disciplinas acima descritas</a:t>
             </a:r>
           </a:p>
         </p:txBody>
@@ -7106,7 +6776,7 @@
     </p:spTree>
     <p:extLst>
       <p:ext uri="{BB962C8B-B14F-4D97-AF65-F5344CB8AC3E}">
-        <p14:creationId xmlns:p14="http://schemas.microsoft.com/office/powerpoint/2010/main" val="4201342693"/>
+        <p14:creationId xmlns:p14="http://schemas.microsoft.com/office/powerpoint/2010/main" val="3119575709"/>
       </p:ext>
     </p:extLst>
   </p:cSld>
@@ -7116,7 +6786,7 @@
 </p:sld>
 </file>
 
-<file path=ppt/slides/slide22.xml><?xml version="1.0" encoding="utf-8"?>
+<file path=ppt/slides/slide20.xml><?xml version="1.0" encoding="utf-8"?>
 <p:sld xmlns:a="http://schemas.openxmlformats.org/drawingml/2006/main" xmlns:r="http://schemas.openxmlformats.org/officeDocument/2006/relationships" xmlns:p="http://schemas.openxmlformats.org/presentationml/2006/main">
   <p:cSld>
     <p:spTree>
@@ -7135,10 +6805,10 @@
       </p:grpSpPr>
       <p:sp>
         <p:nvSpPr>
-          <p:cNvPr id="3" name="Marcador de Posição do Texto 2">
+          <p:cNvPr id="2" name="Título 1">
             <a:extLst>
               <a:ext uri="{FF2B5EF4-FFF2-40B4-BE49-F238E27FC236}">
-                <a16:creationId xmlns:a16="http://schemas.microsoft.com/office/drawing/2014/main" id="{8B7F1575-8F26-B595-DAF8-08DD2B93B21E}"/>
+                <a16:creationId xmlns:a16="http://schemas.microsoft.com/office/drawing/2014/main" id="{8B99C492-46C8-B154-1B3D-BBEE846EC7D9}"/>
               </a:ext>
             </a:extLst>
           </p:cNvPr>
@@ -7146,32 +6816,27 @@
             <a:spLocks noGrp="1"/>
           </p:cNvSpPr>
           <p:nvPr>
-            <p:ph type="body" idx="1"/>
-          </p:nvPr>
-        </p:nvSpPr>
-        <p:spPr>
-          <a:xfrm>
-            <a:off x="1069848" y="630936"/>
-            <a:ext cx="4754880" cy="640080"/>
-          </a:xfrm>
-        </p:spPr>
+            <p:ph type="title"/>
+          </p:nvPr>
+        </p:nvSpPr>
+        <p:spPr/>
         <p:txBody>
           <a:bodyPr/>
           <a:lstStyle/>
           <a:p>
             <a:r>
               <a:rPr lang="pt-PT" dirty="0"/>
-              <a:t>Sprint 1</a:t>
-            </a:r>
-          </a:p>
-        </p:txBody>
-      </p:sp>
-      <p:sp>
-        <p:nvSpPr>
-          <p:cNvPr id="4" name="Marcador de Posição de Conteúdo 3">
+              <a:t>Sprints</a:t>
+            </a:r>
+          </a:p>
+        </p:txBody>
+      </p:sp>
+      <p:sp>
+        <p:nvSpPr>
+          <p:cNvPr id="3" name="Marcador de Posição de Conteúdo 2">
             <a:extLst>
               <a:ext uri="{FF2B5EF4-FFF2-40B4-BE49-F238E27FC236}">
-                <a16:creationId xmlns:a16="http://schemas.microsoft.com/office/drawing/2014/main" id="{3A234716-42C5-145C-C0C5-1551216BC8E9}"/>
+                <a16:creationId xmlns:a16="http://schemas.microsoft.com/office/drawing/2014/main" id="{DD5A512E-9246-5909-1F72-30E9C6784CED}"/>
               </a:ext>
             </a:extLst>
           </p:cNvPr>
@@ -7179,156 +6844,45 @@
             <a:spLocks noGrp="1"/>
           </p:cNvSpPr>
           <p:nvPr>
-            <p:ph sz="half" idx="2"/>
-          </p:nvPr>
-        </p:nvSpPr>
-        <p:spPr>
-          <a:xfrm>
-            <a:off x="957881" y="1417320"/>
-            <a:ext cx="4754880" cy="886968"/>
-          </a:xfrm>
-        </p:spPr>
+            <p:ph idx="1"/>
+          </p:nvPr>
+        </p:nvSpPr>
+        <p:spPr/>
         <p:txBody>
           <a:bodyPr/>
           <a:lstStyle/>
           <a:p>
             <a:r>
               <a:rPr lang="pt-PT" dirty="0"/>
-              <a:t>Sprint desenvolvida entre 27 de abril e 11 de  maio de 2023.</a:t>
-            </a:r>
-          </a:p>
-        </p:txBody>
-      </p:sp>
-      <p:sp>
-        <p:nvSpPr>
-          <p:cNvPr id="5" name="Marcador de Posição do Texto 4">
-            <a:extLst>
-              <a:ext uri="{FF2B5EF4-FFF2-40B4-BE49-F238E27FC236}">
-                <a16:creationId xmlns:a16="http://schemas.microsoft.com/office/drawing/2014/main" id="{FA63B222-7BD7-866C-4FC6-CF801A11B159}"/>
-              </a:ext>
-            </a:extLst>
-          </p:cNvPr>
-          <p:cNvSpPr>
-            <a:spLocks noGrp="1"/>
-          </p:cNvSpPr>
-          <p:nvPr>
-            <p:ph type="body" sz="quarter" idx="3"/>
-          </p:nvPr>
-        </p:nvSpPr>
-        <p:spPr>
-          <a:xfrm>
-            <a:off x="6367272" y="630936"/>
-            <a:ext cx="4754880" cy="640080"/>
-          </a:xfrm>
-        </p:spPr>
-        <p:txBody>
-          <a:bodyPr/>
-          <a:lstStyle/>
-          <a:p>
+              <a:t>Como anteriormente referido, para a gestão de tarefas e tempos, foi utilizada a ferramenta </a:t>
+            </a:r>
+            <a:r>
+              <a:rPr lang="pt-PT" i="1" dirty="0" err="1"/>
+              <a:t>Jira</a:t>
+            </a:r>
+            <a:r>
+              <a:rPr lang="pt-PT" i="1" dirty="0"/>
+              <a:t>. </a:t>
+            </a:r>
             <a:r>
               <a:rPr lang="pt-PT" dirty="0"/>
-              <a:t>Sprint 2</a:t>
-            </a:r>
-          </a:p>
-        </p:txBody>
-      </p:sp>
-      <p:sp>
-        <p:nvSpPr>
-          <p:cNvPr id="6" name="Marcador de Posição de Conteúdo 5">
-            <a:extLst>
-              <a:ext uri="{FF2B5EF4-FFF2-40B4-BE49-F238E27FC236}">
-                <a16:creationId xmlns:a16="http://schemas.microsoft.com/office/drawing/2014/main" id="{AFA4231A-5C35-3DF3-23A3-DE1205072A4E}"/>
-              </a:ext>
-            </a:extLst>
-          </p:cNvPr>
-          <p:cNvSpPr>
-            <a:spLocks noGrp="1"/>
-          </p:cNvSpPr>
-          <p:nvPr>
-            <p:ph sz="quarter" idx="4"/>
-          </p:nvPr>
-        </p:nvSpPr>
-        <p:spPr>
-          <a:xfrm>
-            <a:off x="6367272" y="1417320"/>
-            <a:ext cx="4754880" cy="886968"/>
-          </a:xfrm>
-        </p:spPr>
-        <p:txBody>
-          <a:bodyPr/>
-          <a:lstStyle/>
-          <a:p>
+              <a:t>Como resultado, o projeto foi </a:t>
+            </a:r>
+            <a:r>
+              <a:rPr lang="pt-PT" dirty="0" err="1"/>
+              <a:t>s«desenvolvido</a:t>
+            </a:r>
             <a:r>
               <a:rPr lang="pt-PT" dirty="0"/>
-              <a:t>Sprint desenvolvida entre 12 de maio e 25 de maio de 2023</a:t>
-            </a:r>
-          </a:p>
-        </p:txBody>
-      </p:sp>
-      <p:pic>
-        <p:nvPicPr>
-          <p:cNvPr id="9" name="Imagem 8">
-            <a:extLst>
-              <a:ext uri="{FF2B5EF4-FFF2-40B4-BE49-F238E27FC236}">
-                <a16:creationId xmlns:a16="http://schemas.microsoft.com/office/drawing/2014/main" id="{83CFF432-75FE-4EC8-5AD4-FD996BF21E52}"/>
-              </a:ext>
-            </a:extLst>
-          </p:cNvPr>
-          <p:cNvPicPr>
-            <a:picLocks noChangeAspect="1"/>
-          </p:cNvPicPr>
-          <p:nvPr/>
-        </p:nvPicPr>
-        <p:blipFill>
-          <a:blip r:embed="rId2"/>
-          <a:stretch>
-            <a:fillRect/>
-          </a:stretch>
-        </p:blipFill>
-        <p:spPr>
-          <a:xfrm>
-            <a:off x="1069848" y="3010448"/>
-            <a:ext cx="5191850" cy="1543265"/>
-          </a:xfrm>
-          <a:prstGeom prst="rect">
-            <a:avLst/>
-          </a:prstGeom>
-        </p:spPr>
-      </p:pic>
-      <p:pic>
-        <p:nvPicPr>
-          <p:cNvPr id="11" name="Imagem 10">
-            <a:extLst>
-              <a:ext uri="{FF2B5EF4-FFF2-40B4-BE49-F238E27FC236}">
-                <a16:creationId xmlns:a16="http://schemas.microsoft.com/office/drawing/2014/main" id="{E93450E8-0822-C824-C1B1-9CF3AE2A1AD0}"/>
-              </a:ext>
-            </a:extLst>
-          </p:cNvPr>
-          <p:cNvPicPr>
-            <a:picLocks noChangeAspect="1"/>
-          </p:cNvPicPr>
-          <p:nvPr/>
-        </p:nvPicPr>
-        <p:blipFill>
-          <a:blip r:embed="rId3"/>
-          <a:stretch>
-            <a:fillRect/>
-          </a:stretch>
-        </p:blipFill>
-        <p:spPr>
-          <a:xfrm>
-            <a:off x="6443590" y="3010448"/>
-            <a:ext cx="5220429" cy="2095792"/>
-          </a:xfrm>
-          <a:prstGeom prst="rect">
-            <a:avLst/>
-          </a:prstGeom>
-        </p:spPr>
-      </p:pic>
+              <a:t> em 4 sprints com a duração de 2 semanas cada.</a:t>
+            </a:r>
+          </a:p>
+        </p:txBody>
+      </p:sp>
     </p:spTree>
     <p:extLst>
       <p:ext uri="{BB962C8B-B14F-4D97-AF65-F5344CB8AC3E}">
-        <p14:creationId xmlns:p14="http://schemas.microsoft.com/office/powerpoint/2010/main" val="1053493169"/>
+        <p14:creationId xmlns:p14="http://schemas.microsoft.com/office/powerpoint/2010/main" val="4201342693"/>
       </p:ext>
     </p:extLst>
   </p:cSld>
@@ -7338,7 +6892,7 @@
 </p:sld>
 </file>
 
-<file path=ppt/slides/slide23.xml><?xml version="1.0" encoding="utf-8"?>
+<file path=ppt/slides/slide21.xml><?xml version="1.0" encoding="utf-8"?>
 <p:sld xmlns:a="http://schemas.openxmlformats.org/drawingml/2006/main" xmlns:r="http://schemas.openxmlformats.org/officeDocument/2006/relationships" xmlns:p="http://schemas.openxmlformats.org/presentationml/2006/main">
   <p:cSld>
     <p:spTree>
@@ -7560,7 +7114,7 @@
 </p:sld>
 </file>
 
-<file path=ppt/slides/slide24.xml><?xml version="1.0" encoding="utf-8"?>
+<file path=ppt/slides/slide22.xml><?xml version="1.0" encoding="utf-8"?>
 <p:sld xmlns:a="http://schemas.openxmlformats.org/drawingml/2006/main" xmlns:r="http://schemas.openxmlformats.org/officeDocument/2006/relationships" xmlns:p="http://schemas.openxmlformats.org/presentationml/2006/main">
   <p:cSld>
     <p:spTree>
@@ -7692,7 +7246,7 @@
 </p:sld>
 </file>
 
-<file path=ppt/slides/slide25.xml><?xml version="1.0" encoding="utf-8"?>
+<file path=ppt/slides/slide23.xml><?xml version="1.0" encoding="utf-8"?>
 <p:sld xmlns:a="http://schemas.openxmlformats.org/drawingml/2006/main" xmlns:r="http://schemas.openxmlformats.org/officeDocument/2006/relationships" xmlns:p="http://schemas.openxmlformats.org/presentationml/2006/main">
   <p:cSld>
     <p:bg>

--- a/MDS_PLC_2220897_2220893_2220900.pptx
+++ b/MDS_PLC_2220897_2220893_2220900.pptx
@@ -8,26 +8,20 @@
     <p:sldId id="256" r:id="rId2"/>
     <p:sldId id="257" r:id="rId3"/>
     <p:sldId id="258" r:id="rId4"/>
-    <p:sldId id="259" r:id="rId5"/>
-    <p:sldId id="260" r:id="rId6"/>
-    <p:sldId id="261" r:id="rId7"/>
-    <p:sldId id="262" r:id="rId8"/>
-    <p:sldId id="263" r:id="rId9"/>
-    <p:sldId id="264" r:id="rId10"/>
-    <p:sldId id="266" r:id="rId11"/>
-    <p:sldId id="267" r:id="rId12"/>
-    <p:sldId id="280" r:id="rId13"/>
-    <p:sldId id="268" r:id="rId14"/>
-    <p:sldId id="269" r:id="rId15"/>
-    <p:sldId id="270" r:id="rId16"/>
-    <p:sldId id="271" r:id="rId17"/>
-    <p:sldId id="278" r:id="rId18"/>
-    <p:sldId id="272" r:id="rId19"/>
-    <p:sldId id="273" r:id="rId20"/>
-    <p:sldId id="274" r:id="rId21"/>
-    <p:sldId id="276" r:id="rId22"/>
-    <p:sldId id="277" r:id="rId23"/>
-    <p:sldId id="281" r:id="rId24"/>
+    <p:sldId id="261" r:id="rId5"/>
+    <p:sldId id="263" r:id="rId6"/>
+    <p:sldId id="264" r:id="rId7"/>
+    <p:sldId id="266" r:id="rId8"/>
+    <p:sldId id="267" r:id="rId9"/>
+    <p:sldId id="280" r:id="rId10"/>
+    <p:sldId id="268" r:id="rId11"/>
+    <p:sldId id="271" r:id="rId12"/>
+    <p:sldId id="278" r:id="rId13"/>
+    <p:sldId id="273" r:id="rId14"/>
+    <p:sldId id="274" r:id="rId15"/>
+    <p:sldId id="276" r:id="rId16"/>
+    <p:sldId id="277" r:id="rId17"/>
+    <p:sldId id="281" r:id="rId18"/>
   </p:sldIdLst>
   <p:sldSz cx="12192000" cy="6858000"/>
   <p:notesSz cx="6858000" cy="9144000"/>
@@ -147,7 +141,7 @@
   <pc:docChgLst>
     <pc:chgData name="David Domingues" userId="a54dc4084bcdf8b4" providerId="LiveId" clId="{F0AF8508-2865-47D0-BDD8-1B15C53541E8}"/>
     <pc:docChg chg="undo custSel addSld delSld modSld">
-      <pc:chgData name="David Domingues" userId="a54dc4084bcdf8b4" providerId="LiveId" clId="{F0AF8508-2865-47D0-BDD8-1B15C53541E8}" dt="2023-07-02T15:46:15.693" v="3531" actId="1076"/>
+      <pc:chgData name="David Domingues" userId="a54dc4084bcdf8b4" providerId="LiveId" clId="{F0AF8508-2865-47D0-BDD8-1B15C53541E8}" dt="2023-07-07T12:28:54.940" v="3551" actId="1076"/>
       <pc:docMkLst>
         <pc:docMk/>
       </pc:docMkLst>
@@ -244,8 +238,8 @@
           </ac:spMkLst>
         </pc:spChg>
       </pc:sldChg>
-      <pc:sldChg chg="modSp new mod">
-        <pc:chgData name="David Domingues" userId="a54dc4084bcdf8b4" providerId="LiveId" clId="{F0AF8508-2865-47D0-BDD8-1B15C53541E8}" dt="2023-07-02T14:52:18.861" v="1452" actId="20577"/>
+      <pc:sldChg chg="modSp new del mod">
+        <pc:chgData name="David Domingues" userId="a54dc4084bcdf8b4" providerId="LiveId" clId="{F0AF8508-2865-47D0-BDD8-1B15C53541E8}" dt="2023-07-07T12:22:49.435" v="3532" actId="47"/>
         <pc:sldMkLst>
           <pc:docMk/>
           <pc:sldMk cId="2034676948" sldId="259"/>
@@ -267,8 +261,8 @@
           </ac:spMkLst>
         </pc:spChg>
       </pc:sldChg>
-      <pc:sldChg chg="addSp delSp modSp new mod modClrScheme chgLayout">
-        <pc:chgData name="David Domingues" userId="a54dc4084bcdf8b4" providerId="LiveId" clId="{F0AF8508-2865-47D0-BDD8-1B15C53541E8}" dt="2023-07-02T14:57:16.454" v="1666" actId="1076"/>
+      <pc:sldChg chg="addSp delSp modSp new del mod modClrScheme chgLayout">
+        <pc:chgData name="David Domingues" userId="a54dc4084bcdf8b4" providerId="LiveId" clId="{F0AF8508-2865-47D0-BDD8-1B15C53541E8}" dt="2023-07-07T12:22:50.915" v="3533" actId="47"/>
         <pc:sldMkLst>
           <pc:docMk/>
           <pc:sldMk cId="4055963115" sldId="260"/>
@@ -314,8 +308,8 @@
           </ac:picMkLst>
         </pc:picChg>
       </pc:sldChg>
-      <pc:sldChg chg="addSp delSp modSp new mod modClrScheme chgLayout">
-        <pc:chgData name="David Domingues" userId="a54dc4084bcdf8b4" providerId="LiveId" clId="{F0AF8508-2865-47D0-BDD8-1B15C53541E8}" dt="2023-07-02T15:01:59.557" v="1823" actId="1076"/>
+      <pc:sldChg chg="addSp delSp modSp new add del mod modClrScheme chgLayout">
+        <pc:chgData name="David Domingues" userId="a54dc4084bcdf8b4" providerId="LiveId" clId="{F0AF8508-2865-47D0-BDD8-1B15C53541E8}" dt="2023-07-07T12:28:54.940" v="3551" actId="1076"/>
         <pc:sldMkLst>
           <pc:docMk/>
           <pc:sldMk cId="1147036249" sldId="261"/>
@@ -361,15 +355,23 @@
           </ac:spMkLst>
         </pc:spChg>
         <pc:picChg chg="add mod">
-          <ac:chgData name="David Domingues" userId="a54dc4084bcdf8b4" providerId="LiveId" clId="{F0AF8508-2865-47D0-BDD8-1B15C53541E8}" dt="2023-07-02T15:01:42.334" v="1822" actId="1076"/>
+          <ac:chgData name="David Domingues" userId="a54dc4084bcdf8b4" providerId="LiveId" clId="{F0AF8508-2865-47D0-BDD8-1B15C53541E8}" dt="2023-07-07T12:28:47.049" v="3548" actId="1076"/>
+          <ac:picMkLst>
+            <pc:docMk/>
+            <pc:sldMk cId="1147036249" sldId="261"/>
+            <ac:picMk id="3" creationId="{7F56659C-92B9-2DA6-61E5-D0A9AFC8C77C}"/>
+          </ac:picMkLst>
+        </pc:picChg>
+        <pc:picChg chg="add mod">
+          <ac:chgData name="David Domingues" userId="a54dc4084bcdf8b4" providerId="LiveId" clId="{F0AF8508-2865-47D0-BDD8-1B15C53541E8}" dt="2023-07-07T12:28:54.940" v="3551" actId="1076"/>
           <ac:picMkLst>
             <pc:docMk/>
             <pc:sldMk cId="1147036249" sldId="261"/>
             <ac:picMk id="7" creationId="{FF3B164B-7244-253F-B063-A4DBCDA9F48B}"/>
           </ac:picMkLst>
         </pc:picChg>
-        <pc:picChg chg="add mod">
-          <ac:chgData name="David Domingues" userId="a54dc4084bcdf8b4" providerId="LiveId" clId="{F0AF8508-2865-47D0-BDD8-1B15C53541E8}" dt="2023-07-02T15:01:59.557" v="1823" actId="1076"/>
+        <pc:picChg chg="add del mod">
+          <ac:chgData name="David Domingues" userId="a54dc4084bcdf8b4" providerId="LiveId" clId="{F0AF8508-2865-47D0-BDD8-1B15C53541E8}" dt="2023-07-07T12:24:57.555" v="3544" actId="478"/>
           <ac:picMkLst>
             <pc:docMk/>
             <pc:sldMk cId="1147036249" sldId="261"/>
@@ -377,8 +379,8 @@
           </ac:picMkLst>
         </pc:picChg>
       </pc:sldChg>
-      <pc:sldChg chg="addSp delSp modSp new mod">
-        <pc:chgData name="David Domingues" userId="a54dc4084bcdf8b4" providerId="LiveId" clId="{F0AF8508-2865-47D0-BDD8-1B15C53541E8}" dt="2023-07-02T15:09:03.188" v="2061" actId="20577"/>
+      <pc:sldChg chg="addSp delSp modSp new del mod">
+        <pc:chgData name="David Domingues" userId="a54dc4084bcdf8b4" providerId="LiveId" clId="{F0AF8508-2865-47D0-BDD8-1B15C53541E8}" dt="2023-07-07T12:22:59.781" v="3536" actId="47"/>
         <pc:sldMkLst>
           <pc:docMk/>
           <pc:sldMk cId="2953478467" sldId="262"/>
@@ -633,8 +635,8 @@
           </ac:spMkLst>
         </pc:spChg>
       </pc:sldChg>
-      <pc:sldChg chg="modSp add mod">
-        <pc:chgData name="David Domingues" userId="a54dc4084bcdf8b4" providerId="LiveId" clId="{F0AF8508-2865-47D0-BDD8-1B15C53541E8}" dt="2023-07-02T15:40:04.718" v="3231" actId="20577"/>
+      <pc:sldChg chg="modSp add del mod">
+        <pc:chgData name="David Domingues" userId="a54dc4084bcdf8b4" providerId="LiveId" clId="{F0AF8508-2865-47D0-BDD8-1B15C53541E8}" dt="2023-07-07T12:23:15.886" v="3537" actId="47"/>
         <pc:sldMkLst>
           <pc:docMk/>
           <pc:sldMk cId="959596015" sldId="269"/>
@@ -648,8 +650,8 @@
           </ac:spMkLst>
         </pc:spChg>
       </pc:sldChg>
-      <pc:sldChg chg="addSp delSp modSp add mod">
-        <pc:chgData name="David Domingues" userId="a54dc4084bcdf8b4" providerId="LiveId" clId="{F0AF8508-2865-47D0-BDD8-1B15C53541E8}" dt="2023-07-02T15:41:49.731" v="3268" actId="1076"/>
+      <pc:sldChg chg="addSp delSp modSp add del mod">
+        <pc:chgData name="David Domingues" userId="a54dc4084bcdf8b4" providerId="LiveId" clId="{F0AF8508-2865-47D0-BDD8-1B15C53541E8}" dt="2023-07-07T12:23:17.857" v="3538" actId="47"/>
         <pc:sldMkLst>
           <pc:docMk/>
           <pc:sldMk cId="463821262" sldId="270"/>
@@ -680,7 +682,7 @@
         </pc:picChg>
       </pc:sldChg>
       <pc:sldChg chg="addSp delSp modSp add mod">
-        <pc:chgData name="David Domingues" userId="a54dc4084bcdf8b4" providerId="LiveId" clId="{F0AF8508-2865-47D0-BDD8-1B15C53541E8}" dt="2023-07-02T15:42:51.695" v="3276" actId="1076"/>
+        <pc:chgData name="David Domingues" userId="a54dc4084bcdf8b4" providerId="LiveId" clId="{F0AF8508-2865-47D0-BDD8-1B15C53541E8}" dt="2023-07-07T12:24:40.266" v="3543" actId="1076"/>
         <pc:sldMkLst>
           <pc:docMk/>
           <pc:sldMk cId="3252583076" sldId="271"/>
@@ -693,12 +695,20 @@
             <ac:picMk id="2" creationId="{10E89DB4-BD20-0106-F671-8437F1A27636}"/>
           </ac:picMkLst>
         </pc:picChg>
-        <pc:picChg chg="add mod">
-          <ac:chgData name="David Domingues" userId="a54dc4084bcdf8b4" providerId="LiveId" clId="{F0AF8508-2865-47D0-BDD8-1B15C53541E8}" dt="2023-07-02T15:42:51.695" v="3276" actId="1076"/>
+        <pc:picChg chg="add del mod">
+          <ac:chgData name="David Domingues" userId="a54dc4084bcdf8b4" providerId="LiveId" clId="{F0AF8508-2865-47D0-BDD8-1B15C53541E8}" dt="2023-07-07T12:23:36.713" v="3540" actId="478"/>
           <ac:picMkLst>
             <pc:docMk/>
             <pc:sldMk cId="3252583076" sldId="271"/>
             <ac:picMk id="3" creationId="{41051199-7410-1B04-C46B-08C37EB69AAA}"/>
+          </ac:picMkLst>
+        </pc:picChg>
+        <pc:picChg chg="add mod">
+          <ac:chgData name="David Domingues" userId="a54dc4084bcdf8b4" providerId="LiveId" clId="{F0AF8508-2865-47D0-BDD8-1B15C53541E8}" dt="2023-07-07T12:24:40.266" v="3543" actId="1076"/>
+          <ac:picMkLst>
+            <pc:docMk/>
+            <pc:sldMk cId="3252583076" sldId="271"/>
+            <ac:picMk id="7" creationId="{8DC400D4-B2C3-232D-01CA-A583562FB303}"/>
           </ac:picMkLst>
         </pc:picChg>
         <pc:picChg chg="del">
@@ -718,8 +728,8 @@
           </ac:picMkLst>
         </pc:picChg>
       </pc:sldChg>
-      <pc:sldChg chg="modSp add mod">
-        <pc:chgData name="David Domingues" userId="a54dc4084bcdf8b4" providerId="LiveId" clId="{F0AF8508-2865-47D0-BDD8-1B15C53541E8}" dt="2023-07-02T15:43:14.010" v="3297" actId="20577"/>
+      <pc:sldChg chg="modSp add del mod">
+        <pc:chgData name="David Domingues" userId="a54dc4084bcdf8b4" providerId="LiveId" clId="{F0AF8508-2865-47D0-BDD8-1B15C53541E8}" dt="2023-07-07T12:23:20.809" v="3539" actId="47"/>
         <pc:sldMkLst>
           <pc:docMk/>
           <pc:sldMk cId="3125291072" sldId="272"/>
@@ -1231,7 +1241,7 @@
           <a:p>
             <a:fld id="{9405DDFE-15B7-4C11-86C2-F8C41D73DFB4}" type="datetimeFigureOut">
               <a:rPr lang="pt-PT" smtClean="0"/>
-              <a:t>06/07/2023</a:t>
+              <a:t>07/07/2023</a:t>
             </a:fld>
             <a:endParaRPr lang="pt-PT"/>
           </a:p>
@@ -1410,7 +1420,7 @@
           <a:p>
             <a:fld id="{9405DDFE-15B7-4C11-86C2-F8C41D73DFB4}" type="datetimeFigureOut">
               <a:rPr lang="pt-PT" smtClean="0"/>
-              <a:t>06/07/2023</a:t>
+              <a:t>07/07/2023</a:t>
             </a:fld>
             <a:endParaRPr lang="pt-PT"/>
           </a:p>
@@ -1590,7 +1600,7 @@
           <a:p>
             <a:fld id="{9405DDFE-15B7-4C11-86C2-F8C41D73DFB4}" type="datetimeFigureOut">
               <a:rPr lang="pt-PT" smtClean="0"/>
-              <a:t>06/07/2023</a:t>
+              <a:t>07/07/2023</a:t>
             </a:fld>
             <a:endParaRPr lang="pt-PT"/>
           </a:p>
@@ -1760,7 +1770,7 @@
           <a:p>
             <a:fld id="{9405DDFE-15B7-4C11-86C2-F8C41D73DFB4}" type="datetimeFigureOut">
               <a:rPr lang="pt-PT" smtClean="0"/>
-              <a:t>06/07/2023</a:t>
+              <a:t>07/07/2023</a:t>
             </a:fld>
             <a:endParaRPr lang="pt-PT"/>
           </a:p>
@@ -2073,7 +2083,7 @@
           <a:p>
             <a:fld id="{9405DDFE-15B7-4C11-86C2-F8C41D73DFB4}" type="datetimeFigureOut">
               <a:rPr lang="pt-PT" smtClean="0"/>
-              <a:t>06/07/2023</a:t>
+              <a:t>07/07/2023</a:t>
             </a:fld>
             <a:endParaRPr lang="pt-PT"/>
           </a:p>
@@ -2459,7 +2469,7 @@
           <a:p>
             <a:fld id="{9405DDFE-15B7-4C11-86C2-F8C41D73DFB4}" type="datetimeFigureOut">
               <a:rPr lang="pt-PT" smtClean="0"/>
-              <a:t>06/07/2023</a:t>
+              <a:t>07/07/2023</a:t>
             </a:fld>
             <a:endParaRPr lang="pt-PT"/>
           </a:p>
@@ -2893,7 +2903,7 @@
           <a:p>
             <a:fld id="{9405DDFE-15B7-4C11-86C2-F8C41D73DFB4}" type="datetimeFigureOut">
               <a:rPr lang="pt-PT" smtClean="0"/>
-              <a:t>06/07/2023</a:t>
+              <a:t>07/07/2023</a:t>
             </a:fld>
             <a:endParaRPr lang="pt-PT"/>
           </a:p>
@@ -3011,7 +3021,7 @@
           <a:p>
             <a:fld id="{9405DDFE-15B7-4C11-86C2-F8C41D73DFB4}" type="datetimeFigureOut">
               <a:rPr lang="pt-PT" smtClean="0"/>
-              <a:t>06/07/2023</a:t>
+              <a:t>07/07/2023</a:t>
             </a:fld>
             <a:endParaRPr lang="pt-PT"/>
           </a:p>
@@ -3106,7 +3116,7 @@
           <a:p>
             <a:fld id="{9405DDFE-15B7-4C11-86C2-F8C41D73DFB4}" type="datetimeFigureOut">
               <a:rPr lang="pt-PT" smtClean="0"/>
-              <a:t>06/07/2023</a:t>
+              <a:t>07/07/2023</a:t>
             </a:fld>
             <a:endParaRPr lang="pt-PT"/>
           </a:p>
@@ -3456,7 +3466,7 @@
           <a:p>
             <a:fld id="{9405DDFE-15B7-4C11-86C2-F8C41D73DFB4}" type="datetimeFigureOut">
               <a:rPr lang="pt-PT" smtClean="0"/>
-              <a:t>06/07/2023</a:t>
+              <a:t>07/07/2023</a:t>
             </a:fld>
             <a:endParaRPr lang="pt-PT"/>
           </a:p>
@@ -3881,7 +3891,7 @@
           <a:p>
             <a:fld id="{9405DDFE-15B7-4C11-86C2-F8C41D73DFB4}" type="datetimeFigureOut">
               <a:rPr lang="pt-PT" smtClean="0"/>
-              <a:t>06/07/2023</a:t>
+              <a:t>07/07/2023</a:t>
             </a:fld>
             <a:endParaRPr lang="pt-PT"/>
           </a:p>
@@ -4162,7 +4172,7 @@
           <a:p>
             <a:fld id="{9405DDFE-15B7-4C11-86C2-F8C41D73DFB4}" type="datetimeFigureOut">
               <a:rPr lang="pt-PT" smtClean="0"/>
-              <a:t>06/07/2023</a:t>
+              <a:t>07/07/2023</a:t>
             </a:fld>
             <a:endParaRPr lang="pt-PT"/>
           </a:p>
@@ -4850,10 +4860,10 @@
       </p:grpSpPr>
       <p:sp>
         <p:nvSpPr>
-          <p:cNvPr id="3" name="Marcador de Posição do Texto 2">
+          <p:cNvPr id="4" name="Título 3">
             <a:extLst>
               <a:ext uri="{FF2B5EF4-FFF2-40B4-BE49-F238E27FC236}">
-                <a16:creationId xmlns:a16="http://schemas.microsoft.com/office/drawing/2014/main" id="{8B7F1575-8F26-B595-DAF8-08DD2B93B21E}"/>
+                <a16:creationId xmlns:a16="http://schemas.microsoft.com/office/drawing/2014/main" id="{DED111C7-1957-2D00-6C43-AD88532F7641}"/>
               </a:ext>
             </a:extLst>
           </p:cNvPr>
@@ -4861,189 +4871,25 @@
             <a:spLocks noGrp="1"/>
           </p:cNvSpPr>
           <p:nvPr>
-            <p:ph type="body" idx="1"/>
-          </p:nvPr>
-        </p:nvSpPr>
-        <p:spPr>
-          <a:xfrm>
-            <a:off x="1069848" y="630936"/>
-            <a:ext cx="4754880" cy="640080"/>
-          </a:xfrm>
-        </p:spPr>
+            <p:ph type="ctrTitle"/>
+          </p:nvPr>
+        </p:nvSpPr>
+        <p:spPr/>
         <p:txBody>
           <a:bodyPr/>
           <a:lstStyle/>
           <a:p>
             <a:r>
-              <a:rPr lang="pt-PT" dirty="0"/>
-              <a:t>Sprint 3</a:t>
-            </a:r>
-          </a:p>
-        </p:txBody>
-      </p:sp>
-      <p:sp>
-        <p:nvSpPr>
-          <p:cNvPr id="4" name="Marcador de Posição de Conteúdo 3">
-            <a:extLst>
-              <a:ext uri="{FF2B5EF4-FFF2-40B4-BE49-F238E27FC236}">
-                <a16:creationId xmlns:a16="http://schemas.microsoft.com/office/drawing/2014/main" id="{3A234716-42C5-145C-C0C5-1551216BC8E9}"/>
-              </a:ext>
-            </a:extLst>
-          </p:cNvPr>
-          <p:cNvSpPr>
-            <a:spLocks noGrp="1"/>
-          </p:cNvSpPr>
-          <p:nvPr>
-            <p:ph sz="half" idx="2"/>
-          </p:nvPr>
-        </p:nvSpPr>
-        <p:spPr>
-          <a:xfrm>
-            <a:off x="1069848" y="1417320"/>
-            <a:ext cx="4754880" cy="886968"/>
-          </a:xfrm>
-        </p:spPr>
-        <p:txBody>
-          <a:bodyPr/>
-          <a:lstStyle/>
-          <a:p>
-            <a:r>
-              <a:rPr lang="pt-PT" dirty="0"/>
-              <a:t>Sprint desenvolvida entre 25 de maio a 7 de junho.</a:t>
-            </a:r>
-          </a:p>
-        </p:txBody>
-      </p:sp>
-      <p:sp>
-        <p:nvSpPr>
-          <p:cNvPr id="5" name="Marcador de Posição do Texto 4">
-            <a:extLst>
-              <a:ext uri="{FF2B5EF4-FFF2-40B4-BE49-F238E27FC236}">
-                <a16:creationId xmlns:a16="http://schemas.microsoft.com/office/drawing/2014/main" id="{FA63B222-7BD7-866C-4FC6-CF801A11B159}"/>
-              </a:ext>
-            </a:extLst>
-          </p:cNvPr>
-          <p:cNvSpPr>
-            <a:spLocks noGrp="1"/>
-          </p:cNvSpPr>
-          <p:nvPr>
-            <p:ph type="body" sz="quarter" idx="3"/>
-          </p:nvPr>
-        </p:nvSpPr>
-        <p:spPr>
-          <a:xfrm>
-            <a:off x="6367272" y="630936"/>
-            <a:ext cx="4754880" cy="640080"/>
-          </a:xfrm>
-        </p:spPr>
-        <p:txBody>
-          <a:bodyPr/>
-          <a:lstStyle/>
-          <a:p>
-            <a:r>
-              <a:rPr lang="pt-PT" dirty="0"/>
-              <a:t>Sprint 4</a:t>
-            </a:r>
-          </a:p>
-        </p:txBody>
-      </p:sp>
-      <p:sp>
-        <p:nvSpPr>
-          <p:cNvPr id="6" name="Marcador de Posição de Conteúdo 5">
-            <a:extLst>
-              <a:ext uri="{FF2B5EF4-FFF2-40B4-BE49-F238E27FC236}">
-                <a16:creationId xmlns:a16="http://schemas.microsoft.com/office/drawing/2014/main" id="{AFA4231A-5C35-3DF3-23A3-DE1205072A4E}"/>
-              </a:ext>
-            </a:extLst>
-          </p:cNvPr>
-          <p:cNvSpPr>
-            <a:spLocks noGrp="1"/>
-          </p:cNvSpPr>
-          <p:nvPr>
-            <p:ph sz="quarter" idx="4"/>
-          </p:nvPr>
-        </p:nvSpPr>
-        <p:spPr>
-          <a:xfrm>
-            <a:off x="6367272" y="1417320"/>
-            <a:ext cx="4754880" cy="886968"/>
-          </a:xfrm>
-        </p:spPr>
-        <p:txBody>
-          <a:bodyPr/>
-          <a:lstStyle/>
-          <a:p>
-            <a:r>
-              <a:rPr lang="pt-PT" dirty="0"/>
-              <a:t>Sprint desenvolvida entre 8 de junho e 21 de junho de 2023</a:t>
-            </a:r>
-          </a:p>
-        </p:txBody>
-      </p:sp>
-      <p:pic>
-        <p:nvPicPr>
-          <p:cNvPr id="7" name="Imagem 6">
-            <a:extLst>
-              <a:ext uri="{FF2B5EF4-FFF2-40B4-BE49-F238E27FC236}">
-                <a16:creationId xmlns:a16="http://schemas.microsoft.com/office/drawing/2014/main" id="{C7F7A8BA-7156-32B9-ADE9-B41D7D638E2A}"/>
-              </a:ext>
-            </a:extLst>
-          </p:cNvPr>
-          <p:cNvPicPr>
-            <a:picLocks noChangeAspect="1"/>
-          </p:cNvPicPr>
-          <p:nvPr/>
-        </p:nvPicPr>
-        <p:blipFill>
-          <a:blip r:embed="rId2"/>
-          <a:stretch>
-            <a:fillRect/>
-          </a:stretch>
-        </p:blipFill>
-        <p:spPr>
-          <a:xfrm>
-            <a:off x="1069848" y="3154934"/>
-            <a:ext cx="4429743" cy="1810003"/>
-          </a:xfrm>
-          <a:prstGeom prst="rect">
-            <a:avLst/>
-          </a:prstGeom>
-        </p:spPr>
-      </p:pic>
-      <p:pic>
-        <p:nvPicPr>
-          <p:cNvPr id="9" name="Imagem 8">
-            <a:extLst>
-              <a:ext uri="{FF2B5EF4-FFF2-40B4-BE49-F238E27FC236}">
-                <a16:creationId xmlns:a16="http://schemas.microsoft.com/office/drawing/2014/main" id="{0BDA5B64-FA16-8E7B-67A5-0462A31C37F7}"/>
-              </a:ext>
-            </a:extLst>
-          </p:cNvPr>
-          <p:cNvPicPr>
-            <a:picLocks noChangeAspect="1"/>
-          </p:cNvPicPr>
-          <p:nvPr/>
-        </p:nvPicPr>
-        <p:blipFill>
-          <a:blip r:embed="rId3"/>
-          <a:stretch>
-            <a:fillRect/>
-          </a:stretch>
-        </p:blipFill>
-        <p:spPr>
-          <a:xfrm>
-            <a:off x="6635251" y="3154934"/>
-            <a:ext cx="4486901" cy="2495898"/>
-          </a:xfrm>
-          <a:prstGeom prst="rect">
-            <a:avLst/>
-          </a:prstGeom>
-        </p:spPr>
-      </p:pic>
+              <a:rPr lang="pt-PT" sz="6600" dirty="0"/>
+              <a:t>Programação WEB - Servidor</a:t>
+            </a:r>
+          </a:p>
+        </p:txBody>
+      </p:sp>
     </p:spTree>
     <p:extLst>
       <p:ext uri="{BB962C8B-B14F-4D97-AF65-F5344CB8AC3E}">
-        <p14:creationId xmlns:p14="http://schemas.microsoft.com/office/powerpoint/2010/main" val="4005610629"/>
+        <p14:creationId xmlns:p14="http://schemas.microsoft.com/office/powerpoint/2010/main" val="1619271624"/>
       </p:ext>
     </p:extLst>
   </p:cSld>
@@ -5072,10 +4918,10 @@
       </p:grpSpPr>
       <p:sp>
         <p:nvSpPr>
-          <p:cNvPr id="7" name="Título 6">
+          <p:cNvPr id="5" name="Título 4">
             <a:extLst>
               <a:ext uri="{FF2B5EF4-FFF2-40B4-BE49-F238E27FC236}">
-                <a16:creationId xmlns:a16="http://schemas.microsoft.com/office/drawing/2014/main" id="{0FCFDD29-8A82-4F90-159B-9F9DDC0EAC29}"/>
+                <a16:creationId xmlns:a16="http://schemas.microsoft.com/office/drawing/2014/main" id="{3757DB78-D0EE-B8DF-4EE0-ECB76B09C675}"/>
               </a:ext>
             </a:extLst>
           </p:cNvPr>
@@ -5093,17 +4939,17 @@
           <a:p>
             <a:r>
               <a:rPr lang="pt-PT" dirty="0"/>
-              <a:t>Retrospetiva geral</a:t>
-            </a:r>
-          </a:p>
-        </p:txBody>
-      </p:sp>
-      <p:sp>
-        <p:nvSpPr>
-          <p:cNvPr id="8" name="Marcador de Posição de Conteúdo 7">
+              <a:t>Desenho da aplicação</a:t>
+            </a:r>
+          </a:p>
+        </p:txBody>
+      </p:sp>
+      <p:sp>
+        <p:nvSpPr>
+          <p:cNvPr id="6" name="Marcador de Posição de Conteúdo 5">
             <a:extLst>
               <a:ext uri="{FF2B5EF4-FFF2-40B4-BE49-F238E27FC236}">
-                <a16:creationId xmlns:a16="http://schemas.microsoft.com/office/drawing/2014/main" id="{D731A4E9-4147-CADB-9F73-88247056383E}"/>
+                <a16:creationId xmlns:a16="http://schemas.microsoft.com/office/drawing/2014/main" id="{64678CB2-167F-A613-1B35-62A3A74EA9C5}"/>
               </a:ext>
             </a:extLst>
           </p:cNvPr>
@@ -5114,68 +4960,106 @@
             <p:ph idx="1"/>
           </p:nvPr>
         </p:nvSpPr>
-        <p:spPr/>
+        <p:spPr>
+          <a:xfrm>
+            <a:off x="1069848" y="2121408"/>
+            <a:ext cx="4377641" cy="3686005"/>
+          </a:xfrm>
+        </p:spPr>
         <p:txBody>
           <a:bodyPr/>
           <a:lstStyle/>
           <a:p>
             <a:r>
               <a:rPr lang="pt-PT" dirty="0"/>
-              <a:t>Na sua generalidade, o projeto foi desenvolvido dentro dos timings que nos foram impostos. </a:t>
-            </a:r>
-          </a:p>
-          <a:p>
+              <a:t>Com vista a idealizar o </a:t>
+            </a:r>
+            <a:r>
+              <a:rPr lang="pt-PT" i="1" dirty="0"/>
+              <a:t>design</a:t>
+            </a:r>
             <a:r>
               <a:rPr lang="pt-PT" dirty="0"/>
-              <a:t>O desenvolvimento  do projeto e o trabalho em equipa correram bem.</a:t>
-            </a:r>
-          </a:p>
-          <a:p>
-            <a:r>
-              <a:rPr lang="pt-PT" dirty="0"/>
-              <a:t>A melhorar, destacamos o uso da plataforma </a:t>
-            </a:r>
-            <a:r>
-              <a:rPr lang="pt-PT" i="1" dirty="0" err="1"/>
-              <a:t>Jira</a:t>
-            </a:r>
-            <a:r>
-              <a:rPr lang="pt-PT" i="1" dirty="0"/>
-              <a:t> </a:t>
-            </a:r>
-            <a:r>
-              <a:rPr lang="pt-PT" dirty="0"/>
-              <a:t>e a organização de tarefas.</a:t>
-            </a:r>
-          </a:p>
-          <a:p>
-            <a:r>
-              <a:rPr lang="pt-PT" dirty="0"/>
-              <a:t>No fim, aprendemos o quão importante são as </a:t>
-            </a:r>
-            <a:r>
-              <a:rPr lang="pt-PT" dirty="0" err="1"/>
-              <a:t>plaformas</a:t>
-            </a:r>
-            <a:r>
-              <a:rPr lang="pt-PT" dirty="0"/>
-              <a:t> como o </a:t>
-            </a:r>
-            <a:r>
-              <a:rPr lang="pt-PT" i="1" dirty="0" err="1"/>
-              <a:t>Jira</a:t>
-            </a:r>
-            <a:r>
-              <a:rPr lang="pt-PT" dirty="0"/>
-              <a:t>.</a:t>
-            </a:r>
-          </a:p>
-        </p:txBody>
-      </p:sp>
+              <a:t> da aplicação, foram feitos mockups com recurso ao site draw.io.</a:t>
+            </a:r>
+          </a:p>
+        </p:txBody>
+      </p:sp>
+      <p:pic>
+        <p:nvPicPr>
+          <p:cNvPr id="2" name="Imagem 1">
+            <a:extLst>
+              <a:ext uri="{FF2B5EF4-FFF2-40B4-BE49-F238E27FC236}">
+                <a16:creationId xmlns:a16="http://schemas.microsoft.com/office/drawing/2014/main" id="{10E89DB4-BD20-0106-F671-8437F1A27636}"/>
+              </a:ext>
+            </a:extLst>
+          </p:cNvPr>
+          <p:cNvPicPr>
+            <a:picLocks noChangeAspect="1"/>
+          </p:cNvPicPr>
+          <p:nvPr/>
+        </p:nvPicPr>
+        <p:blipFill>
+          <a:blip r:embed="rId2">
+            <a:extLst>
+              <a:ext uri="{28A0092B-C50C-407E-A947-70E740481C1C}">
+                <a14:useLocalDpi xmlns:a14="http://schemas.microsoft.com/office/drawing/2010/main" val="0"/>
+              </a:ext>
+            </a:extLst>
+          </a:blip>
+          <a:srcRect/>
+          <a:stretch>
+            <a:fillRect/>
+          </a:stretch>
+        </p:blipFill>
+        <p:spPr bwMode="auto">
+          <a:xfrm>
+            <a:off x="1069848" y="3301545"/>
+            <a:ext cx="5222444" cy="2924959"/>
+          </a:xfrm>
+          <a:prstGeom prst="rect">
+            <a:avLst/>
+          </a:prstGeom>
+          <a:noFill/>
+          <a:ln>
+            <a:noFill/>
+          </a:ln>
+        </p:spPr>
+      </p:pic>
+      <p:pic>
+        <p:nvPicPr>
+          <p:cNvPr id="7" name="Imagem 6">
+            <a:extLst>
+              <a:ext uri="{FF2B5EF4-FFF2-40B4-BE49-F238E27FC236}">
+                <a16:creationId xmlns:a16="http://schemas.microsoft.com/office/drawing/2014/main" id="{8DC400D4-B2C3-232D-01CA-A583562FB303}"/>
+              </a:ext>
+            </a:extLst>
+          </p:cNvPr>
+          <p:cNvPicPr>
+            <a:picLocks noChangeAspect="1"/>
+          </p:cNvPicPr>
+          <p:nvPr/>
+        </p:nvPicPr>
+        <p:blipFill>
+          <a:blip r:embed="rId3"/>
+          <a:stretch>
+            <a:fillRect/>
+          </a:stretch>
+        </p:blipFill>
+        <p:spPr>
+          <a:xfrm>
+            <a:off x="6489422" y="3473430"/>
+            <a:ext cx="5187011" cy="2581188"/>
+          </a:xfrm>
+          <a:prstGeom prst="rect">
+            <a:avLst/>
+          </a:prstGeom>
+        </p:spPr>
+      </p:pic>
     </p:spTree>
     <p:extLst>
       <p:ext uri="{BB962C8B-B14F-4D97-AF65-F5344CB8AC3E}">
-        <p14:creationId xmlns:p14="http://schemas.microsoft.com/office/powerpoint/2010/main" val="3147441111"/>
+        <p14:creationId xmlns:p14="http://schemas.microsoft.com/office/powerpoint/2010/main" val="3252583076"/>
       </p:ext>
     </p:extLst>
   </p:cSld>
@@ -5186,6 +5070,691 @@
 </file>
 
 <file path=ppt/slides/slide12.xml><?xml version="1.0" encoding="utf-8"?>
+<p:sld xmlns:a="http://schemas.openxmlformats.org/drawingml/2006/main" xmlns:r="http://schemas.openxmlformats.org/officeDocument/2006/relationships" xmlns:p="http://schemas.openxmlformats.org/presentationml/2006/main">
+  <p:cSld>
+    <p:spTree>
+      <p:nvGrpSpPr>
+        <p:cNvPr id="1" name=""/>
+        <p:cNvGrpSpPr/>
+        <p:nvPr/>
+      </p:nvGrpSpPr>
+      <p:grpSpPr>
+        <a:xfrm>
+          <a:off x="0" y="0"/>
+          <a:ext cx="0" cy="0"/>
+          <a:chOff x="0" y="0"/>
+          <a:chExt cx="0" cy="0"/>
+        </a:xfrm>
+      </p:grpSpPr>
+      <p:sp>
+        <p:nvSpPr>
+          <p:cNvPr id="2" name="Título 1">
+            <a:extLst>
+              <a:ext uri="{FF2B5EF4-FFF2-40B4-BE49-F238E27FC236}">
+                <a16:creationId xmlns:a16="http://schemas.microsoft.com/office/drawing/2014/main" id="{3A5AF976-C60E-AC1D-FF16-FE673D16AFDE}"/>
+              </a:ext>
+            </a:extLst>
+          </p:cNvPr>
+          <p:cNvSpPr>
+            <a:spLocks noGrp="1"/>
+          </p:cNvSpPr>
+          <p:nvPr>
+            <p:ph type="title"/>
+          </p:nvPr>
+        </p:nvSpPr>
+        <p:spPr/>
+        <p:txBody>
+          <a:bodyPr/>
+          <a:lstStyle/>
+          <a:p>
+            <a:r>
+              <a:rPr lang="pt-PT" dirty="0"/>
+              <a:t>Diagrama de Classes</a:t>
+            </a:r>
+          </a:p>
+        </p:txBody>
+      </p:sp>
+      <p:sp>
+        <p:nvSpPr>
+          <p:cNvPr id="3" name="Marcador de Posição de Conteúdo 2">
+            <a:extLst>
+              <a:ext uri="{FF2B5EF4-FFF2-40B4-BE49-F238E27FC236}">
+                <a16:creationId xmlns:a16="http://schemas.microsoft.com/office/drawing/2014/main" id="{A04DDA91-7F1A-A888-3AD0-14748FA8B324}"/>
+              </a:ext>
+            </a:extLst>
+          </p:cNvPr>
+          <p:cNvSpPr>
+            <a:spLocks noGrp="1"/>
+          </p:cNvSpPr>
+          <p:nvPr>
+            <p:ph idx="1"/>
+          </p:nvPr>
+        </p:nvSpPr>
+        <p:spPr>
+          <a:xfrm>
+            <a:off x="1069848" y="2121408"/>
+            <a:ext cx="4343400" cy="4050792"/>
+          </a:xfrm>
+        </p:spPr>
+        <p:txBody>
+          <a:bodyPr/>
+          <a:lstStyle/>
+          <a:p>
+            <a:r>
+              <a:rPr lang="pt-PT" dirty="0"/>
+              <a:t>Ao contrário do projeto da Unidade Curricular já apresentado, neste foi construído o diagrama de classes com vista a ajudar na criação da base de dados e na sua manipulação.</a:t>
+            </a:r>
+          </a:p>
+        </p:txBody>
+      </p:sp>
+      <p:pic>
+        <p:nvPicPr>
+          <p:cNvPr id="4" name="Imagem 3">
+            <a:extLst>
+              <a:ext uri="{FF2B5EF4-FFF2-40B4-BE49-F238E27FC236}">
+                <a16:creationId xmlns:a16="http://schemas.microsoft.com/office/drawing/2014/main" id="{DA7BAC6A-AF08-7E7E-5A74-9D1AA465FFFD}"/>
+              </a:ext>
+            </a:extLst>
+          </p:cNvPr>
+          <p:cNvPicPr>
+            <a:picLocks noChangeAspect="1"/>
+          </p:cNvPicPr>
+          <p:nvPr/>
+        </p:nvPicPr>
+        <p:blipFill>
+          <a:blip r:embed="rId2">
+            <a:extLst>
+              <a:ext uri="{28A0092B-C50C-407E-A947-70E740481C1C}">
+                <a14:useLocalDpi xmlns:a14="http://schemas.microsoft.com/office/drawing/2010/main" val="0"/>
+              </a:ext>
+            </a:extLst>
+          </a:blip>
+          <a:srcRect/>
+          <a:stretch>
+            <a:fillRect/>
+          </a:stretch>
+        </p:blipFill>
+        <p:spPr bwMode="auto">
+          <a:xfrm>
+            <a:off x="6778754" y="1005650"/>
+            <a:ext cx="4791494" cy="5166550"/>
+          </a:xfrm>
+          <a:prstGeom prst="rect">
+            <a:avLst/>
+          </a:prstGeom>
+          <a:noFill/>
+          <a:ln>
+            <a:noFill/>
+          </a:ln>
+        </p:spPr>
+      </p:pic>
+    </p:spTree>
+    <p:extLst>
+      <p:ext uri="{BB962C8B-B14F-4D97-AF65-F5344CB8AC3E}">
+        <p14:creationId xmlns:p14="http://schemas.microsoft.com/office/powerpoint/2010/main" val="4032738510"/>
+      </p:ext>
+    </p:extLst>
+  </p:cSld>
+  <p:clrMapOvr>
+    <a:masterClrMapping/>
+  </p:clrMapOvr>
+</p:sld>
+</file>
+
+<file path=ppt/slides/slide13.xml><?xml version="1.0" encoding="utf-8"?>
+<p:sld xmlns:a="http://schemas.openxmlformats.org/drawingml/2006/main" xmlns:r="http://schemas.openxmlformats.org/officeDocument/2006/relationships" xmlns:p="http://schemas.openxmlformats.org/presentationml/2006/main">
+  <p:cSld>
+    <p:spTree>
+      <p:nvGrpSpPr>
+        <p:cNvPr id="1" name=""/>
+        <p:cNvGrpSpPr/>
+        <p:nvPr/>
+      </p:nvGrpSpPr>
+      <p:grpSpPr>
+        <a:xfrm>
+          <a:off x="0" y="0"/>
+          <a:ext cx="0" cy="0"/>
+          <a:chOff x="0" y="0"/>
+          <a:chExt cx="0" cy="0"/>
+        </a:xfrm>
+      </p:grpSpPr>
+      <p:sp>
+        <p:nvSpPr>
+          <p:cNvPr id="2" name="Título 1">
+            <a:extLst>
+              <a:ext uri="{FF2B5EF4-FFF2-40B4-BE49-F238E27FC236}">
+                <a16:creationId xmlns:a16="http://schemas.microsoft.com/office/drawing/2014/main" id="{33A21A64-7428-0FD4-857E-CEADBC952D42}"/>
+              </a:ext>
+            </a:extLst>
+          </p:cNvPr>
+          <p:cNvSpPr>
+            <a:spLocks noGrp="1"/>
+          </p:cNvSpPr>
+          <p:nvPr>
+            <p:ph type="title"/>
+          </p:nvPr>
+        </p:nvSpPr>
+        <p:spPr/>
+        <p:txBody>
+          <a:bodyPr/>
+          <a:lstStyle/>
+          <a:p>
+            <a:r>
+              <a:rPr lang="pt-PT" dirty="0"/>
+              <a:t>User </a:t>
+            </a:r>
+            <a:r>
+              <a:rPr lang="pt-PT" dirty="0" err="1"/>
+              <a:t>stories</a:t>
+            </a:r>
+            <a:endParaRPr lang="pt-PT" dirty="0"/>
+          </a:p>
+        </p:txBody>
+      </p:sp>
+      <p:pic>
+        <p:nvPicPr>
+          <p:cNvPr id="6" name="Imagem 5">
+            <a:extLst>
+              <a:ext uri="{FF2B5EF4-FFF2-40B4-BE49-F238E27FC236}">
+                <a16:creationId xmlns:a16="http://schemas.microsoft.com/office/drawing/2014/main" id="{97B403A6-F106-2AF2-A538-F5A97309F1C0}"/>
+              </a:ext>
+            </a:extLst>
+          </p:cNvPr>
+          <p:cNvPicPr>
+            <a:picLocks noChangeAspect="1"/>
+          </p:cNvPicPr>
+          <p:nvPr/>
+        </p:nvPicPr>
+        <p:blipFill>
+          <a:blip r:embed="rId2"/>
+          <a:stretch>
+            <a:fillRect/>
+          </a:stretch>
+        </p:blipFill>
+        <p:spPr>
+          <a:xfrm>
+            <a:off x="3017253" y="1971129"/>
+            <a:ext cx="6157494" cy="4160881"/>
+          </a:xfrm>
+          <a:prstGeom prst="rect">
+            <a:avLst/>
+          </a:prstGeom>
+        </p:spPr>
+      </p:pic>
+    </p:spTree>
+    <p:extLst>
+      <p:ext uri="{BB962C8B-B14F-4D97-AF65-F5344CB8AC3E}">
+        <p14:creationId xmlns:p14="http://schemas.microsoft.com/office/powerpoint/2010/main" val="2531411457"/>
+      </p:ext>
+    </p:extLst>
+  </p:cSld>
+  <p:clrMapOvr>
+    <a:masterClrMapping/>
+  </p:clrMapOvr>
+</p:sld>
+</file>
+
+<file path=ppt/slides/slide14.xml><?xml version="1.0" encoding="utf-8"?>
+<p:sld xmlns:a="http://schemas.openxmlformats.org/drawingml/2006/main" xmlns:r="http://schemas.openxmlformats.org/officeDocument/2006/relationships" xmlns:p="http://schemas.openxmlformats.org/presentationml/2006/main">
+  <p:cSld>
+    <p:spTree>
+      <p:nvGrpSpPr>
+        <p:cNvPr id="1" name=""/>
+        <p:cNvGrpSpPr/>
+        <p:nvPr/>
+      </p:nvGrpSpPr>
+      <p:grpSpPr>
+        <a:xfrm>
+          <a:off x="0" y="0"/>
+          <a:ext cx="0" cy="0"/>
+          <a:chOff x="0" y="0"/>
+          <a:chExt cx="0" cy="0"/>
+        </a:xfrm>
+      </p:grpSpPr>
+      <p:sp>
+        <p:nvSpPr>
+          <p:cNvPr id="2" name="Título 1">
+            <a:extLst>
+              <a:ext uri="{FF2B5EF4-FFF2-40B4-BE49-F238E27FC236}">
+                <a16:creationId xmlns:a16="http://schemas.microsoft.com/office/drawing/2014/main" id="{8B99C492-46C8-B154-1B3D-BBEE846EC7D9}"/>
+              </a:ext>
+            </a:extLst>
+          </p:cNvPr>
+          <p:cNvSpPr>
+            <a:spLocks noGrp="1"/>
+          </p:cNvSpPr>
+          <p:nvPr>
+            <p:ph type="title"/>
+          </p:nvPr>
+        </p:nvSpPr>
+        <p:spPr/>
+        <p:txBody>
+          <a:bodyPr/>
+          <a:lstStyle/>
+          <a:p>
+            <a:r>
+              <a:rPr lang="pt-PT" dirty="0"/>
+              <a:t>Sprints</a:t>
+            </a:r>
+          </a:p>
+        </p:txBody>
+      </p:sp>
+      <p:sp>
+        <p:nvSpPr>
+          <p:cNvPr id="3" name="Marcador de Posição de Conteúdo 2">
+            <a:extLst>
+              <a:ext uri="{FF2B5EF4-FFF2-40B4-BE49-F238E27FC236}">
+                <a16:creationId xmlns:a16="http://schemas.microsoft.com/office/drawing/2014/main" id="{DD5A512E-9246-5909-1F72-30E9C6784CED}"/>
+              </a:ext>
+            </a:extLst>
+          </p:cNvPr>
+          <p:cNvSpPr>
+            <a:spLocks noGrp="1"/>
+          </p:cNvSpPr>
+          <p:nvPr>
+            <p:ph idx="1"/>
+          </p:nvPr>
+        </p:nvSpPr>
+        <p:spPr/>
+        <p:txBody>
+          <a:bodyPr/>
+          <a:lstStyle/>
+          <a:p>
+            <a:r>
+              <a:rPr lang="pt-PT" dirty="0"/>
+              <a:t>Como anteriormente referido, para a gestão de tarefas e tempos, foi utilizada a ferramenta </a:t>
+            </a:r>
+            <a:r>
+              <a:rPr lang="pt-PT" i="1" dirty="0" err="1"/>
+              <a:t>Jira</a:t>
+            </a:r>
+            <a:r>
+              <a:rPr lang="pt-PT" i="1" dirty="0"/>
+              <a:t>. </a:t>
+            </a:r>
+            <a:r>
+              <a:rPr lang="pt-PT" dirty="0"/>
+              <a:t>Como resultado, o projeto foi </a:t>
+            </a:r>
+            <a:r>
+              <a:rPr lang="pt-PT" dirty="0" err="1"/>
+              <a:t>s«desenvolvido</a:t>
+            </a:r>
+            <a:r>
+              <a:rPr lang="pt-PT" dirty="0"/>
+              <a:t> em 4 sprints com a duração de 2 semanas cada.</a:t>
+            </a:r>
+          </a:p>
+        </p:txBody>
+      </p:sp>
+    </p:spTree>
+    <p:extLst>
+      <p:ext uri="{BB962C8B-B14F-4D97-AF65-F5344CB8AC3E}">
+        <p14:creationId xmlns:p14="http://schemas.microsoft.com/office/powerpoint/2010/main" val="4201342693"/>
+      </p:ext>
+    </p:extLst>
+  </p:cSld>
+  <p:clrMapOvr>
+    <a:masterClrMapping/>
+  </p:clrMapOvr>
+</p:sld>
+</file>
+
+<file path=ppt/slides/slide15.xml><?xml version="1.0" encoding="utf-8"?>
+<p:sld xmlns:a="http://schemas.openxmlformats.org/drawingml/2006/main" xmlns:r="http://schemas.openxmlformats.org/officeDocument/2006/relationships" xmlns:p="http://schemas.openxmlformats.org/presentationml/2006/main">
+  <p:cSld>
+    <p:spTree>
+      <p:nvGrpSpPr>
+        <p:cNvPr id="1" name=""/>
+        <p:cNvGrpSpPr/>
+        <p:nvPr/>
+      </p:nvGrpSpPr>
+      <p:grpSpPr>
+        <a:xfrm>
+          <a:off x="0" y="0"/>
+          <a:ext cx="0" cy="0"/>
+          <a:chOff x="0" y="0"/>
+          <a:chExt cx="0" cy="0"/>
+        </a:xfrm>
+      </p:grpSpPr>
+      <p:sp>
+        <p:nvSpPr>
+          <p:cNvPr id="3" name="Marcador de Posição do Texto 2">
+            <a:extLst>
+              <a:ext uri="{FF2B5EF4-FFF2-40B4-BE49-F238E27FC236}">
+                <a16:creationId xmlns:a16="http://schemas.microsoft.com/office/drawing/2014/main" id="{8B7F1575-8F26-B595-DAF8-08DD2B93B21E}"/>
+              </a:ext>
+            </a:extLst>
+          </p:cNvPr>
+          <p:cNvSpPr>
+            <a:spLocks noGrp="1"/>
+          </p:cNvSpPr>
+          <p:nvPr>
+            <p:ph type="body" idx="1"/>
+          </p:nvPr>
+        </p:nvSpPr>
+        <p:spPr>
+          <a:xfrm>
+            <a:off x="1069848" y="630936"/>
+            <a:ext cx="4754880" cy="640080"/>
+          </a:xfrm>
+        </p:spPr>
+        <p:txBody>
+          <a:bodyPr/>
+          <a:lstStyle/>
+          <a:p>
+            <a:r>
+              <a:rPr lang="pt-PT" dirty="0"/>
+              <a:t>Sprint 3</a:t>
+            </a:r>
+          </a:p>
+        </p:txBody>
+      </p:sp>
+      <p:sp>
+        <p:nvSpPr>
+          <p:cNvPr id="4" name="Marcador de Posição de Conteúdo 3">
+            <a:extLst>
+              <a:ext uri="{FF2B5EF4-FFF2-40B4-BE49-F238E27FC236}">
+                <a16:creationId xmlns:a16="http://schemas.microsoft.com/office/drawing/2014/main" id="{3A234716-42C5-145C-C0C5-1551216BC8E9}"/>
+              </a:ext>
+            </a:extLst>
+          </p:cNvPr>
+          <p:cNvSpPr>
+            <a:spLocks noGrp="1"/>
+          </p:cNvSpPr>
+          <p:nvPr>
+            <p:ph sz="half" idx="2"/>
+          </p:nvPr>
+        </p:nvSpPr>
+        <p:spPr>
+          <a:xfrm>
+            <a:off x="1069848" y="1417320"/>
+            <a:ext cx="4754880" cy="886968"/>
+          </a:xfrm>
+        </p:spPr>
+        <p:txBody>
+          <a:bodyPr/>
+          <a:lstStyle/>
+          <a:p>
+            <a:r>
+              <a:rPr lang="pt-PT" dirty="0"/>
+              <a:t>Sprint desenvolvida entre 25 de maio a 7 de junho.</a:t>
+            </a:r>
+          </a:p>
+        </p:txBody>
+      </p:sp>
+      <p:sp>
+        <p:nvSpPr>
+          <p:cNvPr id="5" name="Marcador de Posição do Texto 4">
+            <a:extLst>
+              <a:ext uri="{FF2B5EF4-FFF2-40B4-BE49-F238E27FC236}">
+                <a16:creationId xmlns:a16="http://schemas.microsoft.com/office/drawing/2014/main" id="{FA63B222-7BD7-866C-4FC6-CF801A11B159}"/>
+              </a:ext>
+            </a:extLst>
+          </p:cNvPr>
+          <p:cNvSpPr>
+            <a:spLocks noGrp="1"/>
+          </p:cNvSpPr>
+          <p:nvPr>
+            <p:ph type="body" sz="quarter" idx="3"/>
+          </p:nvPr>
+        </p:nvSpPr>
+        <p:spPr>
+          <a:xfrm>
+            <a:off x="6367272" y="630936"/>
+            <a:ext cx="4754880" cy="640080"/>
+          </a:xfrm>
+        </p:spPr>
+        <p:txBody>
+          <a:bodyPr/>
+          <a:lstStyle/>
+          <a:p>
+            <a:r>
+              <a:rPr lang="pt-PT" dirty="0"/>
+              <a:t>Sprint 4</a:t>
+            </a:r>
+          </a:p>
+        </p:txBody>
+      </p:sp>
+      <p:sp>
+        <p:nvSpPr>
+          <p:cNvPr id="6" name="Marcador de Posição de Conteúdo 5">
+            <a:extLst>
+              <a:ext uri="{FF2B5EF4-FFF2-40B4-BE49-F238E27FC236}">
+                <a16:creationId xmlns:a16="http://schemas.microsoft.com/office/drawing/2014/main" id="{AFA4231A-5C35-3DF3-23A3-DE1205072A4E}"/>
+              </a:ext>
+            </a:extLst>
+          </p:cNvPr>
+          <p:cNvSpPr>
+            <a:spLocks noGrp="1"/>
+          </p:cNvSpPr>
+          <p:nvPr>
+            <p:ph sz="quarter" idx="4"/>
+          </p:nvPr>
+        </p:nvSpPr>
+        <p:spPr>
+          <a:xfrm>
+            <a:off x="6367272" y="1417320"/>
+            <a:ext cx="4754880" cy="886968"/>
+          </a:xfrm>
+        </p:spPr>
+        <p:txBody>
+          <a:bodyPr/>
+          <a:lstStyle/>
+          <a:p>
+            <a:r>
+              <a:rPr lang="pt-PT" dirty="0"/>
+              <a:t>Sprint desenvolvida entre 8 de junho e 21 de junho de 2023</a:t>
+            </a:r>
+          </a:p>
+        </p:txBody>
+      </p:sp>
+      <p:pic>
+        <p:nvPicPr>
+          <p:cNvPr id="7" name="Imagem 6">
+            <a:extLst>
+              <a:ext uri="{FF2B5EF4-FFF2-40B4-BE49-F238E27FC236}">
+                <a16:creationId xmlns:a16="http://schemas.microsoft.com/office/drawing/2014/main" id="{99B7EC65-41B1-D474-A6BA-280B122AE825}"/>
+              </a:ext>
+            </a:extLst>
+          </p:cNvPr>
+          <p:cNvPicPr>
+            <a:picLocks noChangeAspect="1"/>
+          </p:cNvPicPr>
+          <p:nvPr/>
+        </p:nvPicPr>
+        <p:blipFill>
+          <a:blip r:embed="rId2"/>
+          <a:stretch>
+            <a:fillRect/>
+          </a:stretch>
+        </p:blipFill>
+        <p:spPr>
+          <a:xfrm>
+            <a:off x="1062943" y="3330608"/>
+            <a:ext cx="5220429" cy="1857634"/>
+          </a:xfrm>
+          <a:prstGeom prst="rect">
+            <a:avLst/>
+          </a:prstGeom>
+        </p:spPr>
+      </p:pic>
+      <p:pic>
+        <p:nvPicPr>
+          <p:cNvPr id="9" name="Imagem 8">
+            <a:extLst>
+              <a:ext uri="{FF2B5EF4-FFF2-40B4-BE49-F238E27FC236}">
+                <a16:creationId xmlns:a16="http://schemas.microsoft.com/office/drawing/2014/main" id="{14980440-C060-FF59-158E-D28E9F8BDD6C}"/>
+              </a:ext>
+            </a:extLst>
+          </p:cNvPr>
+          <p:cNvPicPr>
+            <a:picLocks noChangeAspect="1"/>
+          </p:cNvPicPr>
+          <p:nvPr/>
+        </p:nvPicPr>
+        <p:blipFill>
+          <a:blip r:embed="rId3"/>
+          <a:stretch>
+            <a:fillRect/>
+          </a:stretch>
+        </p:blipFill>
+        <p:spPr>
+          <a:xfrm>
+            <a:off x="6522802" y="3330608"/>
+            <a:ext cx="5229955" cy="1524213"/>
+          </a:xfrm>
+          <a:prstGeom prst="rect">
+            <a:avLst/>
+          </a:prstGeom>
+        </p:spPr>
+      </p:pic>
+    </p:spTree>
+    <p:extLst>
+      <p:ext uri="{BB962C8B-B14F-4D97-AF65-F5344CB8AC3E}">
+        <p14:creationId xmlns:p14="http://schemas.microsoft.com/office/powerpoint/2010/main" val="302419582"/>
+      </p:ext>
+    </p:extLst>
+  </p:cSld>
+  <p:clrMapOvr>
+    <a:masterClrMapping/>
+  </p:clrMapOvr>
+</p:sld>
+</file>
+
+<file path=ppt/slides/slide16.xml><?xml version="1.0" encoding="utf-8"?>
+<p:sld xmlns:a="http://schemas.openxmlformats.org/drawingml/2006/main" xmlns:r="http://schemas.openxmlformats.org/officeDocument/2006/relationships" xmlns:p="http://schemas.openxmlformats.org/presentationml/2006/main">
+  <p:cSld>
+    <p:spTree>
+      <p:nvGrpSpPr>
+        <p:cNvPr id="1" name=""/>
+        <p:cNvGrpSpPr/>
+        <p:nvPr/>
+      </p:nvGrpSpPr>
+      <p:grpSpPr>
+        <a:xfrm>
+          <a:off x="0" y="0"/>
+          <a:ext cx="0" cy="0"/>
+          <a:chOff x="0" y="0"/>
+          <a:chExt cx="0" cy="0"/>
+        </a:xfrm>
+      </p:grpSpPr>
+      <p:sp>
+        <p:nvSpPr>
+          <p:cNvPr id="7" name="Título 6">
+            <a:extLst>
+              <a:ext uri="{FF2B5EF4-FFF2-40B4-BE49-F238E27FC236}">
+                <a16:creationId xmlns:a16="http://schemas.microsoft.com/office/drawing/2014/main" id="{0FCFDD29-8A82-4F90-159B-9F9DDC0EAC29}"/>
+              </a:ext>
+            </a:extLst>
+          </p:cNvPr>
+          <p:cNvSpPr>
+            <a:spLocks noGrp="1"/>
+          </p:cNvSpPr>
+          <p:nvPr>
+            <p:ph type="title"/>
+          </p:nvPr>
+        </p:nvSpPr>
+        <p:spPr/>
+        <p:txBody>
+          <a:bodyPr/>
+          <a:lstStyle/>
+          <a:p>
+            <a:r>
+              <a:rPr lang="pt-PT" dirty="0"/>
+              <a:t>Retrospetiva geral</a:t>
+            </a:r>
+          </a:p>
+        </p:txBody>
+      </p:sp>
+      <p:sp>
+        <p:nvSpPr>
+          <p:cNvPr id="8" name="Marcador de Posição de Conteúdo 7">
+            <a:extLst>
+              <a:ext uri="{FF2B5EF4-FFF2-40B4-BE49-F238E27FC236}">
+                <a16:creationId xmlns:a16="http://schemas.microsoft.com/office/drawing/2014/main" id="{D731A4E9-4147-CADB-9F73-88247056383E}"/>
+              </a:ext>
+            </a:extLst>
+          </p:cNvPr>
+          <p:cNvSpPr>
+            <a:spLocks noGrp="1"/>
+          </p:cNvSpPr>
+          <p:nvPr>
+            <p:ph idx="1"/>
+          </p:nvPr>
+        </p:nvSpPr>
+        <p:spPr/>
+        <p:txBody>
+          <a:bodyPr/>
+          <a:lstStyle/>
+          <a:p>
+            <a:r>
+              <a:rPr lang="pt-PT" dirty="0"/>
+              <a:t>Na sua generalidade, o projeto foi desenvolvido dentro dos timings que nos foram impostos. </a:t>
+            </a:r>
+          </a:p>
+          <a:p>
+            <a:r>
+              <a:rPr lang="pt-PT" dirty="0"/>
+              <a:t>O desenvolvimento  do projeto e o trabalho em equipa correram bem.</a:t>
+            </a:r>
+          </a:p>
+          <a:p>
+            <a:r>
+              <a:rPr lang="pt-PT" dirty="0"/>
+              <a:t>A melhorar, destacamos o uso da plataforma </a:t>
+            </a:r>
+            <a:r>
+              <a:rPr lang="pt-PT" i="1" dirty="0" err="1"/>
+              <a:t>Jira</a:t>
+            </a:r>
+            <a:r>
+              <a:rPr lang="pt-PT" i="1" dirty="0"/>
+              <a:t> </a:t>
+            </a:r>
+            <a:r>
+              <a:rPr lang="pt-PT" dirty="0"/>
+              <a:t>e a organização de tarefas.</a:t>
+            </a:r>
+          </a:p>
+          <a:p>
+            <a:r>
+              <a:rPr lang="pt-PT" dirty="0"/>
+              <a:t>No fim, aprendemos o quão importante são as </a:t>
+            </a:r>
+            <a:r>
+              <a:rPr lang="pt-PT" dirty="0" err="1"/>
+              <a:t>plaformas</a:t>
+            </a:r>
+            <a:r>
+              <a:rPr lang="pt-PT" dirty="0"/>
+              <a:t> como o </a:t>
+            </a:r>
+            <a:r>
+              <a:rPr lang="pt-PT" i="1" dirty="0" err="1"/>
+              <a:t>Jira</a:t>
+            </a:r>
+            <a:r>
+              <a:rPr lang="pt-PT" dirty="0"/>
+              <a:t>.</a:t>
+            </a:r>
+          </a:p>
+        </p:txBody>
+      </p:sp>
+    </p:spTree>
+    <p:extLst>
+      <p:ext uri="{BB962C8B-B14F-4D97-AF65-F5344CB8AC3E}">
+        <p14:creationId xmlns:p14="http://schemas.microsoft.com/office/powerpoint/2010/main" val="2726082737"/>
+      </p:ext>
+    </p:extLst>
+  </p:cSld>
+  <p:clrMapOvr>
+    <a:masterClrMapping/>
+  </p:clrMapOvr>
+</p:sld>
+</file>
+
+<file path=ppt/slides/slide17.xml><?xml version="1.0" encoding="utf-8"?>
 <p:sld xmlns:a="http://schemas.openxmlformats.org/drawingml/2006/main" xmlns:r="http://schemas.openxmlformats.org/officeDocument/2006/relationships" xmlns:p="http://schemas.openxmlformats.org/presentationml/2006/main">
   <p:cSld>
     <p:bg>
@@ -5517,7 +6086,7 @@
         </p:blipFill>
         <p:spPr>
           <a:xfrm>
-            <a:off x="3656138" y="2227451"/>
+            <a:off x="3656138" y="2239900"/>
             <a:ext cx="6278877" cy="2024936"/>
           </a:xfrm>
           <a:prstGeom prst="rect">
@@ -5528,1149 +6097,7 @@
     </p:spTree>
     <p:extLst>
       <p:ext uri="{BB962C8B-B14F-4D97-AF65-F5344CB8AC3E}">
-        <p14:creationId xmlns:p14="http://schemas.microsoft.com/office/powerpoint/2010/main" val="3776736273"/>
-      </p:ext>
-    </p:extLst>
-  </p:cSld>
-  <p:clrMapOvr>
-    <a:masterClrMapping/>
-  </p:clrMapOvr>
-</p:sld>
-</file>
-
-<file path=ppt/slides/slide13.xml><?xml version="1.0" encoding="utf-8"?>
-<p:sld xmlns:a="http://schemas.openxmlformats.org/drawingml/2006/main" xmlns:r="http://schemas.openxmlformats.org/officeDocument/2006/relationships" xmlns:p="http://schemas.openxmlformats.org/presentationml/2006/main">
-  <p:cSld>
-    <p:spTree>
-      <p:nvGrpSpPr>
-        <p:cNvPr id="1" name=""/>
-        <p:cNvGrpSpPr/>
-        <p:nvPr/>
-      </p:nvGrpSpPr>
-      <p:grpSpPr>
-        <a:xfrm>
-          <a:off x="0" y="0"/>
-          <a:ext cx="0" cy="0"/>
-          <a:chOff x="0" y="0"/>
-          <a:chExt cx="0" cy="0"/>
-        </a:xfrm>
-      </p:grpSpPr>
-      <p:sp>
-        <p:nvSpPr>
-          <p:cNvPr id="4" name="Título 3">
-            <a:extLst>
-              <a:ext uri="{FF2B5EF4-FFF2-40B4-BE49-F238E27FC236}">
-                <a16:creationId xmlns:a16="http://schemas.microsoft.com/office/drawing/2014/main" id="{DED111C7-1957-2D00-6C43-AD88532F7641}"/>
-              </a:ext>
-            </a:extLst>
-          </p:cNvPr>
-          <p:cNvSpPr>
-            <a:spLocks noGrp="1"/>
-          </p:cNvSpPr>
-          <p:nvPr>
-            <p:ph type="ctrTitle"/>
-          </p:nvPr>
-        </p:nvSpPr>
-        <p:spPr/>
-        <p:txBody>
-          <a:bodyPr/>
-          <a:lstStyle/>
-          <a:p>
-            <a:r>
-              <a:rPr lang="pt-PT" sz="6600" dirty="0"/>
-              <a:t>Programação WEB - Servidor</a:t>
-            </a:r>
-          </a:p>
-        </p:txBody>
-      </p:sp>
-    </p:spTree>
-    <p:extLst>
-      <p:ext uri="{BB962C8B-B14F-4D97-AF65-F5344CB8AC3E}">
-        <p14:creationId xmlns:p14="http://schemas.microsoft.com/office/powerpoint/2010/main" val="1619271624"/>
-      </p:ext>
-    </p:extLst>
-  </p:cSld>
-  <p:clrMapOvr>
-    <a:masterClrMapping/>
-  </p:clrMapOvr>
-</p:sld>
-</file>
-
-<file path=ppt/slides/slide14.xml><?xml version="1.0" encoding="utf-8"?>
-<p:sld xmlns:a="http://schemas.openxmlformats.org/drawingml/2006/main" xmlns:r="http://schemas.openxmlformats.org/officeDocument/2006/relationships" xmlns:p="http://schemas.openxmlformats.org/presentationml/2006/main">
-  <p:cSld>
-    <p:spTree>
-      <p:nvGrpSpPr>
-        <p:cNvPr id="1" name=""/>
-        <p:cNvGrpSpPr/>
-        <p:nvPr/>
-      </p:nvGrpSpPr>
-      <p:grpSpPr>
-        <a:xfrm>
-          <a:off x="0" y="0"/>
-          <a:ext cx="0" cy="0"/>
-          <a:chOff x="0" y="0"/>
-          <a:chExt cx="0" cy="0"/>
-        </a:xfrm>
-      </p:grpSpPr>
-      <p:sp>
-        <p:nvSpPr>
-          <p:cNvPr id="2" name="Título 1">
-            <a:extLst>
-              <a:ext uri="{FF2B5EF4-FFF2-40B4-BE49-F238E27FC236}">
-                <a16:creationId xmlns:a16="http://schemas.microsoft.com/office/drawing/2014/main" id="{6226EAAA-D1BA-1753-6F03-D84C246407C3}"/>
-              </a:ext>
-            </a:extLst>
-          </p:cNvPr>
-          <p:cNvSpPr>
-            <a:spLocks noGrp="1"/>
-          </p:cNvSpPr>
-          <p:nvPr>
-            <p:ph type="title"/>
-          </p:nvPr>
-        </p:nvSpPr>
-        <p:spPr/>
-        <p:txBody>
-          <a:bodyPr/>
-          <a:lstStyle/>
-          <a:p>
-            <a:r>
-              <a:rPr lang="pt-PT" dirty="0"/>
-              <a:t>Logica de negócio</a:t>
-            </a:r>
-          </a:p>
-        </p:txBody>
-      </p:sp>
-      <p:sp>
-        <p:nvSpPr>
-          <p:cNvPr id="3" name="Marcador de Posição de Conteúdo 2">
-            <a:extLst>
-              <a:ext uri="{FF2B5EF4-FFF2-40B4-BE49-F238E27FC236}">
-                <a16:creationId xmlns:a16="http://schemas.microsoft.com/office/drawing/2014/main" id="{0CB2F09E-4CB1-0D9F-8A36-D0A2D573A314}"/>
-              </a:ext>
-            </a:extLst>
-          </p:cNvPr>
-          <p:cNvSpPr>
-            <a:spLocks noGrp="1"/>
-          </p:cNvSpPr>
-          <p:nvPr>
-            <p:ph idx="1"/>
-          </p:nvPr>
-        </p:nvSpPr>
-        <p:spPr/>
-        <p:txBody>
-          <a:bodyPr/>
-          <a:lstStyle/>
-          <a:p>
-            <a:r>
-              <a:rPr lang="pt-PT" dirty="0"/>
-              <a:t>O sistema desenvolvido permite a uma empresa que sejam emitidas folhas de obra.</a:t>
-            </a:r>
-          </a:p>
-          <a:p>
-            <a:r>
-              <a:rPr lang="pt-PT" dirty="0"/>
-              <a:t>O sistema permite ainda a gestão de funcionários, clientes, serviços e taxas de IVA.</a:t>
-            </a:r>
-          </a:p>
-        </p:txBody>
-      </p:sp>
-    </p:spTree>
-    <p:extLst>
-      <p:ext uri="{BB962C8B-B14F-4D97-AF65-F5344CB8AC3E}">
-        <p14:creationId xmlns:p14="http://schemas.microsoft.com/office/powerpoint/2010/main" val="959596015"/>
-      </p:ext>
-    </p:extLst>
-  </p:cSld>
-  <p:clrMapOvr>
-    <a:masterClrMapping/>
-  </p:clrMapOvr>
-</p:sld>
-</file>
-
-<file path=ppt/slides/slide15.xml><?xml version="1.0" encoding="utf-8"?>
-<p:sld xmlns:a="http://schemas.openxmlformats.org/drawingml/2006/main" xmlns:r="http://schemas.openxmlformats.org/officeDocument/2006/relationships" xmlns:p="http://schemas.openxmlformats.org/presentationml/2006/main">
-  <p:cSld>
-    <p:spTree>
-      <p:nvGrpSpPr>
-        <p:cNvPr id="1" name=""/>
-        <p:cNvGrpSpPr/>
-        <p:nvPr/>
-      </p:nvGrpSpPr>
-      <p:grpSpPr>
-        <a:xfrm>
-          <a:off x="0" y="0"/>
-          <a:ext cx="0" cy="0"/>
-          <a:chOff x="0" y="0"/>
-          <a:chExt cx="0" cy="0"/>
-        </a:xfrm>
-      </p:grpSpPr>
-      <p:sp>
-        <p:nvSpPr>
-          <p:cNvPr id="2" name="Título 1">
-            <a:extLst>
-              <a:ext uri="{FF2B5EF4-FFF2-40B4-BE49-F238E27FC236}">
-                <a16:creationId xmlns:a16="http://schemas.microsoft.com/office/drawing/2014/main" id="{CB1918A5-754E-FCCB-307C-C8D654009A3F}"/>
-              </a:ext>
-            </a:extLst>
-          </p:cNvPr>
-          <p:cNvSpPr>
-            <a:spLocks noGrp="1"/>
-          </p:cNvSpPr>
-          <p:nvPr>
-            <p:ph type="title"/>
-          </p:nvPr>
-        </p:nvSpPr>
-        <p:spPr/>
-        <p:txBody>
-          <a:bodyPr/>
-          <a:lstStyle/>
-          <a:p>
-            <a:r>
-              <a:rPr lang="pt-PT" dirty="0"/>
-              <a:t>Análise concorrencial</a:t>
-            </a:r>
-          </a:p>
-        </p:txBody>
-      </p:sp>
-      <p:sp>
-        <p:nvSpPr>
-          <p:cNvPr id="3" name="Marcador de Posição de Conteúdo 2">
-            <a:extLst>
-              <a:ext uri="{FF2B5EF4-FFF2-40B4-BE49-F238E27FC236}">
-                <a16:creationId xmlns:a16="http://schemas.microsoft.com/office/drawing/2014/main" id="{0185E4E2-6DD4-895B-59AC-622667532CF8}"/>
-              </a:ext>
-            </a:extLst>
-          </p:cNvPr>
-          <p:cNvSpPr>
-            <a:spLocks noGrp="1"/>
-          </p:cNvSpPr>
-          <p:nvPr>
-            <p:ph sz="half" idx="1"/>
-          </p:nvPr>
-        </p:nvSpPr>
-        <p:spPr/>
-        <p:txBody>
-          <a:bodyPr/>
-          <a:lstStyle/>
-          <a:p>
-            <a:r>
-              <a:rPr lang="pt-PT" dirty="0"/>
-              <a:t>Para análise de potenciais concorrentes à aplicação a desenvolver, foram analisados os 3 sistemas</a:t>
-            </a:r>
-            <a:r>
-              <a:rPr lang="pt-PT" i="1" dirty="0"/>
-              <a:t>: Presto, Veja Obra </a:t>
-            </a:r>
-            <a:r>
-              <a:rPr lang="pt-PT" dirty="0"/>
-              <a:t> e </a:t>
-            </a:r>
-            <a:r>
-              <a:rPr lang="pt-PT" i="1" dirty="0"/>
-              <a:t>Arquimedes.</a:t>
-            </a:r>
-          </a:p>
-        </p:txBody>
-      </p:sp>
-      <p:pic>
-        <p:nvPicPr>
-          <p:cNvPr id="5" name="Imagem 4">
-            <a:extLst>
-              <a:ext uri="{FF2B5EF4-FFF2-40B4-BE49-F238E27FC236}">
-                <a16:creationId xmlns:a16="http://schemas.microsoft.com/office/drawing/2014/main" id="{93631558-9E71-F7DF-6F93-1EE4ADBBBE0D}"/>
-              </a:ext>
-            </a:extLst>
-          </p:cNvPr>
-          <p:cNvPicPr>
-            <a:picLocks noChangeAspect="1"/>
-          </p:cNvPicPr>
-          <p:nvPr/>
-        </p:nvPicPr>
-        <p:blipFill>
-          <a:blip r:embed="rId2"/>
-          <a:stretch>
-            <a:fillRect/>
-          </a:stretch>
-        </p:blipFill>
-        <p:spPr>
-          <a:xfrm>
-            <a:off x="4316469" y="3524923"/>
-            <a:ext cx="6027942" cy="2057578"/>
-          </a:xfrm>
-          <a:prstGeom prst="rect">
-            <a:avLst/>
-          </a:prstGeom>
-        </p:spPr>
-      </p:pic>
-    </p:spTree>
-    <p:extLst>
-      <p:ext uri="{BB962C8B-B14F-4D97-AF65-F5344CB8AC3E}">
-        <p14:creationId xmlns:p14="http://schemas.microsoft.com/office/powerpoint/2010/main" val="463821262"/>
-      </p:ext>
-    </p:extLst>
-  </p:cSld>
-  <p:clrMapOvr>
-    <a:masterClrMapping/>
-  </p:clrMapOvr>
-</p:sld>
-</file>
-
-<file path=ppt/slides/slide16.xml><?xml version="1.0" encoding="utf-8"?>
-<p:sld xmlns:a="http://schemas.openxmlformats.org/drawingml/2006/main" xmlns:r="http://schemas.openxmlformats.org/officeDocument/2006/relationships" xmlns:p="http://schemas.openxmlformats.org/presentationml/2006/main">
-  <p:cSld>
-    <p:spTree>
-      <p:nvGrpSpPr>
-        <p:cNvPr id="1" name=""/>
-        <p:cNvGrpSpPr/>
-        <p:nvPr/>
-      </p:nvGrpSpPr>
-      <p:grpSpPr>
-        <a:xfrm>
-          <a:off x="0" y="0"/>
-          <a:ext cx="0" cy="0"/>
-          <a:chOff x="0" y="0"/>
-          <a:chExt cx="0" cy="0"/>
-        </a:xfrm>
-      </p:grpSpPr>
-      <p:sp>
-        <p:nvSpPr>
-          <p:cNvPr id="5" name="Título 4">
-            <a:extLst>
-              <a:ext uri="{FF2B5EF4-FFF2-40B4-BE49-F238E27FC236}">
-                <a16:creationId xmlns:a16="http://schemas.microsoft.com/office/drawing/2014/main" id="{3757DB78-D0EE-B8DF-4EE0-ECB76B09C675}"/>
-              </a:ext>
-            </a:extLst>
-          </p:cNvPr>
-          <p:cNvSpPr>
-            <a:spLocks noGrp="1"/>
-          </p:cNvSpPr>
-          <p:nvPr>
-            <p:ph type="title"/>
-          </p:nvPr>
-        </p:nvSpPr>
-        <p:spPr/>
-        <p:txBody>
-          <a:bodyPr/>
-          <a:lstStyle/>
-          <a:p>
-            <a:r>
-              <a:rPr lang="pt-PT" dirty="0"/>
-              <a:t>Desenho da aplicação</a:t>
-            </a:r>
-          </a:p>
-        </p:txBody>
-      </p:sp>
-      <p:sp>
-        <p:nvSpPr>
-          <p:cNvPr id="6" name="Marcador de Posição de Conteúdo 5">
-            <a:extLst>
-              <a:ext uri="{FF2B5EF4-FFF2-40B4-BE49-F238E27FC236}">
-                <a16:creationId xmlns:a16="http://schemas.microsoft.com/office/drawing/2014/main" id="{64678CB2-167F-A613-1B35-62A3A74EA9C5}"/>
-              </a:ext>
-            </a:extLst>
-          </p:cNvPr>
-          <p:cNvSpPr>
-            <a:spLocks noGrp="1"/>
-          </p:cNvSpPr>
-          <p:nvPr>
-            <p:ph idx="1"/>
-          </p:nvPr>
-        </p:nvSpPr>
-        <p:spPr>
-          <a:xfrm>
-            <a:off x="1069848" y="2121408"/>
-            <a:ext cx="4377641" cy="3686005"/>
-          </a:xfrm>
-        </p:spPr>
-        <p:txBody>
-          <a:bodyPr/>
-          <a:lstStyle/>
-          <a:p>
-            <a:r>
-              <a:rPr lang="pt-PT" dirty="0"/>
-              <a:t>Com vista a idealizar o </a:t>
-            </a:r>
-            <a:r>
-              <a:rPr lang="pt-PT" i="1" dirty="0"/>
-              <a:t>design</a:t>
-            </a:r>
-            <a:r>
-              <a:rPr lang="pt-PT" dirty="0"/>
-              <a:t> da aplicação, foram feitos mockups com recurso ao site draw.io.</a:t>
-            </a:r>
-          </a:p>
-        </p:txBody>
-      </p:sp>
-      <p:pic>
-        <p:nvPicPr>
-          <p:cNvPr id="2" name="Imagem 1">
-            <a:extLst>
-              <a:ext uri="{FF2B5EF4-FFF2-40B4-BE49-F238E27FC236}">
-                <a16:creationId xmlns:a16="http://schemas.microsoft.com/office/drawing/2014/main" id="{10E89DB4-BD20-0106-F671-8437F1A27636}"/>
-              </a:ext>
-            </a:extLst>
-          </p:cNvPr>
-          <p:cNvPicPr>
-            <a:picLocks noChangeAspect="1"/>
-          </p:cNvPicPr>
-          <p:nvPr/>
-        </p:nvPicPr>
-        <p:blipFill>
-          <a:blip r:embed="rId2">
-            <a:extLst>
-              <a:ext uri="{28A0092B-C50C-407E-A947-70E740481C1C}">
-                <a14:useLocalDpi xmlns:a14="http://schemas.microsoft.com/office/drawing/2010/main" val="0"/>
-              </a:ext>
-            </a:extLst>
-          </a:blip>
-          <a:srcRect/>
-          <a:stretch>
-            <a:fillRect/>
-          </a:stretch>
-        </p:blipFill>
-        <p:spPr bwMode="auto">
-          <a:xfrm>
-            <a:off x="1069848" y="3301545"/>
-            <a:ext cx="5222444" cy="2924959"/>
-          </a:xfrm>
-          <a:prstGeom prst="rect">
-            <a:avLst/>
-          </a:prstGeom>
-          <a:noFill/>
-          <a:ln>
-            <a:noFill/>
-          </a:ln>
-        </p:spPr>
-      </p:pic>
-      <p:pic>
-        <p:nvPicPr>
-          <p:cNvPr id="3" name="Imagem 2">
-            <a:extLst>
-              <a:ext uri="{FF2B5EF4-FFF2-40B4-BE49-F238E27FC236}">
-                <a16:creationId xmlns:a16="http://schemas.microsoft.com/office/drawing/2014/main" id="{41051199-7410-1B04-C46B-08C37EB69AAA}"/>
-              </a:ext>
-            </a:extLst>
-          </p:cNvPr>
-          <p:cNvPicPr>
-            <a:picLocks noChangeAspect="1"/>
-          </p:cNvPicPr>
-          <p:nvPr/>
-        </p:nvPicPr>
-        <p:blipFill>
-          <a:blip r:embed="rId3">
-            <a:extLst>
-              <a:ext uri="{28A0092B-C50C-407E-A947-70E740481C1C}">
-                <a14:useLocalDpi xmlns:a14="http://schemas.microsoft.com/office/drawing/2010/main" val="0"/>
-              </a:ext>
-            </a:extLst>
-          </a:blip>
-          <a:srcRect/>
-          <a:stretch>
-            <a:fillRect/>
-          </a:stretch>
-        </p:blipFill>
-        <p:spPr bwMode="auto">
-          <a:xfrm>
-            <a:off x="6421160" y="3301544"/>
-            <a:ext cx="5215681" cy="2924959"/>
-          </a:xfrm>
-          <a:prstGeom prst="rect">
-            <a:avLst/>
-          </a:prstGeom>
-          <a:noFill/>
-          <a:ln>
-            <a:noFill/>
-          </a:ln>
-        </p:spPr>
-      </p:pic>
-    </p:spTree>
-    <p:extLst>
-      <p:ext uri="{BB962C8B-B14F-4D97-AF65-F5344CB8AC3E}">
-        <p14:creationId xmlns:p14="http://schemas.microsoft.com/office/powerpoint/2010/main" val="3252583076"/>
-      </p:ext>
-    </p:extLst>
-  </p:cSld>
-  <p:clrMapOvr>
-    <a:masterClrMapping/>
-  </p:clrMapOvr>
-</p:sld>
-</file>
-
-<file path=ppt/slides/slide17.xml><?xml version="1.0" encoding="utf-8"?>
-<p:sld xmlns:a="http://schemas.openxmlformats.org/drawingml/2006/main" xmlns:r="http://schemas.openxmlformats.org/officeDocument/2006/relationships" xmlns:p="http://schemas.openxmlformats.org/presentationml/2006/main">
-  <p:cSld>
-    <p:spTree>
-      <p:nvGrpSpPr>
-        <p:cNvPr id="1" name=""/>
-        <p:cNvGrpSpPr/>
-        <p:nvPr/>
-      </p:nvGrpSpPr>
-      <p:grpSpPr>
-        <a:xfrm>
-          <a:off x="0" y="0"/>
-          <a:ext cx="0" cy="0"/>
-          <a:chOff x="0" y="0"/>
-          <a:chExt cx="0" cy="0"/>
-        </a:xfrm>
-      </p:grpSpPr>
-      <p:sp>
-        <p:nvSpPr>
-          <p:cNvPr id="2" name="Título 1">
-            <a:extLst>
-              <a:ext uri="{FF2B5EF4-FFF2-40B4-BE49-F238E27FC236}">
-                <a16:creationId xmlns:a16="http://schemas.microsoft.com/office/drawing/2014/main" id="{3A5AF976-C60E-AC1D-FF16-FE673D16AFDE}"/>
-              </a:ext>
-            </a:extLst>
-          </p:cNvPr>
-          <p:cNvSpPr>
-            <a:spLocks noGrp="1"/>
-          </p:cNvSpPr>
-          <p:nvPr>
-            <p:ph type="title"/>
-          </p:nvPr>
-        </p:nvSpPr>
-        <p:spPr/>
-        <p:txBody>
-          <a:bodyPr/>
-          <a:lstStyle/>
-          <a:p>
-            <a:r>
-              <a:rPr lang="pt-PT" dirty="0"/>
-              <a:t>Diagrama de Classes</a:t>
-            </a:r>
-          </a:p>
-        </p:txBody>
-      </p:sp>
-      <p:sp>
-        <p:nvSpPr>
-          <p:cNvPr id="3" name="Marcador de Posição de Conteúdo 2">
-            <a:extLst>
-              <a:ext uri="{FF2B5EF4-FFF2-40B4-BE49-F238E27FC236}">
-                <a16:creationId xmlns:a16="http://schemas.microsoft.com/office/drawing/2014/main" id="{A04DDA91-7F1A-A888-3AD0-14748FA8B324}"/>
-              </a:ext>
-            </a:extLst>
-          </p:cNvPr>
-          <p:cNvSpPr>
-            <a:spLocks noGrp="1"/>
-          </p:cNvSpPr>
-          <p:nvPr>
-            <p:ph idx="1"/>
-          </p:nvPr>
-        </p:nvSpPr>
-        <p:spPr>
-          <a:xfrm>
-            <a:off x="1069848" y="2121408"/>
-            <a:ext cx="4343400" cy="4050792"/>
-          </a:xfrm>
-        </p:spPr>
-        <p:txBody>
-          <a:bodyPr/>
-          <a:lstStyle/>
-          <a:p>
-            <a:r>
-              <a:rPr lang="pt-PT" dirty="0"/>
-              <a:t>Ao contrário do projeto da Unidade Curricular já apresentado, neste foi construído o diagrama de classes com vista a ajudar na criação da base de dados e na sua manipulação.</a:t>
-            </a:r>
-          </a:p>
-        </p:txBody>
-      </p:sp>
-      <p:pic>
-        <p:nvPicPr>
-          <p:cNvPr id="4" name="Imagem 3">
-            <a:extLst>
-              <a:ext uri="{FF2B5EF4-FFF2-40B4-BE49-F238E27FC236}">
-                <a16:creationId xmlns:a16="http://schemas.microsoft.com/office/drawing/2014/main" id="{DA7BAC6A-AF08-7E7E-5A74-9D1AA465FFFD}"/>
-              </a:ext>
-            </a:extLst>
-          </p:cNvPr>
-          <p:cNvPicPr>
-            <a:picLocks noChangeAspect="1"/>
-          </p:cNvPicPr>
-          <p:nvPr/>
-        </p:nvPicPr>
-        <p:blipFill>
-          <a:blip r:embed="rId2">
-            <a:extLst>
-              <a:ext uri="{28A0092B-C50C-407E-A947-70E740481C1C}">
-                <a14:useLocalDpi xmlns:a14="http://schemas.microsoft.com/office/drawing/2010/main" val="0"/>
-              </a:ext>
-            </a:extLst>
-          </a:blip>
-          <a:srcRect/>
-          <a:stretch>
-            <a:fillRect/>
-          </a:stretch>
-        </p:blipFill>
-        <p:spPr bwMode="auto">
-          <a:xfrm>
-            <a:off x="6778754" y="1005650"/>
-            <a:ext cx="4791494" cy="5166550"/>
-          </a:xfrm>
-          <a:prstGeom prst="rect">
-            <a:avLst/>
-          </a:prstGeom>
-          <a:noFill/>
-          <a:ln>
-            <a:noFill/>
-          </a:ln>
-        </p:spPr>
-      </p:pic>
-    </p:spTree>
-    <p:extLst>
-      <p:ext uri="{BB962C8B-B14F-4D97-AF65-F5344CB8AC3E}">
-        <p14:creationId xmlns:p14="http://schemas.microsoft.com/office/powerpoint/2010/main" val="4032738510"/>
-      </p:ext>
-    </p:extLst>
-  </p:cSld>
-  <p:clrMapOvr>
-    <a:masterClrMapping/>
-  </p:clrMapOvr>
-</p:sld>
-</file>
-
-<file path=ppt/slides/slide18.xml><?xml version="1.0" encoding="utf-8"?>
-<p:sld xmlns:a="http://schemas.openxmlformats.org/drawingml/2006/main" xmlns:r="http://schemas.openxmlformats.org/officeDocument/2006/relationships" xmlns:p="http://schemas.openxmlformats.org/presentationml/2006/main">
-  <p:cSld>
-    <p:spTree>
-      <p:nvGrpSpPr>
-        <p:cNvPr id="1" name=""/>
-        <p:cNvGrpSpPr/>
-        <p:nvPr/>
-      </p:nvGrpSpPr>
-      <p:grpSpPr>
-        <a:xfrm>
-          <a:off x="0" y="0"/>
-          <a:ext cx="0" cy="0"/>
-          <a:chOff x="0" y="0"/>
-          <a:chExt cx="0" cy="0"/>
-        </a:xfrm>
-      </p:grpSpPr>
-      <p:sp>
-        <p:nvSpPr>
-          <p:cNvPr id="2" name="Título 1">
-            <a:extLst>
-              <a:ext uri="{FF2B5EF4-FFF2-40B4-BE49-F238E27FC236}">
-                <a16:creationId xmlns:a16="http://schemas.microsoft.com/office/drawing/2014/main" id="{32B5880D-1265-AA60-597C-E28A61C93D88}"/>
-              </a:ext>
-            </a:extLst>
-          </p:cNvPr>
-          <p:cNvSpPr>
-            <a:spLocks noGrp="1"/>
-          </p:cNvSpPr>
-          <p:nvPr>
-            <p:ph type="title"/>
-          </p:nvPr>
-        </p:nvSpPr>
-        <p:spPr/>
-        <p:txBody>
-          <a:bodyPr/>
-          <a:lstStyle/>
-          <a:p>
-            <a:r>
-              <a:rPr lang="pt-PT" dirty="0" err="1"/>
-              <a:t>Scrum</a:t>
-            </a:r>
-            <a:r>
-              <a:rPr lang="pt-PT" dirty="0"/>
-              <a:t> team</a:t>
-            </a:r>
-          </a:p>
-        </p:txBody>
-      </p:sp>
-      <p:graphicFrame>
-        <p:nvGraphicFramePr>
-          <p:cNvPr id="4" name="Tabela 4">
-            <a:extLst>
-              <a:ext uri="{FF2B5EF4-FFF2-40B4-BE49-F238E27FC236}">
-                <a16:creationId xmlns:a16="http://schemas.microsoft.com/office/drawing/2014/main" id="{191A9209-A1A7-7201-7756-3162427BB2E7}"/>
-              </a:ext>
-            </a:extLst>
-          </p:cNvPr>
-          <p:cNvGraphicFramePr>
-            <a:graphicFrameLocks noGrp="1"/>
-          </p:cNvGraphicFramePr>
-          <p:nvPr>
-            <p:ph idx="1"/>
-            <p:extLst>
-              <p:ext uri="{D42A27DB-BD31-4B8C-83A1-F6EECF244321}">
-                <p14:modId xmlns:p14="http://schemas.microsoft.com/office/powerpoint/2010/main" val="914584873"/>
-              </p:ext>
-            </p:extLst>
-          </p:nvPr>
-        </p:nvGraphicFramePr>
-        <p:xfrm>
-          <a:off x="1069975" y="2120900"/>
-          <a:ext cx="10058397" cy="3479800"/>
-        </p:xfrm>
-        <a:graphic>
-          <a:graphicData uri="http://schemas.openxmlformats.org/drawingml/2006/table">
-            <a:tbl>
-              <a:tblPr firstRow="1" bandRow="1">
-                <a:tableStyleId>{69012ECD-51FC-41F1-AA8D-1B2483CD663E}</a:tableStyleId>
-              </a:tblPr>
-              <a:tblGrid>
-                <a:gridCol w="3352799">
-                  <a:extLst>
-                    <a:ext uri="{9D8B030D-6E8A-4147-A177-3AD203B41FA5}">
-                      <a16:colId xmlns:a16="http://schemas.microsoft.com/office/drawing/2014/main" val="92370018"/>
-                    </a:ext>
-                  </a:extLst>
-                </a:gridCol>
-                <a:gridCol w="2636394">
-                  <a:extLst>
-                    <a:ext uri="{9D8B030D-6E8A-4147-A177-3AD203B41FA5}">
-                      <a16:colId xmlns:a16="http://schemas.microsoft.com/office/drawing/2014/main" val="1104499109"/>
-                    </a:ext>
-                  </a:extLst>
-                </a:gridCol>
-                <a:gridCol w="4069204">
-                  <a:extLst>
-                    <a:ext uri="{9D8B030D-6E8A-4147-A177-3AD203B41FA5}">
-                      <a16:colId xmlns:a16="http://schemas.microsoft.com/office/drawing/2014/main" val="2079809318"/>
-                    </a:ext>
-                  </a:extLst>
-                </a:gridCol>
-              </a:tblGrid>
-              <a:tr h="370840">
-                <a:tc>
-                  <a:txBody>
-                    <a:bodyPr/>
-                    <a:lstStyle/>
-                    <a:p>
-                      <a:endParaRPr lang="pt-PT"/>
-                    </a:p>
-                  </a:txBody>
-                  <a:tcPr/>
-                </a:tc>
-                <a:tc>
-                  <a:txBody>
-                    <a:bodyPr/>
-                    <a:lstStyle/>
-                    <a:p>
-                      <a:r>
-                        <a:rPr lang="pt-PT" b="1" dirty="0"/>
-                        <a:t>Nome</a:t>
-                      </a:r>
-                    </a:p>
-                  </a:txBody>
-                  <a:tcPr/>
-                </a:tc>
-                <a:tc>
-                  <a:txBody>
-                    <a:bodyPr/>
-                    <a:lstStyle/>
-                    <a:p>
-                      <a:r>
-                        <a:rPr lang="pt-PT" dirty="0"/>
-                        <a:t>Funções</a:t>
-                      </a:r>
-                    </a:p>
-                  </a:txBody>
-                  <a:tcPr/>
-                </a:tc>
-                <a:extLst>
-                  <a:ext uri="{0D108BD9-81ED-4DB2-BD59-A6C34878D82A}">
-                    <a16:rowId xmlns:a16="http://schemas.microsoft.com/office/drawing/2014/main" val="1620151170"/>
-                  </a:ext>
-                </a:extLst>
-              </a:tr>
-              <a:tr h="370840">
-                <a:tc>
-                  <a:txBody>
-                    <a:bodyPr/>
-                    <a:lstStyle/>
-                    <a:p>
-                      <a:r>
-                        <a:rPr lang="pt-PT" dirty="0" err="1"/>
-                        <a:t>Client</a:t>
-                      </a:r>
-                      <a:endParaRPr lang="pt-PT" dirty="0"/>
-                    </a:p>
-                  </a:txBody>
-                  <a:tcPr/>
-                </a:tc>
-                <a:tc>
-                  <a:txBody>
-                    <a:bodyPr/>
-                    <a:lstStyle/>
-                    <a:p>
-                      <a:r>
-                        <a:rPr lang="pt-PT" dirty="0"/>
-                        <a:t>Joana Pedrosa</a:t>
-                      </a:r>
-                    </a:p>
-                  </a:txBody>
-                  <a:tcPr/>
-                </a:tc>
-                <a:tc>
-                  <a:txBody>
-                    <a:bodyPr/>
-                    <a:lstStyle/>
-                    <a:p>
-                      <a:r>
-                        <a:rPr lang="pt-PT" sz="1800" kern="1200" dirty="0">
-                          <a:solidFill>
-                            <a:schemeClr val="tx1"/>
-                          </a:solidFill>
-                          <a:effectLst/>
-                          <a:latin typeface="+mn-lt"/>
-                          <a:ea typeface="+mn-ea"/>
-                          <a:cs typeface="+mn-cs"/>
-                        </a:rPr>
-                        <a:t>Atualização dos requerimentos do projeto.</a:t>
-                      </a:r>
-                      <a:endParaRPr lang="pt-PT" dirty="0"/>
-                    </a:p>
-                  </a:txBody>
-                  <a:tcPr/>
-                </a:tc>
-                <a:extLst>
-                  <a:ext uri="{0D108BD9-81ED-4DB2-BD59-A6C34878D82A}">
-                    <a16:rowId xmlns:a16="http://schemas.microsoft.com/office/drawing/2014/main" val="2957015678"/>
-                  </a:ext>
-                </a:extLst>
-              </a:tr>
-              <a:tr h="370840">
-                <a:tc>
-                  <a:txBody>
-                    <a:bodyPr/>
-                    <a:lstStyle/>
-                    <a:p>
-                      <a:r>
-                        <a:rPr lang="pt-PT" dirty="0" err="1"/>
-                        <a:t>Product</a:t>
-                      </a:r>
-                      <a:r>
-                        <a:rPr lang="pt-PT" dirty="0"/>
-                        <a:t> </a:t>
-                      </a:r>
-                      <a:r>
-                        <a:rPr lang="pt-PT" dirty="0" err="1"/>
-                        <a:t>Owner</a:t>
-                      </a:r>
-                      <a:endParaRPr lang="pt-PT" dirty="0"/>
-                    </a:p>
-                  </a:txBody>
-                  <a:tcPr/>
-                </a:tc>
-                <a:tc>
-                  <a:txBody>
-                    <a:bodyPr/>
-                    <a:lstStyle/>
-                    <a:p>
-                      <a:r>
-                        <a:rPr lang="pt-PT" dirty="0"/>
-                        <a:t>David Francisco</a:t>
-                      </a:r>
-                    </a:p>
-                  </a:txBody>
-                  <a:tcPr/>
-                </a:tc>
-                <a:tc>
-                  <a:txBody>
-                    <a:bodyPr/>
-                    <a:lstStyle/>
-                    <a:p>
-                      <a:pPr lvl="0"/>
-                      <a:r>
-                        <a:rPr lang="pt-PT" sz="1800" kern="1200" dirty="0">
-                          <a:solidFill>
-                            <a:schemeClr val="tx1"/>
-                          </a:solidFill>
-                          <a:effectLst/>
-                          <a:latin typeface="+mn-lt"/>
-                          <a:ea typeface="+mn-ea"/>
-                          <a:cs typeface="+mn-cs"/>
-                        </a:rPr>
-                        <a:t>Acompanhamento no projeto;</a:t>
-                      </a:r>
-                    </a:p>
-                    <a:p>
-                      <a:r>
-                        <a:rPr lang="pt-PT" sz="1800" kern="1200" dirty="0">
-                          <a:solidFill>
-                            <a:schemeClr val="tx1"/>
-                          </a:solidFill>
-                          <a:effectLst/>
-                          <a:latin typeface="+mn-lt"/>
-                          <a:ea typeface="+mn-ea"/>
-                          <a:cs typeface="+mn-cs"/>
-                        </a:rPr>
-                        <a:t>Confirmação dos desenvolvimentos e conclusão das sprints.</a:t>
-                      </a:r>
-                      <a:endParaRPr lang="pt-PT" dirty="0"/>
-                    </a:p>
-                  </a:txBody>
-                  <a:tcPr/>
-                </a:tc>
-                <a:extLst>
-                  <a:ext uri="{0D108BD9-81ED-4DB2-BD59-A6C34878D82A}">
-                    <a16:rowId xmlns:a16="http://schemas.microsoft.com/office/drawing/2014/main" val="771784140"/>
-                  </a:ext>
-                </a:extLst>
-              </a:tr>
-              <a:tr h="370840">
-                <a:tc>
-                  <a:txBody>
-                    <a:bodyPr/>
-                    <a:lstStyle/>
-                    <a:p>
-                      <a:r>
-                        <a:rPr lang="pt-PT" dirty="0" err="1"/>
-                        <a:t>Scrum</a:t>
-                      </a:r>
-                      <a:r>
-                        <a:rPr lang="pt-PT" dirty="0"/>
-                        <a:t> Master</a:t>
-                      </a:r>
-                    </a:p>
-                  </a:txBody>
-                  <a:tcPr/>
-                </a:tc>
-                <a:tc>
-                  <a:txBody>
-                    <a:bodyPr/>
-                    <a:lstStyle/>
-                    <a:p>
-                      <a:r>
-                        <a:rPr lang="pt-PT" dirty="0"/>
-                        <a:t>Hugo Gomes</a:t>
-                      </a:r>
-                    </a:p>
-                  </a:txBody>
-                  <a:tcPr/>
-                </a:tc>
-                <a:tc>
-                  <a:txBody>
-                    <a:bodyPr/>
-                    <a:lstStyle/>
-                    <a:p>
-                      <a:pPr lvl="0"/>
-                      <a:r>
-                        <a:rPr lang="pt-PT" sz="1800" kern="1200" dirty="0">
-                          <a:solidFill>
-                            <a:schemeClr val="tx1"/>
-                          </a:solidFill>
-                          <a:effectLst/>
-                          <a:latin typeface="+mn-lt"/>
-                          <a:ea typeface="+mn-ea"/>
-                          <a:cs typeface="+mn-cs"/>
-                        </a:rPr>
-                        <a:t>Planeamento dos objetivos;</a:t>
-                      </a:r>
-                    </a:p>
-                    <a:p>
-                      <a:r>
-                        <a:rPr lang="pt-PT" sz="1800" kern="1200" dirty="0">
-                          <a:solidFill>
-                            <a:schemeClr val="tx1"/>
-                          </a:solidFill>
-                          <a:effectLst/>
-                          <a:latin typeface="+mn-lt"/>
-                          <a:ea typeface="+mn-ea"/>
-                          <a:cs typeface="+mn-cs"/>
-                        </a:rPr>
-                        <a:t>Atualização das sprints.</a:t>
-                      </a:r>
-                      <a:endParaRPr lang="pt-PT" dirty="0"/>
-                    </a:p>
-                  </a:txBody>
-                  <a:tcPr/>
-                </a:tc>
-                <a:extLst>
-                  <a:ext uri="{0D108BD9-81ED-4DB2-BD59-A6C34878D82A}">
-                    <a16:rowId xmlns:a16="http://schemas.microsoft.com/office/drawing/2014/main" val="1170916597"/>
-                  </a:ext>
-                </a:extLst>
-              </a:tr>
-              <a:tr h="370840">
-                <a:tc>
-                  <a:txBody>
-                    <a:bodyPr/>
-                    <a:lstStyle/>
-                    <a:p>
-                      <a:r>
-                        <a:rPr lang="pt-PT" dirty="0" err="1"/>
-                        <a:t>Development</a:t>
-                      </a:r>
-                      <a:r>
-                        <a:rPr lang="pt-PT" dirty="0"/>
-                        <a:t> Team</a:t>
-                      </a:r>
-                    </a:p>
-                  </a:txBody>
-                  <a:tcPr/>
-                </a:tc>
-                <a:tc>
-                  <a:txBody>
-                    <a:bodyPr/>
-                    <a:lstStyle/>
-                    <a:p>
-                      <a:r>
-                        <a:rPr lang="pt-PT" dirty="0"/>
-                        <a:t>David Domingues</a:t>
-                      </a:r>
-                    </a:p>
-                    <a:p>
-                      <a:r>
-                        <a:rPr lang="pt-PT" dirty="0"/>
-                        <a:t>Hugo Gomes</a:t>
-                      </a:r>
-                    </a:p>
-                    <a:p>
-                      <a:r>
-                        <a:rPr lang="pt-PT" dirty="0"/>
-                        <a:t>Ruben Soares</a:t>
-                      </a:r>
-                    </a:p>
-                  </a:txBody>
-                  <a:tcPr/>
-                </a:tc>
-                <a:tc>
-                  <a:txBody>
-                    <a:bodyPr/>
-                    <a:lstStyle/>
-                    <a:p>
-                      <a:pPr lvl="0"/>
-                      <a:r>
-                        <a:rPr lang="pt-PT" sz="1800" kern="1200" dirty="0">
-                          <a:solidFill>
-                            <a:schemeClr val="tx1"/>
-                          </a:solidFill>
-                          <a:effectLst/>
-                          <a:latin typeface="+mn-lt"/>
-                          <a:ea typeface="+mn-ea"/>
-                          <a:cs typeface="+mn-cs"/>
-                        </a:rPr>
-                        <a:t>Desenvolvimento da aplicação;</a:t>
-                      </a:r>
-                    </a:p>
-                    <a:p>
-                      <a:r>
-                        <a:rPr lang="pt-PT" sz="1800" kern="1200" dirty="0">
-                          <a:solidFill>
-                            <a:schemeClr val="tx1"/>
-                          </a:solidFill>
-                          <a:effectLst/>
-                          <a:latin typeface="+mn-lt"/>
-                          <a:ea typeface="+mn-ea"/>
-                          <a:cs typeface="+mn-cs"/>
-                        </a:rPr>
-                        <a:t>Realização do relatório.</a:t>
-                      </a:r>
-                      <a:endParaRPr lang="pt-PT" dirty="0"/>
-                    </a:p>
-                  </a:txBody>
-                  <a:tcPr/>
-                </a:tc>
-                <a:extLst>
-                  <a:ext uri="{0D108BD9-81ED-4DB2-BD59-A6C34878D82A}">
-                    <a16:rowId xmlns:a16="http://schemas.microsoft.com/office/drawing/2014/main" val="2236872564"/>
-                  </a:ext>
-                </a:extLst>
-              </a:tr>
-            </a:tbl>
-          </a:graphicData>
-        </a:graphic>
-      </p:graphicFrame>
-    </p:spTree>
-    <p:extLst>
-      <p:ext uri="{BB962C8B-B14F-4D97-AF65-F5344CB8AC3E}">
-        <p14:creationId xmlns:p14="http://schemas.microsoft.com/office/powerpoint/2010/main" val="3125291072"/>
-      </p:ext>
-    </p:extLst>
-  </p:cSld>
-  <p:clrMapOvr>
-    <a:masterClrMapping/>
-  </p:clrMapOvr>
-</p:sld>
-</file>
-
-<file path=ppt/slides/slide19.xml><?xml version="1.0" encoding="utf-8"?>
-<p:sld xmlns:a="http://schemas.openxmlformats.org/drawingml/2006/main" xmlns:r="http://schemas.openxmlformats.org/officeDocument/2006/relationships" xmlns:p="http://schemas.openxmlformats.org/presentationml/2006/main">
-  <p:cSld>
-    <p:spTree>
-      <p:nvGrpSpPr>
-        <p:cNvPr id="1" name=""/>
-        <p:cNvGrpSpPr/>
-        <p:nvPr/>
-      </p:nvGrpSpPr>
-      <p:grpSpPr>
-        <a:xfrm>
-          <a:off x="0" y="0"/>
-          <a:ext cx="0" cy="0"/>
-          <a:chOff x="0" y="0"/>
-          <a:chExt cx="0" cy="0"/>
-        </a:xfrm>
-      </p:grpSpPr>
-      <p:sp>
-        <p:nvSpPr>
-          <p:cNvPr id="2" name="Título 1">
-            <a:extLst>
-              <a:ext uri="{FF2B5EF4-FFF2-40B4-BE49-F238E27FC236}">
-                <a16:creationId xmlns:a16="http://schemas.microsoft.com/office/drawing/2014/main" id="{33A21A64-7428-0FD4-857E-CEADBC952D42}"/>
-              </a:ext>
-            </a:extLst>
-          </p:cNvPr>
-          <p:cNvSpPr>
-            <a:spLocks noGrp="1"/>
-          </p:cNvSpPr>
-          <p:nvPr>
-            <p:ph type="title"/>
-          </p:nvPr>
-        </p:nvSpPr>
-        <p:spPr/>
-        <p:txBody>
-          <a:bodyPr/>
-          <a:lstStyle/>
-          <a:p>
-            <a:r>
-              <a:rPr lang="pt-PT" dirty="0"/>
-              <a:t>User </a:t>
-            </a:r>
-            <a:r>
-              <a:rPr lang="pt-PT" dirty="0" err="1"/>
-              <a:t>stories</a:t>
-            </a:r>
-            <a:endParaRPr lang="pt-PT" dirty="0"/>
-          </a:p>
-        </p:txBody>
-      </p:sp>
-      <p:pic>
-        <p:nvPicPr>
-          <p:cNvPr id="6" name="Imagem 5">
-            <a:extLst>
-              <a:ext uri="{FF2B5EF4-FFF2-40B4-BE49-F238E27FC236}">
-                <a16:creationId xmlns:a16="http://schemas.microsoft.com/office/drawing/2014/main" id="{97B403A6-F106-2AF2-A538-F5A97309F1C0}"/>
-              </a:ext>
-            </a:extLst>
-          </p:cNvPr>
-          <p:cNvPicPr>
-            <a:picLocks noChangeAspect="1"/>
-          </p:cNvPicPr>
-          <p:nvPr/>
-        </p:nvPicPr>
-        <p:blipFill>
-          <a:blip r:embed="rId2"/>
-          <a:stretch>
-            <a:fillRect/>
-          </a:stretch>
-        </p:blipFill>
-        <p:spPr>
-          <a:xfrm>
-            <a:off x="3017253" y="1971129"/>
-            <a:ext cx="6157494" cy="4160881"/>
-          </a:xfrm>
-          <a:prstGeom prst="rect">
-            <a:avLst/>
-          </a:prstGeom>
-        </p:spPr>
-      </p:pic>
-    </p:spTree>
-    <p:extLst>
-      <p:ext uri="{BB962C8B-B14F-4D97-AF65-F5344CB8AC3E}">
-        <p14:creationId xmlns:p14="http://schemas.microsoft.com/office/powerpoint/2010/main" val="2531411457"/>
+        <p14:creationId xmlns:p14="http://schemas.microsoft.com/office/powerpoint/2010/main" val="3055564133"/>
       </p:ext>
     </p:extLst>
   </p:cSld>
@@ -6786,7 +6213,7 @@
 </p:sld>
 </file>
 
-<file path=ppt/slides/slide20.xml><?xml version="1.0" encoding="utf-8"?>
+<file path=ppt/slides/slide3.xml><?xml version="1.0" encoding="utf-8"?>
 <p:sld xmlns:a="http://schemas.openxmlformats.org/drawingml/2006/main" xmlns:r="http://schemas.openxmlformats.org/officeDocument/2006/relationships" xmlns:p="http://schemas.openxmlformats.org/presentationml/2006/main">
   <p:cSld>
     <p:spTree>
@@ -6805,10 +6232,10 @@
       </p:grpSpPr>
       <p:sp>
         <p:nvSpPr>
-          <p:cNvPr id="2" name="Título 1">
+          <p:cNvPr id="4" name="Título 3">
             <a:extLst>
               <a:ext uri="{FF2B5EF4-FFF2-40B4-BE49-F238E27FC236}">
-                <a16:creationId xmlns:a16="http://schemas.microsoft.com/office/drawing/2014/main" id="{8B99C492-46C8-B154-1B3D-BBEE846EC7D9}"/>
+                <a16:creationId xmlns:a16="http://schemas.microsoft.com/office/drawing/2014/main" id="{DED111C7-1957-2D00-6C43-AD88532F7641}"/>
               </a:ext>
             </a:extLst>
           </p:cNvPr>
@@ -6816,7 +6243,7 @@
             <a:spLocks noGrp="1"/>
           </p:cNvSpPr>
           <p:nvPr>
-            <p:ph type="title"/>
+            <p:ph type="ctrTitle"/>
           </p:nvPr>
         </p:nvSpPr>
         <p:spPr/>
@@ -6825,56 +6252,8 @@
           <a:lstStyle/>
           <a:p>
             <a:r>
-              <a:rPr lang="pt-PT" dirty="0"/>
-              <a:t>Sprints</a:t>
-            </a:r>
-          </a:p>
-        </p:txBody>
-      </p:sp>
-      <p:sp>
-        <p:nvSpPr>
-          <p:cNvPr id="3" name="Marcador de Posição de Conteúdo 2">
-            <a:extLst>
-              <a:ext uri="{FF2B5EF4-FFF2-40B4-BE49-F238E27FC236}">
-                <a16:creationId xmlns:a16="http://schemas.microsoft.com/office/drawing/2014/main" id="{DD5A512E-9246-5909-1F72-30E9C6784CED}"/>
-              </a:ext>
-            </a:extLst>
-          </p:cNvPr>
-          <p:cNvSpPr>
-            <a:spLocks noGrp="1"/>
-          </p:cNvSpPr>
-          <p:nvPr>
-            <p:ph idx="1"/>
-          </p:nvPr>
-        </p:nvSpPr>
-        <p:spPr/>
-        <p:txBody>
-          <a:bodyPr/>
-          <a:lstStyle/>
-          <a:p>
-            <a:r>
-              <a:rPr lang="pt-PT" dirty="0"/>
-              <a:t>Como anteriormente referido, para a gestão de tarefas e tempos, foi utilizada a ferramenta </a:t>
-            </a:r>
-            <a:r>
-              <a:rPr lang="pt-PT" i="1" dirty="0" err="1"/>
-              <a:t>Jira</a:t>
-            </a:r>
-            <a:r>
-              <a:rPr lang="pt-PT" i="1" dirty="0"/>
-              <a:t>. </a:t>
-            </a:r>
-            <a:r>
-              <a:rPr lang="pt-PT" dirty="0"/>
-              <a:t>Como resultado, o projeto foi </a:t>
-            </a:r>
-            <a:r>
-              <a:rPr lang="pt-PT" dirty="0" err="1"/>
-              <a:t>s«desenvolvido</a:t>
-            </a:r>
-            <a:r>
-              <a:rPr lang="pt-PT" dirty="0"/>
-              <a:t> em 4 sprints com a duração de 2 semanas cada.</a:t>
+              <a:rPr lang="pt-PT" sz="6600" dirty="0"/>
+              <a:t>Desenvolvimento de Aplicações</a:t>
             </a:r>
           </a:p>
         </p:txBody>
@@ -6882,7 +6261,7 @@
     </p:spTree>
     <p:extLst>
       <p:ext uri="{BB962C8B-B14F-4D97-AF65-F5344CB8AC3E}">
-        <p14:creationId xmlns:p14="http://schemas.microsoft.com/office/powerpoint/2010/main" val="4201342693"/>
+        <p14:creationId xmlns:p14="http://schemas.microsoft.com/office/powerpoint/2010/main" val="1070370795"/>
       </p:ext>
     </p:extLst>
   </p:cSld>
@@ -6892,7 +6271,7 @@
 </p:sld>
 </file>
 
-<file path=ppt/slides/slide21.xml><?xml version="1.0" encoding="utf-8"?>
+<file path=ppt/slides/slide4.xml><?xml version="1.0" encoding="utf-8"?>
 <p:sld xmlns:a="http://schemas.openxmlformats.org/drawingml/2006/main" xmlns:r="http://schemas.openxmlformats.org/officeDocument/2006/relationships" xmlns:p="http://schemas.openxmlformats.org/presentationml/2006/main">
   <p:cSld>
     <p:spTree>
@@ -6911,10 +6290,10 @@
       </p:grpSpPr>
       <p:sp>
         <p:nvSpPr>
-          <p:cNvPr id="3" name="Marcador de Posição do Texto 2">
+          <p:cNvPr id="5" name="Título 4">
             <a:extLst>
               <a:ext uri="{FF2B5EF4-FFF2-40B4-BE49-F238E27FC236}">
-                <a16:creationId xmlns:a16="http://schemas.microsoft.com/office/drawing/2014/main" id="{8B7F1575-8F26-B595-DAF8-08DD2B93B21E}"/>
+                <a16:creationId xmlns:a16="http://schemas.microsoft.com/office/drawing/2014/main" id="{3757DB78-D0EE-B8DF-4EE0-ECB76B09C675}"/>
               </a:ext>
             </a:extLst>
           </p:cNvPr>
@@ -6922,32 +6301,27 @@
             <a:spLocks noGrp="1"/>
           </p:cNvSpPr>
           <p:nvPr>
-            <p:ph type="body" idx="1"/>
-          </p:nvPr>
-        </p:nvSpPr>
-        <p:spPr>
-          <a:xfrm>
-            <a:off x="1069848" y="630936"/>
-            <a:ext cx="4754880" cy="640080"/>
-          </a:xfrm>
-        </p:spPr>
+            <p:ph type="title"/>
+          </p:nvPr>
+        </p:nvSpPr>
+        <p:spPr/>
         <p:txBody>
           <a:bodyPr/>
           <a:lstStyle/>
           <a:p>
             <a:r>
               <a:rPr lang="pt-PT" dirty="0"/>
-              <a:t>Sprint 3</a:t>
-            </a:r>
-          </a:p>
-        </p:txBody>
-      </p:sp>
-      <p:sp>
-        <p:nvSpPr>
-          <p:cNvPr id="4" name="Marcador de Posição de Conteúdo 3">
+              <a:t>Desenho da aplicação</a:t>
+            </a:r>
+          </a:p>
+        </p:txBody>
+      </p:sp>
+      <p:sp>
+        <p:nvSpPr>
+          <p:cNvPr id="6" name="Marcador de Posição de Conteúdo 5">
             <a:extLst>
               <a:ext uri="{FF2B5EF4-FFF2-40B4-BE49-F238E27FC236}">
-                <a16:creationId xmlns:a16="http://schemas.microsoft.com/office/drawing/2014/main" id="{3A234716-42C5-145C-C0C5-1551216BC8E9}"/>
+                <a16:creationId xmlns:a16="http://schemas.microsoft.com/office/drawing/2014/main" id="{64678CB2-167F-A613-1B35-62A3A74EA9C5}"/>
               </a:ext>
             </a:extLst>
           </p:cNvPr>
@@ -6955,13 +6329,13 @@
             <a:spLocks noGrp="1"/>
           </p:cNvSpPr>
           <p:nvPr>
-            <p:ph sz="half" idx="2"/>
+            <p:ph idx="1"/>
           </p:nvPr>
         </p:nvSpPr>
         <p:spPr>
           <a:xfrm>
-            <a:off x="1069848" y="1417320"/>
-            <a:ext cx="4754880" cy="886968"/>
+            <a:off x="1069848" y="2121408"/>
+            <a:ext cx="4377641" cy="3686005"/>
           </a:xfrm>
         </p:spPr>
         <p:txBody>
@@ -6970,83 +6344,211 @@
           <a:p>
             <a:r>
               <a:rPr lang="pt-PT" dirty="0"/>
-              <a:t>Sprint desenvolvida entre 25 de maio a 7 de junho.</a:t>
-            </a:r>
-          </a:p>
-        </p:txBody>
-      </p:sp>
-      <p:sp>
-        <p:nvSpPr>
-          <p:cNvPr id="5" name="Marcador de Posição do Texto 4">
+              <a:t>Com vista a idealizar o </a:t>
+            </a:r>
+            <a:r>
+              <a:rPr lang="pt-PT" i="1" dirty="0"/>
+              <a:t>design</a:t>
+            </a:r>
+            <a:r>
+              <a:rPr lang="pt-PT" dirty="0"/>
+              <a:t> da aplicação, foram feitos mockups com recurso ao site draw.io.</a:t>
+            </a:r>
+          </a:p>
+        </p:txBody>
+      </p:sp>
+      <p:pic>
+        <p:nvPicPr>
+          <p:cNvPr id="7" name="Picture 3">
             <a:extLst>
               <a:ext uri="{FF2B5EF4-FFF2-40B4-BE49-F238E27FC236}">
-                <a16:creationId xmlns:a16="http://schemas.microsoft.com/office/drawing/2014/main" id="{FA63B222-7BD7-866C-4FC6-CF801A11B159}"/>
+                <a16:creationId xmlns:a16="http://schemas.microsoft.com/office/drawing/2014/main" id="{FF3B164B-7244-253F-B063-A4DBCDA9F48B}"/>
               </a:ext>
             </a:extLst>
           </p:cNvPr>
-          <p:cNvSpPr>
-            <a:spLocks noGrp="1"/>
-          </p:cNvSpPr>
-          <p:nvPr>
-            <p:ph type="body" sz="quarter" idx="3"/>
-          </p:nvPr>
-        </p:nvSpPr>
-        <p:spPr>
+          <p:cNvPicPr>
+            <a:picLocks noChangeAspect="1"/>
+          </p:cNvPicPr>
+          <p:nvPr/>
+        </p:nvPicPr>
+        <p:blipFill>
+          <a:blip r:embed="rId2">
+            <a:extLst>
+              <a:ext uri="{28A0092B-C50C-407E-A947-70E740481C1C}">
+                <a14:useLocalDpi xmlns:a14="http://schemas.microsoft.com/office/drawing/2010/main" val="0"/>
+              </a:ext>
+            </a:extLst>
+          </a:blip>
+          <a:srcRect/>
+          <a:stretch>
+            <a:fillRect/>
+          </a:stretch>
+        </p:blipFill>
+        <p:spPr bwMode="auto">
           <a:xfrm>
-            <a:off x="6367272" y="630936"/>
-            <a:ext cx="4754880" cy="640080"/>
+            <a:off x="1671795" y="3550596"/>
+            <a:ext cx="4028613" cy="2807821"/>
           </a:xfrm>
+          <a:prstGeom prst="rect">
+            <a:avLst/>
+          </a:prstGeom>
+          <a:noFill/>
+          <a:ln>
+            <a:noFill/>
+          </a:ln>
         </p:spPr>
-        <p:txBody>
-          <a:bodyPr/>
-          <a:lstStyle/>
-          <a:p>
-            <a:r>
-              <a:rPr lang="pt-PT" dirty="0"/>
-              <a:t>Sprint 4</a:t>
-            </a:r>
-          </a:p>
-        </p:txBody>
-      </p:sp>
-      <p:sp>
-        <p:nvSpPr>
-          <p:cNvPr id="6" name="Marcador de Posição de Conteúdo 5">
+      </p:pic>
+      <p:pic>
+        <p:nvPicPr>
+          <p:cNvPr id="3" name="Imagem 2">
             <a:extLst>
               <a:ext uri="{FF2B5EF4-FFF2-40B4-BE49-F238E27FC236}">
-                <a16:creationId xmlns:a16="http://schemas.microsoft.com/office/drawing/2014/main" id="{AFA4231A-5C35-3DF3-23A3-DE1205072A4E}"/>
+                <a16:creationId xmlns:a16="http://schemas.microsoft.com/office/drawing/2014/main" id="{7F56659C-92B9-2DA6-61E5-D0A9AFC8C77C}"/>
               </a:ext>
             </a:extLst>
           </p:cNvPr>
-          <p:cNvSpPr>
-            <a:spLocks noGrp="1"/>
-          </p:cNvSpPr>
-          <p:nvPr>
-            <p:ph sz="quarter" idx="4"/>
-          </p:nvPr>
-        </p:nvSpPr>
+          <p:cNvPicPr>
+            <a:picLocks noChangeAspect="1"/>
+          </p:cNvPicPr>
+          <p:nvPr/>
+        </p:nvPicPr>
+        <p:blipFill>
+          <a:blip r:embed="rId3"/>
+          <a:stretch>
+            <a:fillRect/>
+          </a:stretch>
+        </p:blipFill>
         <p:spPr>
           <a:xfrm>
-            <a:off x="6367272" y="1417320"/>
-            <a:ext cx="4754880" cy="886968"/>
+            <a:off x="6412885" y="3550596"/>
+            <a:ext cx="4494628" cy="2822772"/>
           </a:xfrm>
+          <a:prstGeom prst="rect">
+            <a:avLst/>
+          </a:prstGeom>
         </p:spPr>
+      </p:pic>
+    </p:spTree>
+    <p:extLst>
+      <p:ext uri="{BB962C8B-B14F-4D97-AF65-F5344CB8AC3E}">
+        <p14:creationId xmlns:p14="http://schemas.microsoft.com/office/powerpoint/2010/main" val="1147036249"/>
+      </p:ext>
+    </p:extLst>
+  </p:cSld>
+  <p:clrMapOvr>
+    <a:masterClrMapping/>
+  </p:clrMapOvr>
+</p:sld>
+</file>
+
+<file path=ppt/slides/slide5.xml><?xml version="1.0" encoding="utf-8"?>
+<p:sld xmlns:a="http://schemas.openxmlformats.org/drawingml/2006/main" xmlns:r="http://schemas.openxmlformats.org/officeDocument/2006/relationships" xmlns:p="http://schemas.openxmlformats.org/presentationml/2006/main">
+  <p:cSld>
+    <p:spTree>
+      <p:nvGrpSpPr>
+        <p:cNvPr id="1" name=""/>
+        <p:cNvGrpSpPr/>
+        <p:nvPr/>
+      </p:nvGrpSpPr>
+      <p:grpSpPr>
+        <a:xfrm>
+          <a:off x="0" y="0"/>
+          <a:ext cx="0" cy="0"/>
+          <a:chOff x="0" y="0"/>
+          <a:chExt cx="0" cy="0"/>
+        </a:xfrm>
+      </p:grpSpPr>
+      <p:sp>
+        <p:nvSpPr>
+          <p:cNvPr id="2" name="Título 1">
+            <a:extLst>
+              <a:ext uri="{FF2B5EF4-FFF2-40B4-BE49-F238E27FC236}">
+                <a16:creationId xmlns:a16="http://schemas.microsoft.com/office/drawing/2014/main" id="{33A21A64-7428-0FD4-857E-CEADBC952D42}"/>
+              </a:ext>
+            </a:extLst>
+          </p:cNvPr>
+          <p:cNvSpPr>
+            <a:spLocks noGrp="1"/>
+          </p:cNvSpPr>
+          <p:nvPr>
+            <p:ph type="title"/>
+          </p:nvPr>
+        </p:nvSpPr>
+        <p:spPr/>
         <p:txBody>
           <a:bodyPr/>
           <a:lstStyle/>
           <a:p>
             <a:r>
               <a:rPr lang="pt-PT" dirty="0"/>
-              <a:t>Sprint desenvolvida entre 8 de junho e 21 de junho de 2023</a:t>
+              <a:t>User </a:t>
+            </a:r>
+            <a:r>
+              <a:rPr lang="pt-PT" dirty="0" err="1"/>
+              <a:t>stories</a:t>
+            </a:r>
+            <a:endParaRPr lang="pt-PT" dirty="0"/>
+          </a:p>
+        </p:txBody>
+      </p:sp>
+      <p:sp>
+        <p:nvSpPr>
+          <p:cNvPr id="3" name="Marcador de Posição de Conteúdo 2">
+            <a:extLst>
+              <a:ext uri="{FF2B5EF4-FFF2-40B4-BE49-F238E27FC236}">
+                <a16:creationId xmlns:a16="http://schemas.microsoft.com/office/drawing/2014/main" id="{0CAE351A-6871-0BB0-780D-989DACA17BEB}"/>
+              </a:ext>
+            </a:extLst>
+          </p:cNvPr>
+          <p:cNvSpPr>
+            <a:spLocks noGrp="1"/>
+          </p:cNvSpPr>
+          <p:nvPr>
+            <p:ph idx="1"/>
+          </p:nvPr>
+        </p:nvSpPr>
+        <p:spPr/>
+        <p:txBody>
+          <a:bodyPr/>
+          <a:lstStyle/>
+          <a:p>
+            <a:r>
+              <a:rPr lang="pt-PT" dirty="0"/>
+              <a:t>As </a:t>
+            </a:r>
+            <a:r>
+              <a:rPr lang="pt-PT" i="1" dirty="0"/>
+              <a:t>User </a:t>
+            </a:r>
+            <a:r>
+              <a:rPr lang="pt-PT" i="1" dirty="0" err="1"/>
+              <a:t>Stories</a:t>
+            </a:r>
+            <a:r>
+              <a:rPr lang="pt-PT" i="1" dirty="0"/>
+              <a:t> </a:t>
+            </a:r>
+            <a:r>
+              <a:rPr lang="pt-PT" dirty="0"/>
+              <a:t>são definidas com vista a cumprir os requisitos do cliente.</a:t>
+            </a:r>
+            <a:r>
+              <a:rPr lang="pt-PT" i="1" dirty="0"/>
+              <a:t> </a:t>
+            </a:r>
+            <a:r>
+              <a:rPr lang="pt-PT" dirty="0"/>
+              <a:t>Foram definidas algumas ao longo do desenvolvimento do projeto.</a:t>
             </a:r>
           </a:p>
         </p:txBody>
       </p:sp>
       <p:pic>
         <p:nvPicPr>
-          <p:cNvPr id="7" name="Imagem 6">
+          <p:cNvPr id="5" name="Imagem 4">
             <a:extLst>
               <a:ext uri="{FF2B5EF4-FFF2-40B4-BE49-F238E27FC236}">
-                <a16:creationId xmlns:a16="http://schemas.microsoft.com/office/drawing/2014/main" id="{99B7EC65-41B1-D474-A6BA-280B122AE825}"/>
+                <a16:creationId xmlns:a16="http://schemas.microsoft.com/office/drawing/2014/main" id="{E798002B-A380-00DE-E98D-2814CF1FF029}"/>
               </a:ext>
             </a:extLst>
           </p:cNvPr>
@@ -7063,8 +6565,306 @@
         </p:blipFill>
         <p:spPr>
           <a:xfrm>
-            <a:off x="1062943" y="3330608"/>
-            <a:ext cx="5220429" cy="1857634"/>
+            <a:off x="2920479" y="3260494"/>
+            <a:ext cx="6149873" cy="2385267"/>
+          </a:xfrm>
+          <a:prstGeom prst="rect">
+            <a:avLst/>
+          </a:prstGeom>
+        </p:spPr>
+      </p:pic>
+    </p:spTree>
+    <p:extLst>
+      <p:ext uri="{BB962C8B-B14F-4D97-AF65-F5344CB8AC3E}">
+        <p14:creationId xmlns:p14="http://schemas.microsoft.com/office/powerpoint/2010/main" val="3623616369"/>
+      </p:ext>
+    </p:extLst>
+  </p:cSld>
+  <p:clrMapOvr>
+    <a:masterClrMapping/>
+  </p:clrMapOvr>
+</p:sld>
+</file>
+
+<file path=ppt/slides/slide6.xml><?xml version="1.0" encoding="utf-8"?>
+<p:sld xmlns:a="http://schemas.openxmlformats.org/drawingml/2006/main" xmlns:r="http://schemas.openxmlformats.org/officeDocument/2006/relationships" xmlns:p="http://schemas.openxmlformats.org/presentationml/2006/main">
+  <p:cSld>
+    <p:spTree>
+      <p:nvGrpSpPr>
+        <p:cNvPr id="1" name=""/>
+        <p:cNvGrpSpPr/>
+        <p:nvPr/>
+      </p:nvGrpSpPr>
+      <p:grpSpPr>
+        <a:xfrm>
+          <a:off x="0" y="0"/>
+          <a:ext cx="0" cy="0"/>
+          <a:chOff x="0" y="0"/>
+          <a:chExt cx="0" cy="0"/>
+        </a:xfrm>
+      </p:grpSpPr>
+      <p:sp>
+        <p:nvSpPr>
+          <p:cNvPr id="2" name="Título 1">
+            <a:extLst>
+              <a:ext uri="{FF2B5EF4-FFF2-40B4-BE49-F238E27FC236}">
+                <a16:creationId xmlns:a16="http://schemas.microsoft.com/office/drawing/2014/main" id="{8B99C492-46C8-B154-1B3D-BBEE846EC7D9}"/>
+              </a:ext>
+            </a:extLst>
+          </p:cNvPr>
+          <p:cNvSpPr>
+            <a:spLocks noGrp="1"/>
+          </p:cNvSpPr>
+          <p:nvPr>
+            <p:ph type="title"/>
+          </p:nvPr>
+        </p:nvSpPr>
+        <p:spPr/>
+        <p:txBody>
+          <a:bodyPr/>
+          <a:lstStyle/>
+          <a:p>
+            <a:r>
+              <a:rPr lang="pt-PT" dirty="0"/>
+              <a:t>Sprints</a:t>
+            </a:r>
+          </a:p>
+        </p:txBody>
+      </p:sp>
+      <p:sp>
+        <p:nvSpPr>
+          <p:cNvPr id="3" name="Marcador de Posição de Conteúdo 2">
+            <a:extLst>
+              <a:ext uri="{FF2B5EF4-FFF2-40B4-BE49-F238E27FC236}">
+                <a16:creationId xmlns:a16="http://schemas.microsoft.com/office/drawing/2014/main" id="{DD5A512E-9246-5909-1F72-30E9C6784CED}"/>
+              </a:ext>
+            </a:extLst>
+          </p:cNvPr>
+          <p:cNvSpPr>
+            <a:spLocks noGrp="1"/>
+          </p:cNvSpPr>
+          <p:nvPr>
+            <p:ph idx="1"/>
+          </p:nvPr>
+        </p:nvSpPr>
+        <p:spPr/>
+        <p:txBody>
+          <a:bodyPr/>
+          <a:lstStyle/>
+          <a:p>
+            <a:r>
+              <a:rPr lang="pt-PT" dirty="0"/>
+              <a:t>Como anteriormente referido, para a gestão de tarefas e tempos, foi utilizada a ferramenta </a:t>
+            </a:r>
+            <a:r>
+              <a:rPr lang="pt-PT" i="1" dirty="0" err="1"/>
+              <a:t>Jira</a:t>
+            </a:r>
+            <a:r>
+              <a:rPr lang="pt-PT" i="1" dirty="0"/>
+              <a:t>. </a:t>
+            </a:r>
+            <a:r>
+              <a:rPr lang="pt-PT" dirty="0"/>
+              <a:t>Como resultado, o projeto foi </a:t>
+            </a:r>
+            <a:r>
+              <a:rPr lang="pt-PT" dirty="0" err="1"/>
+              <a:t>s«desenvolvido</a:t>
+            </a:r>
+            <a:r>
+              <a:rPr lang="pt-PT" dirty="0"/>
+              <a:t> em 4 sprints com a duração de 2 semanas cada.</a:t>
+            </a:r>
+          </a:p>
+        </p:txBody>
+      </p:sp>
+    </p:spTree>
+    <p:extLst>
+      <p:ext uri="{BB962C8B-B14F-4D97-AF65-F5344CB8AC3E}">
+        <p14:creationId xmlns:p14="http://schemas.microsoft.com/office/powerpoint/2010/main" val="2682233983"/>
+      </p:ext>
+    </p:extLst>
+  </p:cSld>
+  <p:clrMapOvr>
+    <a:masterClrMapping/>
+  </p:clrMapOvr>
+</p:sld>
+</file>
+
+<file path=ppt/slides/slide7.xml><?xml version="1.0" encoding="utf-8"?>
+<p:sld xmlns:a="http://schemas.openxmlformats.org/drawingml/2006/main" xmlns:r="http://schemas.openxmlformats.org/officeDocument/2006/relationships" xmlns:p="http://schemas.openxmlformats.org/presentationml/2006/main">
+  <p:cSld>
+    <p:spTree>
+      <p:nvGrpSpPr>
+        <p:cNvPr id="1" name=""/>
+        <p:cNvGrpSpPr/>
+        <p:nvPr/>
+      </p:nvGrpSpPr>
+      <p:grpSpPr>
+        <a:xfrm>
+          <a:off x="0" y="0"/>
+          <a:ext cx="0" cy="0"/>
+          <a:chOff x="0" y="0"/>
+          <a:chExt cx="0" cy="0"/>
+        </a:xfrm>
+      </p:grpSpPr>
+      <p:sp>
+        <p:nvSpPr>
+          <p:cNvPr id="3" name="Marcador de Posição do Texto 2">
+            <a:extLst>
+              <a:ext uri="{FF2B5EF4-FFF2-40B4-BE49-F238E27FC236}">
+                <a16:creationId xmlns:a16="http://schemas.microsoft.com/office/drawing/2014/main" id="{8B7F1575-8F26-B595-DAF8-08DD2B93B21E}"/>
+              </a:ext>
+            </a:extLst>
+          </p:cNvPr>
+          <p:cNvSpPr>
+            <a:spLocks noGrp="1"/>
+          </p:cNvSpPr>
+          <p:nvPr>
+            <p:ph type="body" idx="1"/>
+          </p:nvPr>
+        </p:nvSpPr>
+        <p:spPr>
+          <a:xfrm>
+            <a:off x="1069848" y="630936"/>
+            <a:ext cx="4754880" cy="640080"/>
+          </a:xfrm>
+        </p:spPr>
+        <p:txBody>
+          <a:bodyPr/>
+          <a:lstStyle/>
+          <a:p>
+            <a:r>
+              <a:rPr lang="pt-PT" dirty="0"/>
+              <a:t>Sprint 3</a:t>
+            </a:r>
+          </a:p>
+        </p:txBody>
+      </p:sp>
+      <p:sp>
+        <p:nvSpPr>
+          <p:cNvPr id="4" name="Marcador de Posição de Conteúdo 3">
+            <a:extLst>
+              <a:ext uri="{FF2B5EF4-FFF2-40B4-BE49-F238E27FC236}">
+                <a16:creationId xmlns:a16="http://schemas.microsoft.com/office/drawing/2014/main" id="{3A234716-42C5-145C-C0C5-1551216BC8E9}"/>
+              </a:ext>
+            </a:extLst>
+          </p:cNvPr>
+          <p:cNvSpPr>
+            <a:spLocks noGrp="1"/>
+          </p:cNvSpPr>
+          <p:nvPr>
+            <p:ph sz="half" idx="2"/>
+          </p:nvPr>
+        </p:nvSpPr>
+        <p:spPr>
+          <a:xfrm>
+            <a:off x="1069848" y="1417320"/>
+            <a:ext cx="4754880" cy="886968"/>
+          </a:xfrm>
+        </p:spPr>
+        <p:txBody>
+          <a:bodyPr/>
+          <a:lstStyle/>
+          <a:p>
+            <a:r>
+              <a:rPr lang="pt-PT" dirty="0"/>
+              <a:t>Sprint desenvolvida entre 25 de maio a 7 de junho.</a:t>
+            </a:r>
+          </a:p>
+        </p:txBody>
+      </p:sp>
+      <p:sp>
+        <p:nvSpPr>
+          <p:cNvPr id="5" name="Marcador de Posição do Texto 4">
+            <a:extLst>
+              <a:ext uri="{FF2B5EF4-FFF2-40B4-BE49-F238E27FC236}">
+                <a16:creationId xmlns:a16="http://schemas.microsoft.com/office/drawing/2014/main" id="{FA63B222-7BD7-866C-4FC6-CF801A11B159}"/>
+              </a:ext>
+            </a:extLst>
+          </p:cNvPr>
+          <p:cNvSpPr>
+            <a:spLocks noGrp="1"/>
+          </p:cNvSpPr>
+          <p:nvPr>
+            <p:ph type="body" sz="quarter" idx="3"/>
+          </p:nvPr>
+        </p:nvSpPr>
+        <p:spPr>
+          <a:xfrm>
+            <a:off x="6367272" y="630936"/>
+            <a:ext cx="4754880" cy="640080"/>
+          </a:xfrm>
+        </p:spPr>
+        <p:txBody>
+          <a:bodyPr/>
+          <a:lstStyle/>
+          <a:p>
+            <a:r>
+              <a:rPr lang="pt-PT" dirty="0"/>
+              <a:t>Sprint 4</a:t>
+            </a:r>
+          </a:p>
+        </p:txBody>
+      </p:sp>
+      <p:sp>
+        <p:nvSpPr>
+          <p:cNvPr id="6" name="Marcador de Posição de Conteúdo 5">
+            <a:extLst>
+              <a:ext uri="{FF2B5EF4-FFF2-40B4-BE49-F238E27FC236}">
+                <a16:creationId xmlns:a16="http://schemas.microsoft.com/office/drawing/2014/main" id="{AFA4231A-5C35-3DF3-23A3-DE1205072A4E}"/>
+              </a:ext>
+            </a:extLst>
+          </p:cNvPr>
+          <p:cNvSpPr>
+            <a:spLocks noGrp="1"/>
+          </p:cNvSpPr>
+          <p:nvPr>
+            <p:ph sz="quarter" idx="4"/>
+          </p:nvPr>
+        </p:nvSpPr>
+        <p:spPr>
+          <a:xfrm>
+            <a:off x="6367272" y="1417320"/>
+            <a:ext cx="4754880" cy="886968"/>
+          </a:xfrm>
+        </p:spPr>
+        <p:txBody>
+          <a:bodyPr/>
+          <a:lstStyle/>
+          <a:p>
+            <a:r>
+              <a:rPr lang="pt-PT" dirty="0"/>
+              <a:t>Sprint desenvolvida entre 8 de junho e 21 de junho de 2023</a:t>
+            </a:r>
+          </a:p>
+        </p:txBody>
+      </p:sp>
+      <p:pic>
+        <p:nvPicPr>
+          <p:cNvPr id="7" name="Imagem 6">
+            <a:extLst>
+              <a:ext uri="{FF2B5EF4-FFF2-40B4-BE49-F238E27FC236}">
+                <a16:creationId xmlns:a16="http://schemas.microsoft.com/office/drawing/2014/main" id="{C7F7A8BA-7156-32B9-ADE9-B41D7D638E2A}"/>
+              </a:ext>
+            </a:extLst>
+          </p:cNvPr>
+          <p:cNvPicPr>
+            <a:picLocks noChangeAspect="1"/>
+          </p:cNvPicPr>
+          <p:nvPr/>
+        </p:nvPicPr>
+        <p:blipFill>
+          <a:blip r:embed="rId2"/>
+          <a:stretch>
+            <a:fillRect/>
+          </a:stretch>
+        </p:blipFill>
+        <p:spPr>
+          <a:xfrm>
+            <a:off x="1069848" y="3154934"/>
+            <a:ext cx="4429743" cy="1810003"/>
           </a:xfrm>
           <a:prstGeom prst="rect">
             <a:avLst/>
@@ -7076,7 +6876,7 @@
           <p:cNvPr id="9" name="Imagem 8">
             <a:extLst>
               <a:ext uri="{FF2B5EF4-FFF2-40B4-BE49-F238E27FC236}">
-                <a16:creationId xmlns:a16="http://schemas.microsoft.com/office/drawing/2014/main" id="{14980440-C060-FF59-158E-D28E9F8BDD6C}"/>
+                <a16:creationId xmlns:a16="http://schemas.microsoft.com/office/drawing/2014/main" id="{0BDA5B64-FA16-8E7B-67A5-0462A31C37F7}"/>
               </a:ext>
             </a:extLst>
           </p:cNvPr>
@@ -7093,8 +6893,8 @@
         </p:blipFill>
         <p:spPr>
           <a:xfrm>
-            <a:off x="6522802" y="3330608"/>
-            <a:ext cx="5229955" cy="1524213"/>
+            <a:off x="6635251" y="3154934"/>
+            <a:ext cx="4486901" cy="2495898"/>
           </a:xfrm>
           <a:prstGeom prst="rect">
             <a:avLst/>
@@ -7104,7 +6904,7 @@
     </p:spTree>
     <p:extLst>
       <p:ext uri="{BB962C8B-B14F-4D97-AF65-F5344CB8AC3E}">
-        <p14:creationId xmlns:p14="http://schemas.microsoft.com/office/powerpoint/2010/main" val="302419582"/>
+        <p14:creationId xmlns:p14="http://schemas.microsoft.com/office/powerpoint/2010/main" val="4005610629"/>
       </p:ext>
     </p:extLst>
   </p:cSld>
@@ -7114,7 +6914,7 @@
 </p:sld>
 </file>
 
-<file path=ppt/slides/slide22.xml><?xml version="1.0" encoding="utf-8"?>
+<file path=ppt/slides/slide8.xml><?xml version="1.0" encoding="utf-8"?>
 <p:sld xmlns:a="http://schemas.openxmlformats.org/drawingml/2006/main" xmlns:r="http://schemas.openxmlformats.org/officeDocument/2006/relationships" xmlns:p="http://schemas.openxmlformats.org/presentationml/2006/main">
   <p:cSld>
     <p:spTree>
@@ -7236,7 +7036,7 @@
     </p:spTree>
     <p:extLst>
       <p:ext uri="{BB962C8B-B14F-4D97-AF65-F5344CB8AC3E}">
-        <p14:creationId xmlns:p14="http://schemas.microsoft.com/office/powerpoint/2010/main" val="2726082737"/>
+        <p14:creationId xmlns:p14="http://schemas.microsoft.com/office/powerpoint/2010/main" val="3147441111"/>
       </p:ext>
     </p:extLst>
   </p:cSld>
@@ -7246,7 +7046,7 @@
 </p:sld>
 </file>
 
-<file path=ppt/slides/slide23.xml><?xml version="1.0" encoding="utf-8"?>
+<file path=ppt/slides/slide9.xml><?xml version="1.0" encoding="utf-8"?>
 <p:sld xmlns:a="http://schemas.openxmlformats.org/drawingml/2006/main" xmlns:r="http://schemas.openxmlformats.org/officeDocument/2006/relationships" xmlns:p="http://schemas.openxmlformats.org/presentationml/2006/main">
   <p:cSld>
     <p:bg>
@@ -7578,7 +7378,7 @@
         </p:blipFill>
         <p:spPr>
           <a:xfrm>
-            <a:off x="3656138" y="2239900"/>
+            <a:off x="3656138" y="2227451"/>
             <a:ext cx="6278877" cy="2024936"/>
           </a:xfrm>
           <a:prstGeom prst="rect">
@@ -7589,1186 +7389,7 @@
     </p:spTree>
     <p:extLst>
       <p:ext uri="{BB962C8B-B14F-4D97-AF65-F5344CB8AC3E}">
-        <p14:creationId xmlns:p14="http://schemas.microsoft.com/office/powerpoint/2010/main" val="3055564133"/>
-      </p:ext>
-    </p:extLst>
-  </p:cSld>
-  <p:clrMapOvr>
-    <a:masterClrMapping/>
-  </p:clrMapOvr>
-</p:sld>
-</file>
-
-<file path=ppt/slides/slide3.xml><?xml version="1.0" encoding="utf-8"?>
-<p:sld xmlns:a="http://schemas.openxmlformats.org/drawingml/2006/main" xmlns:r="http://schemas.openxmlformats.org/officeDocument/2006/relationships" xmlns:p="http://schemas.openxmlformats.org/presentationml/2006/main">
-  <p:cSld>
-    <p:spTree>
-      <p:nvGrpSpPr>
-        <p:cNvPr id="1" name=""/>
-        <p:cNvGrpSpPr/>
-        <p:nvPr/>
-      </p:nvGrpSpPr>
-      <p:grpSpPr>
-        <a:xfrm>
-          <a:off x="0" y="0"/>
-          <a:ext cx="0" cy="0"/>
-          <a:chOff x="0" y="0"/>
-          <a:chExt cx="0" cy="0"/>
-        </a:xfrm>
-      </p:grpSpPr>
-      <p:sp>
-        <p:nvSpPr>
-          <p:cNvPr id="4" name="Título 3">
-            <a:extLst>
-              <a:ext uri="{FF2B5EF4-FFF2-40B4-BE49-F238E27FC236}">
-                <a16:creationId xmlns:a16="http://schemas.microsoft.com/office/drawing/2014/main" id="{DED111C7-1957-2D00-6C43-AD88532F7641}"/>
-              </a:ext>
-            </a:extLst>
-          </p:cNvPr>
-          <p:cNvSpPr>
-            <a:spLocks noGrp="1"/>
-          </p:cNvSpPr>
-          <p:nvPr>
-            <p:ph type="ctrTitle"/>
-          </p:nvPr>
-        </p:nvSpPr>
-        <p:spPr/>
-        <p:txBody>
-          <a:bodyPr/>
-          <a:lstStyle/>
-          <a:p>
-            <a:r>
-              <a:rPr lang="pt-PT" sz="6600" dirty="0"/>
-              <a:t>Desenvolvimento de Aplicações</a:t>
-            </a:r>
-          </a:p>
-        </p:txBody>
-      </p:sp>
-    </p:spTree>
-    <p:extLst>
-      <p:ext uri="{BB962C8B-B14F-4D97-AF65-F5344CB8AC3E}">
-        <p14:creationId xmlns:p14="http://schemas.microsoft.com/office/powerpoint/2010/main" val="1070370795"/>
-      </p:ext>
-    </p:extLst>
-  </p:cSld>
-  <p:clrMapOvr>
-    <a:masterClrMapping/>
-  </p:clrMapOvr>
-</p:sld>
-</file>
-
-<file path=ppt/slides/slide4.xml><?xml version="1.0" encoding="utf-8"?>
-<p:sld xmlns:a="http://schemas.openxmlformats.org/drawingml/2006/main" xmlns:r="http://schemas.openxmlformats.org/officeDocument/2006/relationships" xmlns:p="http://schemas.openxmlformats.org/presentationml/2006/main">
-  <p:cSld>
-    <p:spTree>
-      <p:nvGrpSpPr>
-        <p:cNvPr id="1" name=""/>
-        <p:cNvGrpSpPr/>
-        <p:nvPr/>
-      </p:nvGrpSpPr>
-      <p:grpSpPr>
-        <a:xfrm>
-          <a:off x="0" y="0"/>
-          <a:ext cx="0" cy="0"/>
-          <a:chOff x="0" y="0"/>
-          <a:chExt cx="0" cy="0"/>
-        </a:xfrm>
-      </p:grpSpPr>
-      <p:sp>
-        <p:nvSpPr>
-          <p:cNvPr id="2" name="Título 1">
-            <a:extLst>
-              <a:ext uri="{FF2B5EF4-FFF2-40B4-BE49-F238E27FC236}">
-                <a16:creationId xmlns:a16="http://schemas.microsoft.com/office/drawing/2014/main" id="{6226EAAA-D1BA-1753-6F03-D84C246407C3}"/>
-              </a:ext>
-            </a:extLst>
-          </p:cNvPr>
-          <p:cNvSpPr>
-            <a:spLocks noGrp="1"/>
-          </p:cNvSpPr>
-          <p:nvPr>
-            <p:ph type="title"/>
-          </p:nvPr>
-        </p:nvSpPr>
-        <p:spPr/>
-        <p:txBody>
-          <a:bodyPr/>
-          <a:lstStyle/>
-          <a:p>
-            <a:r>
-              <a:rPr lang="pt-PT" dirty="0"/>
-              <a:t>Logica de negócio</a:t>
-            </a:r>
-          </a:p>
-        </p:txBody>
-      </p:sp>
-      <p:sp>
-        <p:nvSpPr>
-          <p:cNvPr id="3" name="Marcador de Posição de Conteúdo 2">
-            <a:extLst>
-              <a:ext uri="{FF2B5EF4-FFF2-40B4-BE49-F238E27FC236}">
-                <a16:creationId xmlns:a16="http://schemas.microsoft.com/office/drawing/2014/main" id="{0CB2F09E-4CB1-0D9F-8A36-D0A2D573A314}"/>
-              </a:ext>
-            </a:extLst>
-          </p:cNvPr>
-          <p:cNvSpPr>
-            <a:spLocks noGrp="1"/>
-          </p:cNvSpPr>
-          <p:nvPr>
-            <p:ph idx="1"/>
-          </p:nvPr>
-        </p:nvSpPr>
-        <p:spPr/>
-        <p:txBody>
-          <a:bodyPr/>
-          <a:lstStyle/>
-          <a:p>
-            <a:r>
-              <a:rPr lang="pt-PT" dirty="0"/>
-              <a:t>O sistema </a:t>
-            </a:r>
-            <a:r>
-              <a:rPr lang="pt-PT" dirty="0" err="1"/>
-              <a:t>CineGest</a:t>
-            </a:r>
-            <a:r>
-              <a:rPr lang="pt-PT" dirty="0"/>
-              <a:t> é, na sua essência, um programa para gestão de cinemas que permite gerir todas as informações inerentes a um cinema, como as salas, filmes, funcionários e bilhetes. Este sistema permite ainda a </a:t>
-            </a:r>
-            <a:r>
-              <a:rPr lang="pt-PT" dirty="0" err="1"/>
-              <a:t>cração</a:t>
-            </a:r>
-            <a:r>
-              <a:rPr lang="pt-PT" dirty="0"/>
-              <a:t> de sessões e a venda dos bilhetes para estas.</a:t>
-            </a:r>
-          </a:p>
-        </p:txBody>
-      </p:sp>
-    </p:spTree>
-    <p:extLst>
-      <p:ext uri="{BB962C8B-B14F-4D97-AF65-F5344CB8AC3E}">
-        <p14:creationId xmlns:p14="http://schemas.microsoft.com/office/powerpoint/2010/main" val="2034676948"/>
-      </p:ext>
-    </p:extLst>
-  </p:cSld>
-  <p:clrMapOvr>
-    <a:masterClrMapping/>
-  </p:clrMapOvr>
-</p:sld>
-</file>
-
-<file path=ppt/slides/slide5.xml><?xml version="1.0" encoding="utf-8"?>
-<p:sld xmlns:a="http://schemas.openxmlformats.org/drawingml/2006/main" xmlns:r="http://schemas.openxmlformats.org/officeDocument/2006/relationships" xmlns:p="http://schemas.openxmlformats.org/presentationml/2006/main">
-  <p:cSld>
-    <p:spTree>
-      <p:nvGrpSpPr>
-        <p:cNvPr id="1" name=""/>
-        <p:cNvGrpSpPr/>
-        <p:nvPr/>
-      </p:nvGrpSpPr>
-      <p:grpSpPr>
-        <a:xfrm>
-          <a:off x="0" y="0"/>
-          <a:ext cx="0" cy="0"/>
-          <a:chOff x="0" y="0"/>
-          <a:chExt cx="0" cy="0"/>
-        </a:xfrm>
-      </p:grpSpPr>
-      <p:sp>
-        <p:nvSpPr>
-          <p:cNvPr id="2" name="Título 1">
-            <a:extLst>
-              <a:ext uri="{FF2B5EF4-FFF2-40B4-BE49-F238E27FC236}">
-                <a16:creationId xmlns:a16="http://schemas.microsoft.com/office/drawing/2014/main" id="{CB1918A5-754E-FCCB-307C-C8D654009A3F}"/>
-              </a:ext>
-            </a:extLst>
-          </p:cNvPr>
-          <p:cNvSpPr>
-            <a:spLocks noGrp="1"/>
-          </p:cNvSpPr>
-          <p:nvPr>
-            <p:ph type="title"/>
-          </p:nvPr>
-        </p:nvSpPr>
-        <p:spPr/>
-        <p:txBody>
-          <a:bodyPr/>
-          <a:lstStyle/>
-          <a:p>
-            <a:r>
-              <a:rPr lang="pt-PT" dirty="0"/>
-              <a:t>Análise concorrencial</a:t>
-            </a:r>
-          </a:p>
-        </p:txBody>
-      </p:sp>
-      <p:sp>
-        <p:nvSpPr>
-          <p:cNvPr id="3" name="Marcador de Posição de Conteúdo 2">
-            <a:extLst>
-              <a:ext uri="{FF2B5EF4-FFF2-40B4-BE49-F238E27FC236}">
-                <a16:creationId xmlns:a16="http://schemas.microsoft.com/office/drawing/2014/main" id="{0185E4E2-6DD4-895B-59AC-622667532CF8}"/>
-              </a:ext>
-            </a:extLst>
-          </p:cNvPr>
-          <p:cNvSpPr>
-            <a:spLocks noGrp="1"/>
-          </p:cNvSpPr>
-          <p:nvPr>
-            <p:ph sz="half" idx="1"/>
-          </p:nvPr>
-        </p:nvSpPr>
-        <p:spPr/>
-        <p:txBody>
-          <a:bodyPr/>
-          <a:lstStyle/>
-          <a:p>
-            <a:r>
-              <a:rPr lang="pt-PT" dirty="0"/>
-              <a:t>Para análise de potenciais concorrentes à aplicação a desenvolver, foram analisados os 3 sistemas: </a:t>
-            </a:r>
-            <a:r>
-              <a:rPr lang="pt-PT" i="1" dirty="0"/>
-              <a:t>Ingresso, UCI Cinemas </a:t>
-            </a:r>
-            <a:r>
-              <a:rPr lang="pt-PT" dirty="0"/>
-              <a:t>e </a:t>
-            </a:r>
-            <a:r>
-              <a:rPr lang="pt-PT" i="1" dirty="0"/>
-              <a:t>Cinema NOS.</a:t>
-            </a:r>
-            <a:endParaRPr lang="pt-PT" dirty="0"/>
-          </a:p>
-        </p:txBody>
-      </p:sp>
-      <p:pic>
-        <p:nvPicPr>
-          <p:cNvPr id="8" name="Imagem 7">
-            <a:extLst>
-              <a:ext uri="{FF2B5EF4-FFF2-40B4-BE49-F238E27FC236}">
-                <a16:creationId xmlns:a16="http://schemas.microsoft.com/office/drawing/2014/main" id="{B792A07A-CEB3-819D-17FF-D651369FFD8E}"/>
-              </a:ext>
-            </a:extLst>
-          </p:cNvPr>
-          <p:cNvPicPr>
-            <a:picLocks noChangeAspect="1"/>
-          </p:cNvPicPr>
-          <p:nvPr/>
-        </p:nvPicPr>
-        <p:blipFill>
-          <a:blip r:embed="rId2"/>
-          <a:stretch>
-            <a:fillRect/>
-          </a:stretch>
-        </p:blipFill>
-        <p:spPr>
-          <a:xfrm>
-            <a:off x="4829197" y="3618678"/>
-            <a:ext cx="6035563" cy="2110923"/>
-          </a:xfrm>
-          <a:prstGeom prst="rect">
-            <a:avLst/>
-          </a:prstGeom>
-        </p:spPr>
-      </p:pic>
-    </p:spTree>
-    <p:extLst>
-      <p:ext uri="{BB962C8B-B14F-4D97-AF65-F5344CB8AC3E}">
-        <p14:creationId xmlns:p14="http://schemas.microsoft.com/office/powerpoint/2010/main" val="4055963115"/>
-      </p:ext>
-    </p:extLst>
-  </p:cSld>
-  <p:clrMapOvr>
-    <a:masterClrMapping/>
-  </p:clrMapOvr>
-</p:sld>
-</file>
-
-<file path=ppt/slides/slide6.xml><?xml version="1.0" encoding="utf-8"?>
-<p:sld xmlns:a="http://schemas.openxmlformats.org/drawingml/2006/main" xmlns:r="http://schemas.openxmlformats.org/officeDocument/2006/relationships" xmlns:p="http://schemas.openxmlformats.org/presentationml/2006/main">
-  <p:cSld>
-    <p:spTree>
-      <p:nvGrpSpPr>
-        <p:cNvPr id="1" name=""/>
-        <p:cNvGrpSpPr/>
-        <p:nvPr/>
-      </p:nvGrpSpPr>
-      <p:grpSpPr>
-        <a:xfrm>
-          <a:off x="0" y="0"/>
-          <a:ext cx="0" cy="0"/>
-          <a:chOff x="0" y="0"/>
-          <a:chExt cx="0" cy="0"/>
-        </a:xfrm>
-      </p:grpSpPr>
-      <p:sp>
-        <p:nvSpPr>
-          <p:cNvPr id="5" name="Título 4">
-            <a:extLst>
-              <a:ext uri="{FF2B5EF4-FFF2-40B4-BE49-F238E27FC236}">
-                <a16:creationId xmlns:a16="http://schemas.microsoft.com/office/drawing/2014/main" id="{3757DB78-D0EE-B8DF-4EE0-ECB76B09C675}"/>
-              </a:ext>
-            </a:extLst>
-          </p:cNvPr>
-          <p:cNvSpPr>
-            <a:spLocks noGrp="1"/>
-          </p:cNvSpPr>
-          <p:nvPr>
-            <p:ph type="title"/>
-          </p:nvPr>
-        </p:nvSpPr>
-        <p:spPr/>
-        <p:txBody>
-          <a:bodyPr/>
-          <a:lstStyle/>
-          <a:p>
-            <a:r>
-              <a:rPr lang="pt-PT" dirty="0"/>
-              <a:t>Desenho da aplicação</a:t>
-            </a:r>
-          </a:p>
-        </p:txBody>
-      </p:sp>
-      <p:sp>
-        <p:nvSpPr>
-          <p:cNvPr id="6" name="Marcador de Posição de Conteúdo 5">
-            <a:extLst>
-              <a:ext uri="{FF2B5EF4-FFF2-40B4-BE49-F238E27FC236}">
-                <a16:creationId xmlns:a16="http://schemas.microsoft.com/office/drawing/2014/main" id="{64678CB2-167F-A613-1B35-62A3A74EA9C5}"/>
-              </a:ext>
-            </a:extLst>
-          </p:cNvPr>
-          <p:cNvSpPr>
-            <a:spLocks noGrp="1"/>
-          </p:cNvSpPr>
-          <p:nvPr>
-            <p:ph idx="1"/>
-          </p:nvPr>
-        </p:nvSpPr>
-        <p:spPr>
-          <a:xfrm>
-            <a:off x="1069848" y="2121408"/>
-            <a:ext cx="4377641" cy="3686005"/>
-          </a:xfrm>
-        </p:spPr>
-        <p:txBody>
-          <a:bodyPr/>
-          <a:lstStyle/>
-          <a:p>
-            <a:r>
-              <a:rPr lang="pt-PT" dirty="0"/>
-              <a:t>Com vista a idealizar o </a:t>
-            </a:r>
-            <a:r>
-              <a:rPr lang="pt-PT" i="1" dirty="0"/>
-              <a:t>design</a:t>
-            </a:r>
-            <a:r>
-              <a:rPr lang="pt-PT" dirty="0"/>
-              <a:t> da aplicação, foram feitos mockups com recurso ao site draw.io.</a:t>
-            </a:r>
-          </a:p>
-        </p:txBody>
-      </p:sp>
-      <p:pic>
-        <p:nvPicPr>
-          <p:cNvPr id="7" name="Picture 3">
-            <a:extLst>
-              <a:ext uri="{FF2B5EF4-FFF2-40B4-BE49-F238E27FC236}">
-                <a16:creationId xmlns:a16="http://schemas.microsoft.com/office/drawing/2014/main" id="{FF3B164B-7244-253F-B063-A4DBCDA9F48B}"/>
-              </a:ext>
-            </a:extLst>
-          </p:cNvPr>
-          <p:cNvPicPr>
-            <a:picLocks noChangeAspect="1"/>
-          </p:cNvPicPr>
-          <p:nvPr/>
-        </p:nvPicPr>
-        <p:blipFill>
-          <a:blip r:embed="rId2">
-            <a:extLst>
-              <a:ext uri="{28A0092B-C50C-407E-A947-70E740481C1C}">
-                <a14:useLocalDpi xmlns:a14="http://schemas.microsoft.com/office/drawing/2010/main" val="0"/>
-              </a:ext>
-            </a:extLst>
-          </a:blip>
-          <a:srcRect/>
-          <a:stretch>
-            <a:fillRect/>
-          </a:stretch>
-        </p:blipFill>
-        <p:spPr bwMode="auto">
-          <a:xfrm>
-            <a:off x="2236000" y="3730947"/>
-            <a:ext cx="3327082" cy="2318875"/>
-          </a:xfrm>
-          <a:prstGeom prst="rect">
-            <a:avLst/>
-          </a:prstGeom>
-          <a:noFill/>
-          <a:ln>
-            <a:noFill/>
-          </a:ln>
-        </p:spPr>
-      </p:pic>
-      <p:pic>
-        <p:nvPicPr>
-          <p:cNvPr id="8" name="Picture 10">
-            <a:extLst>
-              <a:ext uri="{FF2B5EF4-FFF2-40B4-BE49-F238E27FC236}">
-                <a16:creationId xmlns:a16="http://schemas.microsoft.com/office/drawing/2014/main" id="{E3580776-258E-7749-BB77-1E887D42BCC8}"/>
-              </a:ext>
-            </a:extLst>
-          </p:cNvPr>
-          <p:cNvPicPr>
-            <a:picLocks noChangeAspect="1"/>
-          </p:cNvPicPr>
-          <p:nvPr/>
-        </p:nvPicPr>
-        <p:blipFill>
-          <a:blip r:embed="rId3">
-            <a:extLst>
-              <a:ext uri="{28A0092B-C50C-407E-A947-70E740481C1C}">
-                <a14:useLocalDpi xmlns:a14="http://schemas.microsoft.com/office/drawing/2010/main" val="0"/>
-              </a:ext>
-            </a:extLst>
-          </a:blip>
-          <a:srcRect/>
-          <a:stretch>
-            <a:fillRect/>
-          </a:stretch>
-        </p:blipFill>
-        <p:spPr bwMode="auto">
-          <a:xfrm>
-            <a:off x="6997300" y="3673373"/>
-            <a:ext cx="3405202" cy="2434021"/>
-          </a:xfrm>
-          <a:prstGeom prst="rect">
-            <a:avLst/>
-          </a:prstGeom>
-          <a:noFill/>
-          <a:ln>
-            <a:noFill/>
-          </a:ln>
-        </p:spPr>
-      </p:pic>
-    </p:spTree>
-    <p:extLst>
-      <p:ext uri="{BB962C8B-B14F-4D97-AF65-F5344CB8AC3E}">
-        <p14:creationId xmlns:p14="http://schemas.microsoft.com/office/powerpoint/2010/main" val="1147036249"/>
-      </p:ext>
-    </p:extLst>
-  </p:cSld>
-  <p:clrMapOvr>
-    <a:masterClrMapping/>
-  </p:clrMapOvr>
-</p:sld>
-</file>
-
-<file path=ppt/slides/slide7.xml><?xml version="1.0" encoding="utf-8"?>
-<p:sld xmlns:a="http://schemas.openxmlformats.org/drawingml/2006/main" xmlns:r="http://schemas.openxmlformats.org/officeDocument/2006/relationships" xmlns:p="http://schemas.openxmlformats.org/presentationml/2006/main">
-  <p:cSld>
-    <p:spTree>
-      <p:nvGrpSpPr>
-        <p:cNvPr id="1" name=""/>
-        <p:cNvGrpSpPr/>
-        <p:nvPr/>
-      </p:nvGrpSpPr>
-      <p:grpSpPr>
-        <a:xfrm>
-          <a:off x="0" y="0"/>
-          <a:ext cx="0" cy="0"/>
-          <a:chOff x="0" y="0"/>
-          <a:chExt cx="0" cy="0"/>
-        </a:xfrm>
-      </p:grpSpPr>
-      <p:sp>
-        <p:nvSpPr>
-          <p:cNvPr id="2" name="Título 1">
-            <a:extLst>
-              <a:ext uri="{FF2B5EF4-FFF2-40B4-BE49-F238E27FC236}">
-                <a16:creationId xmlns:a16="http://schemas.microsoft.com/office/drawing/2014/main" id="{32B5880D-1265-AA60-597C-E28A61C93D88}"/>
-              </a:ext>
-            </a:extLst>
-          </p:cNvPr>
-          <p:cNvSpPr>
-            <a:spLocks noGrp="1"/>
-          </p:cNvSpPr>
-          <p:nvPr>
-            <p:ph type="title"/>
-          </p:nvPr>
-        </p:nvSpPr>
-        <p:spPr/>
-        <p:txBody>
-          <a:bodyPr/>
-          <a:lstStyle/>
-          <a:p>
-            <a:r>
-              <a:rPr lang="pt-PT" dirty="0" err="1"/>
-              <a:t>Scrum</a:t>
-            </a:r>
-            <a:r>
-              <a:rPr lang="pt-PT" dirty="0"/>
-              <a:t> team</a:t>
-            </a:r>
-          </a:p>
-        </p:txBody>
-      </p:sp>
-      <p:graphicFrame>
-        <p:nvGraphicFramePr>
-          <p:cNvPr id="4" name="Tabela 4">
-            <a:extLst>
-              <a:ext uri="{FF2B5EF4-FFF2-40B4-BE49-F238E27FC236}">
-                <a16:creationId xmlns:a16="http://schemas.microsoft.com/office/drawing/2014/main" id="{191A9209-A1A7-7201-7756-3162427BB2E7}"/>
-              </a:ext>
-            </a:extLst>
-          </p:cNvPr>
-          <p:cNvGraphicFramePr>
-            <a:graphicFrameLocks noGrp="1"/>
-          </p:cNvGraphicFramePr>
-          <p:nvPr>
-            <p:ph idx="1"/>
-            <p:extLst>
-              <p:ext uri="{D42A27DB-BD31-4B8C-83A1-F6EECF244321}">
-                <p14:modId xmlns:p14="http://schemas.microsoft.com/office/powerpoint/2010/main" val="1651412243"/>
-              </p:ext>
-            </p:extLst>
-          </p:nvPr>
-        </p:nvGraphicFramePr>
-        <p:xfrm>
-          <a:off x="1069975" y="2120900"/>
-          <a:ext cx="10058397" cy="3479800"/>
-        </p:xfrm>
-        <a:graphic>
-          <a:graphicData uri="http://schemas.openxmlformats.org/drawingml/2006/table">
-            <a:tbl>
-              <a:tblPr firstRow="1" bandRow="1">
-                <a:tableStyleId>{69012ECD-51FC-41F1-AA8D-1B2483CD663E}</a:tableStyleId>
-              </a:tblPr>
-              <a:tblGrid>
-                <a:gridCol w="3352799">
-                  <a:extLst>
-                    <a:ext uri="{9D8B030D-6E8A-4147-A177-3AD203B41FA5}">
-                      <a16:colId xmlns:a16="http://schemas.microsoft.com/office/drawing/2014/main" val="92370018"/>
-                    </a:ext>
-                  </a:extLst>
-                </a:gridCol>
-                <a:gridCol w="2636394">
-                  <a:extLst>
-                    <a:ext uri="{9D8B030D-6E8A-4147-A177-3AD203B41FA5}">
-                      <a16:colId xmlns:a16="http://schemas.microsoft.com/office/drawing/2014/main" val="1104499109"/>
-                    </a:ext>
-                  </a:extLst>
-                </a:gridCol>
-                <a:gridCol w="4069204">
-                  <a:extLst>
-                    <a:ext uri="{9D8B030D-6E8A-4147-A177-3AD203B41FA5}">
-                      <a16:colId xmlns:a16="http://schemas.microsoft.com/office/drawing/2014/main" val="2079809318"/>
-                    </a:ext>
-                  </a:extLst>
-                </a:gridCol>
-              </a:tblGrid>
-              <a:tr h="370840">
-                <a:tc>
-                  <a:txBody>
-                    <a:bodyPr/>
-                    <a:lstStyle/>
-                    <a:p>
-                      <a:endParaRPr lang="pt-PT"/>
-                    </a:p>
-                  </a:txBody>
-                  <a:tcPr/>
-                </a:tc>
-                <a:tc>
-                  <a:txBody>
-                    <a:bodyPr/>
-                    <a:lstStyle/>
-                    <a:p>
-                      <a:r>
-                        <a:rPr lang="pt-PT" b="1" dirty="0"/>
-                        <a:t>Nome</a:t>
-                      </a:r>
-                    </a:p>
-                  </a:txBody>
-                  <a:tcPr/>
-                </a:tc>
-                <a:tc>
-                  <a:txBody>
-                    <a:bodyPr/>
-                    <a:lstStyle/>
-                    <a:p>
-                      <a:r>
-                        <a:rPr lang="pt-PT" dirty="0"/>
-                        <a:t>Funções</a:t>
-                      </a:r>
-                    </a:p>
-                  </a:txBody>
-                  <a:tcPr/>
-                </a:tc>
-                <a:extLst>
-                  <a:ext uri="{0D108BD9-81ED-4DB2-BD59-A6C34878D82A}">
-                    <a16:rowId xmlns:a16="http://schemas.microsoft.com/office/drawing/2014/main" val="1620151170"/>
-                  </a:ext>
-                </a:extLst>
-              </a:tr>
-              <a:tr h="370840">
-                <a:tc>
-                  <a:txBody>
-                    <a:bodyPr/>
-                    <a:lstStyle/>
-                    <a:p>
-                      <a:r>
-                        <a:rPr lang="pt-PT" dirty="0" err="1"/>
-                        <a:t>Client</a:t>
-                      </a:r>
-                      <a:endParaRPr lang="pt-PT" dirty="0"/>
-                    </a:p>
-                  </a:txBody>
-                  <a:tcPr/>
-                </a:tc>
-                <a:tc>
-                  <a:txBody>
-                    <a:bodyPr/>
-                    <a:lstStyle/>
-                    <a:p>
-                      <a:r>
-                        <a:rPr lang="pt-PT" dirty="0"/>
-                        <a:t>Alexandre Rosário</a:t>
-                      </a:r>
-                    </a:p>
-                  </a:txBody>
-                  <a:tcPr/>
-                </a:tc>
-                <a:tc>
-                  <a:txBody>
-                    <a:bodyPr/>
-                    <a:lstStyle/>
-                    <a:p>
-                      <a:r>
-                        <a:rPr lang="pt-PT" sz="1800" kern="1200" dirty="0">
-                          <a:solidFill>
-                            <a:schemeClr val="tx1"/>
-                          </a:solidFill>
-                          <a:effectLst/>
-                          <a:latin typeface="+mn-lt"/>
-                          <a:ea typeface="+mn-ea"/>
-                          <a:cs typeface="+mn-cs"/>
-                        </a:rPr>
-                        <a:t>Atualização dos requerimentos do projeto.</a:t>
-                      </a:r>
-                      <a:endParaRPr lang="pt-PT" dirty="0"/>
-                    </a:p>
-                  </a:txBody>
-                  <a:tcPr/>
-                </a:tc>
-                <a:extLst>
-                  <a:ext uri="{0D108BD9-81ED-4DB2-BD59-A6C34878D82A}">
-                    <a16:rowId xmlns:a16="http://schemas.microsoft.com/office/drawing/2014/main" val="2957015678"/>
-                  </a:ext>
-                </a:extLst>
-              </a:tr>
-              <a:tr h="370840">
-                <a:tc>
-                  <a:txBody>
-                    <a:bodyPr/>
-                    <a:lstStyle/>
-                    <a:p>
-                      <a:r>
-                        <a:rPr lang="pt-PT" dirty="0" err="1"/>
-                        <a:t>Product</a:t>
-                      </a:r>
-                      <a:r>
-                        <a:rPr lang="pt-PT" dirty="0"/>
-                        <a:t> </a:t>
-                      </a:r>
-                      <a:r>
-                        <a:rPr lang="pt-PT" dirty="0" err="1"/>
-                        <a:t>Owner</a:t>
-                      </a:r>
-                      <a:endParaRPr lang="pt-PT" dirty="0"/>
-                    </a:p>
-                  </a:txBody>
-                  <a:tcPr/>
-                </a:tc>
-                <a:tc>
-                  <a:txBody>
-                    <a:bodyPr/>
-                    <a:lstStyle/>
-                    <a:p>
-                      <a:r>
-                        <a:rPr lang="pt-PT" dirty="0"/>
-                        <a:t>David Francisco</a:t>
-                      </a:r>
-                    </a:p>
-                  </a:txBody>
-                  <a:tcPr/>
-                </a:tc>
-                <a:tc>
-                  <a:txBody>
-                    <a:bodyPr/>
-                    <a:lstStyle/>
-                    <a:p>
-                      <a:pPr lvl="0"/>
-                      <a:r>
-                        <a:rPr lang="pt-PT" sz="1800" kern="1200" dirty="0">
-                          <a:solidFill>
-                            <a:schemeClr val="tx1"/>
-                          </a:solidFill>
-                          <a:effectLst/>
-                          <a:latin typeface="+mn-lt"/>
-                          <a:ea typeface="+mn-ea"/>
-                          <a:cs typeface="+mn-cs"/>
-                        </a:rPr>
-                        <a:t>Acompanhamento no projeto;</a:t>
-                      </a:r>
-                    </a:p>
-                    <a:p>
-                      <a:r>
-                        <a:rPr lang="pt-PT" sz="1800" kern="1200" dirty="0">
-                          <a:solidFill>
-                            <a:schemeClr val="tx1"/>
-                          </a:solidFill>
-                          <a:effectLst/>
-                          <a:latin typeface="+mn-lt"/>
-                          <a:ea typeface="+mn-ea"/>
-                          <a:cs typeface="+mn-cs"/>
-                        </a:rPr>
-                        <a:t>Confirmação dos desenvolvimentos e conclusão das sprints.</a:t>
-                      </a:r>
-                      <a:endParaRPr lang="pt-PT" dirty="0"/>
-                    </a:p>
-                  </a:txBody>
-                  <a:tcPr/>
-                </a:tc>
-                <a:extLst>
-                  <a:ext uri="{0D108BD9-81ED-4DB2-BD59-A6C34878D82A}">
-                    <a16:rowId xmlns:a16="http://schemas.microsoft.com/office/drawing/2014/main" val="771784140"/>
-                  </a:ext>
-                </a:extLst>
-              </a:tr>
-              <a:tr h="370840">
-                <a:tc>
-                  <a:txBody>
-                    <a:bodyPr/>
-                    <a:lstStyle/>
-                    <a:p>
-                      <a:r>
-                        <a:rPr lang="pt-PT" dirty="0" err="1"/>
-                        <a:t>Scrum</a:t>
-                      </a:r>
-                      <a:r>
-                        <a:rPr lang="pt-PT" dirty="0"/>
-                        <a:t> Master</a:t>
-                      </a:r>
-                    </a:p>
-                  </a:txBody>
-                  <a:tcPr/>
-                </a:tc>
-                <a:tc>
-                  <a:txBody>
-                    <a:bodyPr/>
-                    <a:lstStyle/>
-                    <a:p>
-                      <a:r>
-                        <a:rPr lang="pt-PT" dirty="0"/>
-                        <a:t>Hugo Gomes</a:t>
-                      </a:r>
-                    </a:p>
-                  </a:txBody>
-                  <a:tcPr/>
-                </a:tc>
-                <a:tc>
-                  <a:txBody>
-                    <a:bodyPr/>
-                    <a:lstStyle/>
-                    <a:p>
-                      <a:pPr lvl="0"/>
-                      <a:r>
-                        <a:rPr lang="pt-PT" sz="1800" kern="1200" dirty="0">
-                          <a:solidFill>
-                            <a:schemeClr val="tx1"/>
-                          </a:solidFill>
-                          <a:effectLst/>
-                          <a:latin typeface="+mn-lt"/>
-                          <a:ea typeface="+mn-ea"/>
-                          <a:cs typeface="+mn-cs"/>
-                        </a:rPr>
-                        <a:t>Planeamento dos objetivos;</a:t>
-                      </a:r>
-                    </a:p>
-                    <a:p>
-                      <a:r>
-                        <a:rPr lang="pt-PT" sz="1800" kern="1200" dirty="0">
-                          <a:solidFill>
-                            <a:schemeClr val="tx1"/>
-                          </a:solidFill>
-                          <a:effectLst/>
-                          <a:latin typeface="+mn-lt"/>
-                          <a:ea typeface="+mn-ea"/>
-                          <a:cs typeface="+mn-cs"/>
-                        </a:rPr>
-                        <a:t>Atualização das sprints.</a:t>
-                      </a:r>
-                      <a:endParaRPr lang="pt-PT" dirty="0"/>
-                    </a:p>
-                  </a:txBody>
-                  <a:tcPr/>
-                </a:tc>
-                <a:extLst>
-                  <a:ext uri="{0D108BD9-81ED-4DB2-BD59-A6C34878D82A}">
-                    <a16:rowId xmlns:a16="http://schemas.microsoft.com/office/drawing/2014/main" val="1170916597"/>
-                  </a:ext>
-                </a:extLst>
-              </a:tr>
-              <a:tr h="370840">
-                <a:tc>
-                  <a:txBody>
-                    <a:bodyPr/>
-                    <a:lstStyle/>
-                    <a:p>
-                      <a:r>
-                        <a:rPr lang="pt-PT" dirty="0" err="1"/>
-                        <a:t>Development</a:t>
-                      </a:r>
-                      <a:r>
-                        <a:rPr lang="pt-PT" dirty="0"/>
-                        <a:t> Team</a:t>
-                      </a:r>
-                    </a:p>
-                  </a:txBody>
-                  <a:tcPr/>
-                </a:tc>
-                <a:tc>
-                  <a:txBody>
-                    <a:bodyPr/>
-                    <a:lstStyle/>
-                    <a:p>
-                      <a:r>
-                        <a:rPr lang="pt-PT" dirty="0"/>
-                        <a:t>David Domingues</a:t>
-                      </a:r>
-                    </a:p>
-                    <a:p>
-                      <a:r>
-                        <a:rPr lang="pt-PT" dirty="0"/>
-                        <a:t>Hugo Gomes</a:t>
-                      </a:r>
-                    </a:p>
-                    <a:p>
-                      <a:r>
-                        <a:rPr lang="pt-PT" dirty="0"/>
-                        <a:t>Ruben Soares</a:t>
-                      </a:r>
-                    </a:p>
-                  </a:txBody>
-                  <a:tcPr/>
-                </a:tc>
-                <a:tc>
-                  <a:txBody>
-                    <a:bodyPr/>
-                    <a:lstStyle/>
-                    <a:p>
-                      <a:pPr lvl="0"/>
-                      <a:r>
-                        <a:rPr lang="pt-PT" sz="1800" kern="1200" dirty="0">
-                          <a:solidFill>
-                            <a:schemeClr val="tx1"/>
-                          </a:solidFill>
-                          <a:effectLst/>
-                          <a:latin typeface="+mn-lt"/>
-                          <a:ea typeface="+mn-ea"/>
-                          <a:cs typeface="+mn-cs"/>
-                        </a:rPr>
-                        <a:t>Desenvolvimento da aplicação;</a:t>
-                      </a:r>
-                    </a:p>
-                    <a:p>
-                      <a:r>
-                        <a:rPr lang="pt-PT" sz="1800" kern="1200" dirty="0">
-                          <a:solidFill>
-                            <a:schemeClr val="tx1"/>
-                          </a:solidFill>
-                          <a:effectLst/>
-                          <a:latin typeface="+mn-lt"/>
-                          <a:ea typeface="+mn-ea"/>
-                          <a:cs typeface="+mn-cs"/>
-                        </a:rPr>
-                        <a:t>Realização do relatório.</a:t>
-                      </a:r>
-                      <a:endParaRPr lang="pt-PT" dirty="0"/>
-                    </a:p>
-                  </a:txBody>
-                  <a:tcPr/>
-                </a:tc>
-                <a:extLst>
-                  <a:ext uri="{0D108BD9-81ED-4DB2-BD59-A6C34878D82A}">
-                    <a16:rowId xmlns:a16="http://schemas.microsoft.com/office/drawing/2014/main" val="2236872564"/>
-                  </a:ext>
-                </a:extLst>
-              </a:tr>
-            </a:tbl>
-          </a:graphicData>
-        </a:graphic>
-      </p:graphicFrame>
-    </p:spTree>
-    <p:extLst>
-      <p:ext uri="{BB962C8B-B14F-4D97-AF65-F5344CB8AC3E}">
-        <p14:creationId xmlns:p14="http://schemas.microsoft.com/office/powerpoint/2010/main" val="2953478467"/>
-      </p:ext>
-    </p:extLst>
-  </p:cSld>
-  <p:clrMapOvr>
-    <a:masterClrMapping/>
-  </p:clrMapOvr>
-</p:sld>
-</file>
-
-<file path=ppt/slides/slide8.xml><?xml version="1.0" encoding="utf-8"?>
-<p:sld xmlns:a="http://schemas.openxmlformats.org/drawingml/2006/main" xmlns:r="http://schemas.openxmlformats.org/officeDocument/2006/relationships" xmlns:p="http://schemas.openxmlformats.org/presentationml/2006/main">
-  <p:cSld>
-    <p:spTree>
-      <p:nvGrpSpPr>
-        <p:cNvPr id="1" name=""/>
-        <p:cNvGrpSpPr/>
-        <p:nvPr/>
-      </p:nvGrpSpPr>
-      <p:grpSpPr>
-        <a:xfrm>
-          <a:off x="0" y="0"/>
-          <a:ext cx="0" cy="0"/>
-          <a:chOff x="0" y="0"/>
-          <a:chExt cx="0" cy="0"/>
-        </a:xfrm>
-      </p:grpSpPr>
-      <p:sp>
-        <p:nvSpPr>
-          <p:cNvPr id="2" name="Título 1">
-            <a:extLst>
-              <a:ext uri="{FF2B5EF4-FFF2-40B4-BE49-F238E27FC236}">
-                <a16:creationId xmlns:a16="http://schemas.microsoft.com/office/drawing/2014/main" id="{33A21A64-7428-0FD4-857E-CEADBC952D42}"/>
-              </a:ext>
-            </a:extLst>
-          </p:cNvPr>
-          <p:cNvSpPr>
-            <a:spLocks noGrp="1"/>
-          </p:cNvSpPr>
-          <p:nvPr>
-            <p:ph type="title"/>
-          </p:nvPr>
-        </p:nvSpPr>
-        <p:spPr/>
-        <p:txBody>
-          <a:bodyPr/>
-          <a:lstStyle/>
-          <a:p>
-            <a:r>
-              <a:rPr lang="pt-PT" dirty="0"/>
-              <a:t>User </a:t>
-            </a:r>
-            <a:r>
-              <a:rPr lang="pt-PT" dirty="0" err="1"/>
-              <a:t>stories</a:t>
-            </a:r>
-            <a:endParaRPr lang="pt-PT" dirty="0"/>
-          </a:p>
-        </p:txBody>
-      </p:sp>
-      <p:sp>
-        <p:nvSpPr>
-          <p:cNvPr id="3" name="Marcador de Posição de Conteúdo 2">
-            <a:extLst>
-              <a:ext uri="{FF2B5EF4-FFF2-40B4-BE49-F238E27FC236}">
-                <a16:creationId xmlns:a16="http://schemas.microsoft.com/office/drawing/2014/main" id="{0CAE351A-6871-0BB0-780D-989DACA17BEB}"/>
-              </a:ext>
-            </a:extLst>
-          </p:cNvPr>
-          <p:cNvSpPr>
-            <a:spLocks noGrp="1"/>
-          </p:cNvSpPr>
-          <p:nvPr>
-            <p:ph idx="1"/>
-          </p:nvPr>
-        </p:nvSpPr>
-        <p:spPr/>
-        <p:txBody>
-          <a:bodyPr/>
-          <a:lstStyle/>
-          <a:p>
-            <a:r>
-              <a:rPr lang="pt-PT" dirty="0"/>
-              <a:t>As </a:t>
-            </a:r>
-            <a:r>
-              <a:rPr lang="pt-PT" i="1" dirty="0"/>
-              <a:t>User </a:t>
-            </a:r>
-            <a:r>
-              <a:rPr lang="pt-PT" i="1" dirty="0" err="1"/>
-              <a:t>Stories</a:t>
-            </a:r>
-            <a:r>
-              <a:rPr lang="pt-PT" i="1" dirty="0"/>
-              <a:t> </a:t>
-            </a:r>
-            <a:r>
-              <a:rPr lang="pt-PT" dirty="0"/>
-              <a:t>são definidas com vista a cumprir os requisitos do cliente.</a:t>
-            </a:r>
-            <a:r>
-              <a:rPr lang="pt-PT" i="1" dirty="0"/>
-              <a:t> </a:t>
-            </a:r>
-            <a:r>
-              <a:rPr lang="pt-PT" dirty="0"/>
-              <a:t>Foram definidas algumas ao longo do desenvolvimento do projeto.</a:t>
-            </a:r>
-          </a:p>
-        </p:txBody>
-      </p:sp>
-      <p:pic>
-        <p:nvPicPr>
-          <p:cNvPr id="5" name="Imagem 4">
-            <a:extLst>
-              <a:ext uri="{FF2B5EF4-FFF2-40B4-BE49-F238E27FC236}">
-                <a16:creationId xmlns:a16="http://schemas.microsoft.com/office/drawing/2014/main" id="{E798002B-A380-00DE-E98D-2814CF1FF029}"/>
-              </a:ext>
-            </a:extLst>
-          </p:cNvPr>
-          <p:cNvPicPr>
-            <a:picLocks noChangeAspect="1"/>
-          </p:cNvPicPr>
-          <p:nvPr/>
-        </p:nvPicPr>
-        <p:blipFill>
-          <a:blip r:embed="rId2"/>
-          <a:stretch>
-            <a:fillRect/>
-          </a:stretch>
-        </p:blipFill>
-        <p:spPr>
-          <a:xfrm>
-            <a:off x="2920479" y="3260494"/>
-            <a:ext cx="6149873" cy="2385267"/>
-          </a:xfrm>
-          <a:prstGeom prst="rect">
-            <a:avLst/>
-          </a:prstGeom>
-        </p:spPr>
-      </p:pic>
-    </p:spTree>
-    <p:extLst>
-      <p:ext uri="{BB962C8B-B14F-4D97-AF65-F5344CB8AC3E}">
-        <p14:creationId xmlns:p14="http://schemas.microsoft.com/office/powerpoint/2010/main" val="3623616369"/>
-      </p:ext>
-    </p:extLst>
-  </p:cSld>
-  <p:clrMapOvr>
-    <a:masterClrMapping/>
-  </p:clrMapOvr>
-</p:sld>
-</file>
-
-<file path=ppt/slides/slide9.xml><?xml version="1.0" encoding="utf-8"?>
-<p:sld xmlns:a="http://schemas.openxmlformats.org/drawingml/2006/main" xmlns:r="http://schemas.openxmlformats.org/officeDocument/2006/relationships" xmlns:p="http://schemas.openxmlformats.org/presentationml/2006/main">
-  <p:cSld>
-    <p:spTree>
-      <p:nvGrpSpPr>
-        <p:cNvPr id="1" name=""/>
-        <p:cNvGrpSpPr/>
-        <p:nvPr/>
-      </p:nvGrpSpPr>
-      <p:grpSpPr>
-        <a:xfrm>
-          <a:off x="0" y="0"/>
-          <a:ext cx="0" cy="0"/>
-          <a:chOff x="0" y="0"/>
-          <a:chExt cx="0" cy="0"/>
-        </a:xfrm>
-      </p:grpSpPr>
-      <p:sp>
-        <p:nvSpPr>
-          <p:cNvPr id="2" name="Título 1">
-            <a:extLst>
-              <a:ext uri="{FF2B5EF4-FFF2-40B4-BE49-F238E27FC236}">
-                <a16:creationId xmlns:a16="http://schemas.microsoft.com/office/drawing/2014/main" id="{8B99C492-46C8-B154-1B3D-BBEE846EC7D9}"/>
-              </a:ext>
-            </a:extLst>
-          </p:cNvPr>
-          <p:cNvSpPr>
-            <a:spLocks noGrp="1"/>
-          </p:cNvSpPr>
-          <p:nvPr>
-            <p:ph type="title"/>
-          </p:nvPr>
-        </p:nvSpPr>
-        <p:spPr/>
-        <p:txBody>
-          <a:bodyPr/>
-          <a:lstStyle/>
-          <a:p>
-            <a:r>
-              <a:rPr lang="pt-PT" dirty="0"/>
-              <a:t>Sprints</a:t>
-            </a:r>
-          </a:p>
-        </p:txBody>
-      </p:sp>
-      <p:sp>
-        <p:nvSpPr>
-          <p:cNvPr id="3" name="Marcador de Posição de Conteúdo 2">
-            <a:extLst>
-              <a:ext uri="{FF2B5EF4-FFF2-40B4-BE49-F238E27FC236}">
-                <a16:creationId xmlns:a16="http://schemas.microsoft.com/office/drawing/2014/main" id="{DD5A512E-9246-5909-1F72-30E9C6784CED}"/>
-              </a:ext>
-            </a:extLst>
-          </p:cNvPr>
-          <p:cNvSpPr>
-            <a:spLocks noGrp="1"/>
-          </p:cNvSpPr>
-          <p:nvPr>
-            <p:ph idx="1"/>
-          </p:nvPr>
-        </p:nvSpPr>
-        <p:spPr/>
-        <p:txBody>
-          <a:bodyPr/>
-          <a:lstStyle/>
-          <a:p>
-            <a:r>
-              <a:rPr lang="pt-PT" dirty="0"/>
-              <a:t>Como anteriormente referido, para a gestão de tarefas e tempos, foi utilizada a ferramenta </a:t>
-            </a:r>
-            <a:r>
-              <a:rPr lang="pt-PT" i="1" dirty="0" err="1"/>
-              <a:t>Jira</a:t>
-            </a:r>
-            <a:r>
-              <a:rPr lang="pt-PT" i="1" dirty="0"/>
-              <a:t>. </a:t>
-            </a:r>
-            <a:r>
-              <a:rPr lang="pt-PT" dirty="0"/>
-              <a:t>Como resultado, o projeto foi </a:t>
-            </a:r>
-            <a:r>
-              <a:rPr lang="pt-PT" dirty="0" err="1"/>
-              <a:t>s«desenvolvido</a:t>
-            </a:r>
-            <a:r>
-              <a:rPr lang="pt-PT" dirty="0"/>
-              <a:t> em 4 sprints com a duração de 2 semanas cada.</a:t>
-            </a:r>
-          </a:p>
-        </p:txBody>
-      </p:sp>
-    </p:spTree>
-    <p:extLst>
-      <p:ext uri="{BB962C8B-B14F-4D97-AF65-F5344CB8AC3E}">
-        <p14:creationId xmlns:p14="http://schemas.microsoft.com/office/powerpoint/2010/main" val="2682233983"/>
+        <p14:creationId xmlns:p14="http://schemas.microsoft.com/office/powerpoint/2010/main" val="3776736273"/>
       </p:ext>
     </p:extLst>
   </p:cSld>
